--- a/Productivity_Git_Training.pptx
+++ b/Productivity_Git_Training.pptx
@@ -10,17 +10,6 @@
     <p:sldId id="258" r:id="rId4"/>
     <p:sldId id="259" r:id="rId5"/>
     <p:sldId id="260" r:id="rId6"/>
-    <p:sldId id="261" r:id="rId7"/>
-    <p:sldId id="262" r:id="rId8"/>
-    <p:sldId id="268" r:id="rId9"/>
-    <p:sldId id="269" r:id="rId10"/>
-    <p:sldId id="271" r:id="rId11"/>
-    <p:sldId id="270" r:id="rId12"/>
-    <p:sldId id="263" r:id="rId13"/>
-    <p:sldId id="264" r:id="rId14"/>
-    <p:sldId id="265" r:id="rId15"/>
-    <p:sldId id="266" r:id="rId16"/>
-    <p:sldId id="267" r:id="rId17"/>
   </p:sldIdLst>
   <p:sldSz cx="9144000" cy="6858000" type="screen4x3"/>
   <p:notesSz cx="6858000" cy="9144000"/>
@@ -265,7 +254,7 @@
           <a:p>
             <a:fld id="{CE7799F8-1BDC-4800-8247-B1CB72F06477}" type="datetimeFigureOut">
               <a:rPr lang="en-US" smtClean="0"/>
-              <a:t>12/2/2015</a:t>
+              <a:t>12/3/2015</a:t>
             </a:fld>
             <a:endParaRPr lang="en-US"/>
           </a:p>
@@ -624,7 +613,7 @@
           <a:p>
             <a:fld id="{CE7799F8-1BDC-4800-8247-B1CB72F06477}" type="datetimeFigureOut">
               <a:rPr lang="en-US" smtClean="0"/>
-              <a:t>12/2/2015</a:t>
+              <a:t>12/3/2015</a:t>
             </a:fld>
             <a:endParaRPr lang="en-US"/>
           </a:p>
@@ -799,7 +788,7 @@
           <a:p>
             <a:fld id="{CE7799F8-1BDC-4800-8247-B1CB72F06477}" type="datetimeFigureOut">
               <a:rPr lang="en-US" smtClean="0"/>
-              <a:t>12/2/2015</a:t>
+              <a:t>12/3/2015</a:t>
             </a:fld>
             <a:endParaRPr lang="en-US"/>
           </a:p>
@@ -1034,7 +1023,7 @@
           <a:p>
             <a:fld id="{CE7799F8-1BDC-4800-8247-B1CB72F06477}" type="datetimeFigureOut">
               <a:rPr lang="en-US" smtClean="0"/>
-              <a:t>12/2/2015</a:t>
+              <a:t>12/3/2015</a:t>
             </a:fld>
             <a:endParaRPr lang="en-US"/>
           </a:p>
@@ -1303,7 +1292,7 @@
           <a:p>
             <a:fld id="{CE7799F8-1BDC-4800-8247-B1CB72F06477}" type="datetimeFigureOut">
               <a:rPr lang="en-US" smtClean="0"/>
-              <a:t>12/2/2015</a:t>
+              <a:t>12/3/2015</a:t>
             </a:fld>
             <a:endParaRPr lang="en-US"/>
           </a:p>
@@ -1523,7 +1512,7 @@
           <a:p>
             <a:fld id="{CE7799F8-1BDC-4800-8247-B1CB72F06477}" type="datetimeFigureOut">
               <a:rPr lang="en-US" smtClean="0"/>
-              <a:t>12/2/2015</a:t>
+              <a:t>12/3/2015</a:t>
             </a:fld>
             <a:endParaRPr lang="en-US"/>
           </a:p>
@@ -1875,7 +1864,7 @@
           <a:p>
             <a:fld id="{CE7799F8-1BDC-4800-8247-B1CB72F06477}" type="datetimeFigureOut">
               <a:rPr lang="en-US" smtClean="0"/>
-              <a:t>12/2/2015</a:t>
+              <a:t>12/3/2015</a:t>
             </a:fld>
             <a:endParaRPr lang="en-US"/>
           </a:p>
@@ -2107,7 +2096,7 @@
           <a:p>
             <a:fld id="{CE7799F8-1BDC-4800-8247-B1CB72F06477}" type="datetimeFigureOut">
               <a:rPr lang="en-US" smtClean="0"/>
-              <a:t>12/2/2015</a:t>
+              <a:t>12/3/2015</a:t>
             </a:fld>
             <a:endParaRPr lang="en-US"/>
           </a:p>
@@ -2247,7 +2236,7 @@
           <a:p>
             <a:fld id="{CE7799F8-1BDC-4800-8247-B1CB72F06477}" type="datetimeFigureOut">
               <a:rPr lang="en-US" smtClean="0"/>
-              <a:t>12/2/2015</a:t>
+              <a:t>12/3/2015</a:t>
             </a:fld>
             <a:endParaRPr lang="en-US"/>
           </a:p>
@@ -2524,7 +2513,7 @@
           <a:p>
             <a:fld id="{CE7799F8-1BDC-4800-8247-B1CB72F06477}" type="datetimeFigureOut">
               <a:rPr lang="en-US" smtClean="0"/>
-              <a:t>12/2/2015</a:t>
+              <a:t>12/3/2015</a:t>
             </a:fld>
             <a:endParaRPr lang="en-US"/>
           </a:p>
@@ -2931,7 +2920,7 @@
           <a:p>
             <a:fld id="{CE7799F8-1BDC-4800-8247-B1CB72F06477}" type="datetimeFigureOut">
               <a:rPr lang="en-US" smtClean="0"/>
-              <a:t>12/2/2015</a:t>
+              <a:t>12/3/2015</a:t>
             </a:fld>
             <a:endParaRPr lang="en-US"/>
           </a:p>
@@ -3269,7 +3258,7 @@
           <a:p>
             <a:fld id="{CE7799F8-1BDC-4800-8247-B1CB72F06477}" type="datetimeFigureOut">
               <a:rPr lang="en-US" smtClean="0"/>
-              <a:t>12/2/2015</a:t>
+              <a:t>12/3/2015</a:t>
             </a:fld>
             <a:endParaRPr lang="en-US"/>
           </a:p>
@@ -3871,13 +3860,8 @@
           <a:p>
             <a:r>
               <a:rPr lang="en-US" dirty="0" smtClean="0"/>
-              <a:t>By </a:t>
-            </a:r>
-            <a:r>
-              <a:rPr lang="en-US" dirty="0" smtClean="0"/>
-              <a:t>Sam Ni</a:t>
-            </a:r>
-            <a:endParaRPr lang="en-US" dirty="0" smtClean="0"/>
+              <a:t>By Sam Ni</a:t>
+            </a:r>
           </a:p>
         </p:txBody>
       </p:sp>
@@ -3909,1470 +3893,6 @@
 </p:sld>
 </file>
 
-<file path=ppt/slides/slide10.xml><?xml version="1.0" encoding="utf-8"?>
-<p:sld xmlns:a="http://schemas.openxmlformats.org/drawingml/2006/main" xmlns:r="http://schemas.openxmlformats.org/officeDocument/2006/relationships" xmlns:p="http://schemas.openxmlformats.org/presentationml/2006/main">
-  <p:cSld>
-    <p:spTree>
-      <p:nvGrpSpPr>
-        <p:cNvPr id="1" name=""/>
-        <p:cNvGrpSpPr/>
-        <p:nvPr/>
-      </p:nvGrpSpPr>
-      <p:grpSpPr>
-        <a:xfrm>
-          <a:off x="0" y="0"/>
-          <a:ext cx="0" cy="0"/>
-          <a:chOff x="0" y="0"/>
-          <a:chExt cx="0" cy="0"/>
-        </a:xfrm>
-      </p:grpSpPr>
-      <p:sp>
-        <p:nvSpPr>
-          <p:cNvPr id="2" name="Title 1"/>
-          <p:cNvSpPr>
-            <a:spLocks noGrp="1"/>
-          </p:cNvSpPr>
-          <p:nvPr>
-            <p:ph type="title"/>
-          </p:nvPr>
-        </p:nvSpPr>
-        <p:spPr/>
-        <p:txBody>
-          <a:bodyPr/>
-          <a:lstStyle/>
-          <a:p>
-            <a:r>
-              <a:rPr lang="en-US" dirty="0"/>
-              <a:t>Environment </a:t>
-            </a:r>
-            <a:r>
-              <a:rPr lang="en-US" dirty="0" smtClean="0"/>
-              <a:t>Setup I</a:t>
-            </a:r>
-            <a:endParaRPr lang="en-US" dirty="0"/>
-          </a:p>
-        </p:txBody>
-      </p:sp>
-      <p:sp>
-        <p:nvSpPr>
-          <p:cNvPr id="3" name="Content Placeholder 2"/>
-          <p:cNvSpPr>
-            <a:spLocks noGrp="1"/>
-          </p:cNvSpPr>
-          <p:nvPr>
-            <p:ph sz="quarter" idx="1"/>
-          </p:nvPr>
-        </p:nvSpPr>
-        <p:spPr/>
-        <p:txBody>
-          <a:bodyPr>
-            <a:normAutofit fontScale="77500" lnSpcReduction="20000"/>
-          </a:bodyPr>
-          <a:lstStyle/>
-          <a:p>
-            <a:pPr lvl="0"/>
-            <a:r>
-              <a:rPr lang="en-US" dirty="0" err="1"/>
-              <a:t>les:https</a:t>
-            </a:r>
-            <a:r>
-              <a:rPr lang="en-US" dirty="0"/>
-              <a:t>://athena.redprairie.com/</a:t>
-            </a:r>
-            <a:r>
-              <a:rPr lang="en-US" dirty="0" err="1"/>
-              <a:t>svn</a:t>
-            </a:r>
-            <a:r>
-              <a:rPr lang="en-US" dirty="0"/>
-              <a:t>/prod/</a:t>
-            </a:r>
-            <a:r>
-              <a:rPr lang="en-US" dirty="0" err="1"/>
-              <a:t>env</a:t>
-            </a:r>
-            <a:r>
-              <a:rPr lang="en-US" dirty="0"/>
-              <a:t>/trunk</a:t>
-            </a:r>
-          </a:p>
-          <a:p>
-            <a:pPr lvl="0"/>
-            <a:r>
-              <a:rPr lang="en-US" dirty="0" err="1"/>
-              <a:t>mcs:https</a:t>
-            </a:r>
-            <a:r>
-              <a:rPr lang="en-US" dirty="0"/>
-              <a:t>://athena.redprairie.com/</a:t>
-            </a:r>
-            <a:r>
-              <a:rPr lang="en-US" dirty="0" err="1"/>
-              <a:t>svn</a:t>
-            </a:r>
-            <a:r>
-              <a:rPr lang="en-US" dirty="0"/>
-              <a:t>/prod/</a:t>
-            </a:r>
-            <a:r>
-              <a:rPr lang="en-US" dirty="0" err="1"/>
-              <a:t>mcs</a:t>
-            </a:r>
-            <a:r>
-              <a:rPr lang="en-US" dirty="0"/>
-              <a:t>/trunk</a:t>
-            </a:r>
-          </a:p>
-          <a:p>
-            <a:pPr lvl="0"/>
-            <a:r>
-              <a:rPr lang="en-US" dirty="0" err="1"/>
-              <a:t>moca:https</a:t>
-            </a:r>
-            <a:r>
-              <a:rPr lang="en-US" dirty="0"/>
-              <a:t>://athena.redprairie.com/</a:t>
-            </a:r>
-            <a:r>
-              <a:rPr lang="en-US" dirty="0" err="1"/>
-              <a:t>svn</a:t>
-            </a:r>
-            <a:r>
-              <a:rPr lang="en-US" dirty="0"/>
-              <a:t>/prod/</a:t>
-            </a:r>
-            <a:r>
-              <a:rPr lang="en-US" dirty="0" err="1"/>
-              <a:t>moca</a:t>
-            </a:r>
-            <a:r>
-              <a:rPr lang="en-US" dirty="0"/>
-              <a:t>/tags/stable</a:t>
-            </a:r>
-          </a:p>
-          <a:p>
-            <a:pPr lvl="0"/>
-            <a:r>
-              <a:rPr lang="en-US" dirty="0" err="1"/>
-              <a:t>mtf:https</a:t>
-            </a:r>
-            <a:r>
-              <a:rPr lang="en-US" dirty="0"/>
-              <a:t>://athena.redprairie.com/</a:t>
-            </a:r>
-            <a:r>
-              <a:rPr lang="en-US" dirty="0" err="1"/>
-              <a:t>svn</a:t>
-            </a:r>
-            <a:r>
-              <a:rPr lang="en-US" dirty="0"/>
-              <a:t>/prod/</a:t>
-            </a:r>
-            <a:r>
-              <a:rPr lang="en-US" dirty="0" err="1"/>
-              <a:t>mtf</a:t>
-            </a:r>
-            <a:r>
-              <a:rPr lang="en-US" dirty="0"/>
-              <a:t>/trunk</a:t>
-            </a:r>
-          </a:p>
-          <a:p>
-            <a:pPr lvl="0"/>
-            <a:r>
-              <a:rPr lang="en-US" dirty="0" err="1"/>
-              <a:t>rpux:https</a:t>
-            </a:r>
-            <a:r>
-              <a:rPr lang="en-US" dirty="0"/>
-              <a:t>://athena.redprairie.com/</a:t>
-            </a:r>
-            <a:r>
-              <a:rPr lang="en-US" dirty="0" err="1"/>
-              <a:t>svn</a:t>
-            </a:r>
-            <a:r>
-              <a:rPr lang="en-US" dirty="0"/>
-              <a:t>/prod/</a:t>
-            </a:r>
-            <a:r>
-              <a:rPr lang="en-US" dirty="0" err="1"/>
-              <a:t>rpux</a:t>
-            </a:r>
-            <a:r>
-              <a:rPr lang="en-US" dirty="0"/>
-              <a:t>/trunk</a:t>
-            </a:r>
-          </a:p>
-          <a:p>
-            <a:pPr lvl="0"/>
-            <a:r>
-              <a:rPr lang="en-US" dirty="0" err="1"/>
-              <a:t>rpweb:https</a:t>
-            </a:r>
-            <a:r>
-              <a:rPr lang="en-US" dirty="0"/>
-              <a:t>://athena.redprairie.com/</a:t>
-            </a:r>
-            <a:r>
-              <a:rPr lang="en-US" dirty="0" err="1"/>
-              <a:t>svn</a:t>
-            </a:r>
-            <a:r>
-              <a:rPr lang="en-US" dirty="0"/>
-              <a:t>/prod/</a:t>
-            </a:r>
-            <a:r>
-              <a:rPr lang="en-US" dirty="0" err="1"/>
-              <a:t>rpweb</a:t>
-            </a:r>
-            <a:r>
-              <a:rPr lang="en-US" dirty="0"/>
-              <a:t>/branches/edge</a:t>
-            </a:r>
-          </a:p>
-          <a:p>
-            <a:pPr lvl="0"/>
-            <a:r>
-              <a:rPr lang="en-US" dirty="0" err="1"/>
-              <a:t>sal:https</a:t>
-            </a:r>
-            <a:r>
-              <a:rPr lang="en-US" dirty="0"/>
-              <a:t>://athena.redprairie.com/</a:t>
-            </a:r>
-            <a:r>
-              <a:rPr lang="en-US" dirty="0" err="1"/>
-              <a:t>svn</a:t>
-            </a:r>
-            <a:r>
-              <a:rPr lang="en-US" dirty="0"/>
-              <a:t>/prod/</a:t>
-            </a:r>
-            <a:r>
-              <a:rPr lang="en-US" dirty="0" err="1"/>
-              <a:t>sal</a:t>
-            </a:r>
-            <a:r>
-              <a:rPr lang="en-US" dirty="0"/>
-              <a:t>/features/2013.2/config-5-bleum</a:t>
-            </a:r>
-          </a:p>
-          <a:p>
-            <a:pPr lvl="0"/>
-            <a:r>
-              <a:rPr lang="en-US" dirty="0" err="1"/>
-              <a:t>seamless:https</a:t>
-            </a:r>
-            <a:r>
-              <a:rPr lang="en-US" dirty="0"/>
-              <a:t>://athena.redprairie.com/</a:t>
-            </a:r>
-            <a:r>
-              <a:rPr lang="en-US" dirty="0" err="1"/>
-              <a:t>svn</a:t>
-            </a:r>
-            <a:r>
-              <a:rPr lang="en-US" dirty="0"/>
-              <a:t>/prod/</a:t>
-            </a:r>
-            <a:r>
-              <a:rPr lang="en-US" dirty="0" err="1"/>
-              <a:t>int</a:t>
-            </a:r>
-            <a:r>
-              <a:rPr lang="en-US" dirty="0"/>
-              <a:t>/tags/stable</a:t>
-            </a:r>
-          </a:p>
-          <a:p>
-            <a:pPr lvl="0"/>
-            <a:r>
-              <a:rPr lang="en-US" dirty="0" err="1"/>
-              <a:t>wmd:https</a:t>
-            </a:r>
-            <a:r>
-              <a:rPr lang="en-US" dirty="0"/>
-              <a:t>://athena.redprairie.com/</a:t>
-            </a:r>
-            <a:r>
-              <a:rPr lang="en-US" dirty="0" err="1"/>
-              <a:t>svn</a:t>
-            </a:r>
-            <a:r>
-              <a:rPr lang="en-US" dirty="0"/>
-              <a:t>/prod/</a:t>
-            </a:r>
-            <a:r>
-              <a:rPr lang="en-US" dirty="0" err="1"/>
-              <a:t>wmd</a:t>
-            </a:r>
-            <a:r>
-              <a:rPr lang="en-US" dirty="0"/>
-              <a:t>/features/2013.2/config-5-bleum</a:t>
-            </a:r>
-          </a:p>
-          <a:p>
-            <a:pPr lvl="0"/>
-            <a:r>
-              <a:rPr lang="en-US" dirty="0" err="1"/>
-              <a:t>devtools:https</a:t>
-            </a:r>
-            <a:r>
-              <a:rPr lang="en-US" dirty="0"/>
-              <a:t>://athena.redprairie.com/</a:t>
-            </a:r>
-            <a:r>
-              <a:rPr lang="en-US" dirty="0" err="1"/>
-              <a:t>svn</a:t>
-            </a:r>
-            <a:r>
-              <a:rPr lang="en-US" dirty="0"/>
-              <a:t>/prod/</a:t>
-            </a:r>
-            <a:r>
-              <a:rPr lang="en-US" dirty="0" err="1"/>
-              <a:t>devtools</a:t>
-            </a:r>
-            <a:r>
-              <a:rPr lang="en-US" dirty="0"/>
-              <a:t>/trunk</a:t>
-            </a:r>
-          </a:p>
-          <a:p>
-            <a:pPr lvl="0"/>
-            <a:r>
-              <a:rPr lang="en-US" dirty="0" err="1"/>
-              <a:t>RPFitNesse:https</a:t>
-            </a:r>
-            <a:r>
-              <a:rPr lang="en-US" dirty="0"/>
-              <a:t>://athena.redprairie.com/</a:t>
-            </a:r>
-            <a:r>
-              <a:rPr lang="en-US" dirty="0" err="1"/>
-              <a:t>svn</a:t>
-            </a:r>
-            <a:r>
-              <a:rPr lang="en-US" dirty="0"/>
-              <a:t>/prod/</a:t>
-            </a:r>
-            <a:r>
-              <a:rPr lang="en-US" dirty="0" err="1"/>
-              <a:t>RPFitNesse</a:t>
-            </a:r>
-            <a:r>
-              <a:rPr lang="en-US" dirty="0"/>
-              <a:t>/trunk</a:t>
-            </a:r>
-          </a:p>
-          <a:p>
-            <a:r>
-              <a:rPr lang="en-US" dirty="0">
-                <a:hlinkClick r:id="rId2"/>
-              </a:rPr>
-              <a:t>https://athena.redprairie.com/svn/prod/wmd-testing/features/2013.2/config-5-bleum</a:t>
-            </a:r>
-            <a:endParaRPr lang="en-US" dirty="0"/>
-          </a:p>
-        </p:txBody>
-      </p:sp>
-    </p:spTree>
-    <p:extLst>
-      <p:ext uri="{BB962C8B-B14F-4D97-AF65-F5344CB8AC3E}">
-        <p14:creationId xmlns:p14="http://schemas.microsoft.com/office/powerpoint/2010/main" val="1005524168"/>
-      </p:ext>
-    </p:extLst>
-  </p:cSld>
-  <p:clrMapOvr>
-    <a:masterClrMapping/>
-  </p:clrMapOvr>
-</p:sld>
-</file>
-
-<file path=ppt/slides/slide11.xml><?xml version="1.0" encoding="utf-8"?>
-<p:sld xmlns:a="http://schemas.openxmlformats.org/drawingml/2006/main" xmlns:r="http://schemas.openxmlformats.org/officeDocument/2006/relationships" xmlns:p="http://schemas.openxmlformats.org/presentationml/2006/main">
-  <p:cSld>
-    <p:spTree>
-      <p:nvGrpSpPr>
-        <p:cNvPr id="1" name=""/>
-        <p:cNvGrpSpPr/>
-        <p:nvPr/>
-      </p:nvGrpSpPr>
-      <p:grpSpPr>
-        <a:xfrm>
-          <a:off x="0" y="0"/>
-          <a:ext cx="0" cy="0"/>
-          <a:chOff x="0" y="0"/>
-          <a:chExt cx="0" cy="0"/>
-        </a:xfrm>
-      </p:grpSpPr>
-      <p:sp>
-        <p:nvSpPr>
-          <p:cNvPr id="2" name="Title 1"/>
-          <p:cNvSpPr>
-            <a:spLocks noGrp="1"/>
-          </p:cNvSpPr>
-          <p:nvPr>
-            <p:ph type="title"/>
-          </p:nvPr>
-        </p:nvSpPr>
-        <p:spPr/>
-        <p:txBody>
-          <a:bodyPr/>
-          <a:lstStyle/>
-          <a:p>
-            <a:r>
-              <a:rPr lang="en-US" dirty="0"/>
-              <a:t>Environment </a:t>
-            </a:r>
-            <a:r>
-              <a:rPr lang="en-US" dirty="0" smtClean="0"/>
-              <a:t>Setup II</a:t>
-            </a:r>
-            <a:endParaRPr lang="en-US" dirty="0"/>
-          </a:p>
-        </p:txBody>
-      </p:sp>
-      <p:sp>
-        <p:nvSpPr>
-          <p:cNvPr id="3" name="Content Placeholder 2"/>
-          <p:cNvSpPr>
-            <a:spLocks noGrp="1"/>
-          </p:cNvSpPr>
-          <p:nvPr>
-            <p:ph sz="quarter" idx="1"/>
-          </p:nvPr>
-        </p:nvSpPr>
-        <p:spPr/>
-        <p:txBody>
-          <a:bodyPr>
-            <a:normAutofit fontScale="92500" lnSpcReduction="10000"/>
-          </a:bodyPr>
-          <a:lstStyle/>
-          <a:p>
-            <a:r>
-              <a:rPr lang="en-US" dirty="0"/>
-              <a:t>cd %REFSDIR% </a:t>
-            </a:r>
-            <a:endParaRPr lang="en-US" dirty="0" smtClean="0"/>
-          </a:p>
-          <a:p>
-            <a:r>
-              <a:rPr lang="en-US" dirty="0" smtClean="0"/>
-              <a:t>ant </a:t>
-            </a:r>
-            <a:r>
-              <a:rPr lang="en-US" dirty="0" err="1"/>
-              <a:t>superclean</a:t>
-            </a:r>
-            <a:r>
-              <a:rPr lang="en-US" dirty="0"/>
-              <a:t> </a:t>
-            </a:r>
-            <a:endParaRPr lang="en-US" dirty="0" smtClean="0"/>
-          </a:p>
-          <a:p>
-            <a:r>
-              <a:rPr lang="en-US" dirty="0" smtClean="0"/>
-              <a:t>cd </a:t>
-            </a:r>
-            <a:r>
-              <a:rPr lang="en-US" dirty="0"/>
-              <a:t>%RPUXDIR% </a:t>
-            </a:r>
-            <a:endParaRPr lang="en-US" dirty="0" smtClean="0"/>
-          </a:p>
-          <a:p>
-            <a:r>
-              <a:rPr lang="en-US" dirty="0" smtClean="0"/>
-              <a:t>ant </a:t>
-            </a:r>
-            <a:r>
-              <a:rPr lang="en-US" dirty="0"/>
-              <a:t>clean </a:t>
-            </a:r>
-            <a:endParaRPr lang="en-US" dirty="0" smtClean="0"/>
-          </a:p>
-          <a:p>
-            <a:r>
-              <a:rPr lang="en-US" dirty="0" smtClean="0"/>
-              <a:t>cd </a:t>
-            </a:r>
-            <a:r>
-              <a:rPr lang="en-US" dirty="0"/>
-              <a:t>%DCSDIR% </a:t>
-            </a:r>
-            <a:endParaRPr lang="en-US" dirty="0" smtClean="0"/>
-          </a:p>
-          <a:p>
-            <a:r>
-              <a:rPr lang="en-US" dirty="0" smtClean="0"/>
-              <a:t>ant </a:t>
-            </a:r>
-            <a:r>
-              <a:rPr lang="en-US" dirty="0"/>
-              <a:t>clean </a:t>
-            </a:r>
-            <a:endParaRPr lang="en-US" dirty="0" smtClean="0"/>
-          </a:p>
-          <a:p>
-            <a:r>
-              <a:rPr lang="en-US" dirty="0" smtClean="0"/>
-              <a:t>cd </a:t>
-            </a:r>
-            <a:r>
-              <a:rPr lang="en-US" dirty="0"/>
-              <a:t>%REFSDIR% </a:t>
-            </a:r>
-            <a:endParaRPr lang="en-US" dirty="0" smtClean="0"/>
-          </a:p>
-          <a:p>
-            <a:r>
-              <a:rPr lang="en-US" dirty="0" smtClean="0"/>
-              <a:t>ant </a:t>
-            </a:r>
-          </a:p>
-          <a:p>
-            <a:r>
-              <a:rPr lang="en-US" dirty="0" smtClean="0"/>
-              <a:t>cd </a:t>
-            </a:r>
-            <a:r>
-              <a:rPr lang="en-US" dirty="0"/>
-              <a:t>%RPUXDIR% </a:t>
-            </a:r>
-            <a:endParaRPr lang="en-US" dirty="0" smtClean="0"/>
-          </a:p>
-          <a:p>
-            <a:r>
-              <a:rPr lang="en-US" dirty="0" smtClean="0"/>
-              <a:t>ant </a:t>
-            </a:r>
-          </a:p>
-          <a:p>
-            <a:r>
-              <a:rPr lang="en-US" dirty="0" smtClean="0"/>
-              <a:t>cd </a:t>
-            </a:r>
-            <a:r>
-              <a:rPr lang="en-US" dirty="0"/>
-              <a:t>%DCSDIR% </a:t>
-            </a:r>
-            <a:endParaRPr lang="en-US" dirty="0" smtClean="0"/>
-          </a:p>
-          <a:p>
-            <a:r>
-              <a:rPr lang="en-US" dirty="0" smtClean="0"/>
-              <a:t>ant</a:t>
-            </a:r>
-            <a:endParaRPr lang="en-US" dirty="0"/>
-          </a:p>
-          <a:p>
-            <a:endParaRPr lang="en-US" dirty="0"/>
-          </a:p>
-        </p:txBody>
-      </p:sp>
-    </p:spTree>
-    <p:extLst>
-      <p:ext uri="{BB962C8B-B14F-4D97-AF65-F5344CB8AC3E}">
-        <p14:creationId xmlns:p14="http://schemas.microsoft.com/office/powerpoint/2010/main" val="921389509"/>
-      </p:ext>
-    </p:extLst>
-  </p:cSld>
-  <p:clrMapOvr>
-    <a:masterClrMapping/>
-  </p:clrMapOvr>
-</p:sld>
-</file>
-
-<file path=ppt/slides/slide12.xml><?xml version="1.0" encoding="utf-8"?>
-<p:sld xmlns:a="http://schemas.openxmlformats.org/drawingml/2006/main" xmlns:r="http://schemas.openxmlformats.org/officeDocument/2006/relationships" xmlns:p="http://schemas.openxmlformats.org/presentationml/2006/main">
-  <p:cSld>
-    <p:spTree>
-      <p:nvGrpSpPr>
-        <p:cNvPr id="1" name=""/>
-        <p:cNvGrpSpPr/>
-        <p:nvPr/>
-      </p:nvGrpSpPr>
-      <p:grpSpPr>
-        <a:xfrm>
-          <a:off x="0" y="0"/>
-          <a:ext cx="0" cy="0"/>
-          <a:chOff x="0" y="0"/>
-          <a:chExt cx="0" cy="0"/>
-        </a:xfrm>
-      </p:grpSpPr>
-      <p:sp>
-        <p:nvSpPr>
-          <p:cNvPr id="2" name="Title 1"/>
-          <p:cNvSpPr>
-            <a:spLocks noGrp="1"/>
-          </p:cNvSpPr>
-          <p:nvPr>
-            <p:ph type="title"/>
-          </p:nvPr>
-        </p:nvSpPr>
-        <p:spPr/>
-        <p:txBody>
-          <a:bodyPr/>
-          <a:lstStyle/>
-          <a:p>
-            <a:r>
-              <a:rPr lang="en-US" dirty="0" smtClean="0"/>
-              <a:t>Sample:</a:t>
-            </a:r>
-            <a:endParaRPr lang="en-US" dirty="0"/>
-          </a:p>
-        </p:txBody>
-      </p:sp>
-      <p:sp>
-        <p:nvSpPr>
-          <p:cNvPr id="3" name="Content Placeholder 2"/>
-          <p:cNvSpPr>
-            <a:spLocks noGrp="1"/>
-          </p:cNvSpPr>
-          <p:nvPr>
-            <p:ph sz="quarter" idx="1"/>
-          </p:nvPr>
-        </p:nvSpPr>
-        <p:spPr/>
-        <p:txBody>
-          <a:bodyPr/>
-          <a:lstStyle/>
-          <a:p>
-            <a:r>
-              <a:rPr lang="en-US" dirty="0" smtClean="0"/>
-              <a:t>Click a button popup a window to show a grid.</a:t>
-            </a:r>
-            <a:endParaRPr lang="en-US" dirty="0"/>
-          </a:p>
-        </p:txBody>
-      </p:sp>
-    </p:spTree>
-    <p:extLst>
-      <p:ext uri="{BB962C8B-B14F-4D97-AF65-F5344CB8AC3E}">
-        <p14:creationId xmlns:p14="http://schemas.microsoft.com/office/powerpoint/2010/main" val="2716330741"/>
-      </p:ext>
-    </p:extLst>
-  </p:cSld>
-  <p:clrMapOvr>
-    <a:masterClrMapping/>
-  </p:clrMapOvr>
-  <mc:AlternateContent xmlns:mc="http://schemas.openxmlformats.org/markup-compatibility/2006" xmlns:p14="http://schemas.microsoft.com/office/powerpoint/2010/main">
-    <mc:Choice Requires="p14">
-      <p:transition spd="slow" p14:dur="2000"/>
-    </mc:Choice>
-    <mc:Fallback xmlns="">
-      <p:transition spd="slow"/>
-    </mc:Fallback>
-  </mc:AlternateContent>
-</p:sld>
-</file>
-
-<file path=ppt/slides/slide13.xml><?xml version="1.0" encoding="utf-8"?>
-<p:sld xmlns:a="http://schemas.openxmlformats.org/drawingml/2006/main" xmlns:r="http://schemas.openxmlformats.org/officeDocument/2006/relationships" xmlns:p="http://schemas.openxmlformats.org/presentationml/2006/main">
-  <p:cSld>
-    <p:spTree>
-      <p:nvGrpSpPr>
-        <p:cNvPr id="1" name=""/>
-        <p:cNvGrpSpPr/>
-        <p:nvPr/>
-      </p:nvGrpSpPr>
-      <p:grpSpPr>
-        <a:xfrm>
-          <a:off x="0" y="0"/>
-          <a:ext cx="0" cy="0"/>
-          <a:chOff x="0" y="0"/>
-          <a:chExt cx="0" cy="0"/>
-        </a:xfrm>
-      </p:grpSpPr>
-      <p:sp>
-        <p:nvSpPr>
-          <p:cNvPr id="2" name="Title 1"/>
-          <p:cNvSpPr>
-            <a:spLocks noGrp="1"/>
-          </p:cNvSpPr>
-          <p:nvPr>
-            <p:ph type="title"/>
-          </p:nvPr>
-        </p:nvSpPr>
-        <p:spPr/>
-        <p:txBody>
-          <a:bodyPr/>
-          <a:lstStyle/>
-          <a:p>
-            <a:r>
-              <a:rPr lang="en-US" dirty="0" smtClean="0"/>
-              <a:t>Important Document:</a:t>
-            </a:r>
-            <a:endParaRPr lang="en-US" dirty="0"/>
-          </a:p>
-        </p:txBody>
-      </p:sp>
-      <p:sp>
-        <p:nvSpPr>
-          <p:cNvPr id="3" name="Content Placeholder 2"/>
-          <p:cNvSpPr>
-            <a:spLocks noGrp="1"/>
-          </p:cNvSpPr>
-          <p:nvPr>
-            <p:ph sz="quarter" idx="1"/>
-          </p:nvPr>
-        </p:nvSpPr>
-        <p:spPr/>
-        <p:txBody>
-          <a:bodyPr>
-            <a:normAutofit fontScale="70000" lnSpcReduction="20000"/>
-          </a:bodyPr>
-          <a:lstStyle/>
-          <a:p>
-            <a:r>
-              <a:rPr lang="fr-FR" dirty="0" err="1" smtClean="0"/>
-              <a:t>Environment</a:t>
-            </a:r>
-            <a:r>
-              <a:rPr lang="fr-FR" dirty="0" smtClean="0"/>
-              <a:t> Setup Reference:</a:t>
-            </a:r>
-          </a:p>
-          <a:p>
-            <a:r>
-              <a:rPr lang="fr-FR" dirty="0" smtClean="0">
-                <a:hlinkClick r:id="rId2"/>
-              </a:rPr>
-              <a:t>http://redwiki/display/wms/How+to+-+Setup+a+RPWEB+Development+Environment</a:t>
-            </a:r>
-            <a:r>
-              <a:rPr lang="fr-FR" dirty="0" smtClean="0"/>
-              <a:t> </a:t>
-            </a:r>
-          </a:p>
-          <a:p>
-            <a:r>
-              <a:rPr lang="fr-FR" dirty="0" err="1" smtClean="0"/>
-              <a:t>RESFful</a:t>
-            </a:r>
-            <a:r>
-              <a:rPr lang="fr-FR" dirty="0" smtClean="0"/>
-              <a:t> Document:</a:t>
-            </a:r>
-          </a:p>
-          <a:p>
-            <a:r>
-              <a:rPr lang="fr-FR" dirty="0" smtClean="0">
-                <a:hlinkClick r:id="rId3"/>
-              </a:rPr>
-              <a:t>http://zh.wikipedia.org/wiki/REST</a:t>
-            </a:r>
-            <a:r>
-              <a:rPr lang="fr-FR" dirty="0" smtClean="0"/>
-              <a:t> </a:t>
-            </a:r>
-          </a:p>
-          <a:p>
-            <a:r>
-              <a:rPr lang="fr-FR" dirty="0" err="1" smtClean="0"/>
-              <a:t>Extjs</a:t>
-            </a:r>
-            <a:r>
-              <a:rPr lang="fr-FR" dirty="0" smtClean="0"/>
-              <a:t> Document:</a:t>
-            </a:r>
-          </a:p>
-          <a:p>
-            <a:r>
-              <a:rPr lang="fr-FR" dirty="0" smtClean="0">
-                <a:hlinkClick r:id="rId4"/>
-              </a:rPr>
-              <a:t>http://docs.sencha.com/extjs/4.1.3/</a:t>
-            </a:r>
-            <a:r>
-              <a:rPr lang="fr-FR" dirty="0" smtClean="0"/>
-              <a:t> </a:t>
-            </a:r>
-          </a:p>
-          <a:p>
-            <a:r>
-              <a:rPr lang="fr-FR" dirty="0" smtClean="0"/>
-              <a:t>JSON Document:</a:t>
-            </a:r>
-          </a:p>
-          <a:p>
-            <a:r>
-              <a:rPr lang="fr-FR" dirty="0" smtClean="0">
-                <a:hlinkClick r:id="rId5"/>
-              </a:rPr>
-              <a:t>http://www.json.org/json-zh.html</a:t>
-            </a:r>
-            <a:r>
-              <a:rPr lang="fr-FR" dirty="0" smtClean="0"/>
-              <a:t> </a:t>
-            </a:r>
-          </a:p>
-          <a:p>
-            <a:r>
-              <a:rPr lang="fr-FR" dirty="0" smtClean="0"/>
-              <a:t>RPWEB(REFS) Document:</a:t>
-            </a:r>
-          </a:p>
-          <a:p>
-            <a:r>
-              <a:rPr lang="fr-FR" dirty="0" smtClean="0">
-                <a:hlinkClick r:id="rId6"/>
-              </a:rPr>
-              <a:t>http://redwiki/display/rpweb/Home</a:t>
-            </a:r>
-            <a:endParaRPr lang="fr-FR" dirty="0" smtClean="0"/>
-          </a:p>
-          <a:p>
-            <a:r>
-              <a:rPr lang="fr-FR" dirty="0" smtClean="0">
-                <a:hlinkClick r:id="rId7"/>
-              </a:rPr>
-              <a:t>http://redwiki/display/rpweb/Team+Documentation</a:t>
-            </a:r>
-            <a:endParaRPr lang="fr-FR" dirty="0" smtClean="0"/>
-          </a:p>
-          <a:p>
-            <a:r>
-              <a:rPr lang="fr-FR" dirty="0" smtClean="0"/>
-              <a:t>RPUX Document:</a:t>
-            </a:r>
-          </a:p>
-          <a:p>
-            <a:r>
-              <a:rPr lang="fr-FR" dirty="0" smtClean="0">
-                <a:hlinkClick r:id="rId8"/>
-              </a:rPr>
-              <a:t>http://redwiki/display/RPUX/RPUX+Development+Home</a:t>
-            </a:r>
-            <a:endParaRPr lang="fr-FR" dirty="0" smtClean="0"/>
-          </a:p>
-          <a:p>
-            <a:r>
-              <a:rPr lang="fr-FR" dirty="0" err="1" smtClean="0"/>
-              <a:t>Gjslint</a:t>
-            </a:r>
-            <a:r>
-              <a:rPr lang="fr-FR" dirty="0" smtClean="0"/>
-              <a:t> Setup:</a:t>
-            </a:r>
-          </a:p>
-          <a:p>
-            <a:r>
-              <a:rPr lang="en-US" dirty="0" smtClean="0">
-                <a:hlinkClick r:id="rId9"/>
-              </a:rPr>
-              <a:t>http://redwiki/display/wms/Javascript+Checkstyle+Setup</a:t>
-            </a:r>
-            <a:endParaRPr lang="en-US" dirty="0" smtClean="0"/>
-          </a:p>
-          <a:p>
-            <a:endParaRPr lang="en-US" dirty="0"/>
-          </a:p>
-        </p:txBody>
-      </p:sp>
-    </p:spTree>
-    <p:extLst>
-      <p:ext uri="{BB962C8B-B14F-4D97-AF65-F5344CB8AC3E}">
-        <p14:creationId xmlns:p14="http://schemas.microsoft.com/office/powerpoint/2010/main" val="2853974537"/>
-      </p:ext>
-    </p:extLst>
-  </p:cSld>
-  <p:clrMapOvr>
-    <a:masterClrMapping/>
-  </p:clrMapOvr>
-  <mc:AlternateContent xmlns:mc="http://schemas.openxmlformats.org/markup-compatibility/2006" xmlns:p14="http://schemas.microsoft.com/office/powerpoint/2010/main">
-    <mc:Choice Requires="p14">
-      <p:transition spd="slow" p14:dur="2000"/>
-    </mc:Choice>
-    <mc:Fallback xmlns="">
-      <p:transition spd="slow"/>
-    </mc:Fallback>
-  </mc:AlternateContent>
-</p:sld>
-</file>
-
-<file path=ppt/slides/slide14.xml><?xml version="1.0" encoding="utf-8"?>
-<p:sld xmlns:a="http://schemas.openxmlformats.org/drawingml/2006/main" xmlns:r="http://schemas.openxmlformats.org/officeDocument/2006/relationships" xmlns:p="http://schemas.openxmlformats.org/presentationml/2006/main">
-  <p:cSld>
-    <p:spTree>
-      <p:nvGrpSpPr>
-        <p:cNvPr id="1" name=""/>
-        <p:cNvGrpSpPr/>
-        <p:nvPr/>
-      </p:nvGrpSpPr>
-      <p:grpSpPr>
-        <a:xfrm>
-          <a:off x="0" y="0"/>
-          <a:ext cx="0" cy="0"/>
-          <a:chOff x="0" y="0"/>
-          <a:chExt cx="0" cy="0"/>
-        </a:xfrm>
-      </p:grpSpPr>
-      <p:sp>
-        <p:nvSpPr>
-          <p:cNvPr id="2" name="Title 1"/>
-          <p:cNvSpPr>
-            <a:spLocks noGrp="1"/>
-          </p:cNvSpPr>
-          <p:nvPr>
-            <p:ph type="title"/>
-          </p:nvPr>
-        </p:nvSpPr>
-        <p:spPr/>
-        <p:txBody>
-          <a:bodyPr/>
-          <a:lstStyle/>
-          <a:p>
-            <a:r>
-              <a:rPr lang="en-US" dirty="0" smtClean="0"/>
-              <a:t>Question Time</a:t>
-            </a:r>
-            <a:endParaRPr lang="en-US" dirty="0"/>
-          </a:p>
-        </p:txBody>
-      </p:sp>
-      <p:sp>
-        <p:nvSpPr>
-          <p:cNvPr id="3" name="Content Placeholder 2"/>
-          <p:cNvSpPr>
-            <a:spLocks noGrp="1"/>
-          </p:cNvSpPr>
-          <p:nvPr>
-            <p:ph sz="quarter" idx="1"/>
-          </p:nvPr>
-        </p:nvSpPr>
-        <p:spPr/>
-        <p:txBody>
-          <a:bodyPr/>
-          <a:lstStyle/>
-          <a:p>
-            <a:r>
-              <a:rPr lang="en-US" dirty="0" smtClean="0"/>
-              <a:t>Any Question?</a:t>
-            </a:r>
-            <a:endParaRPr lang="en-US" dirty="0"/>
-          </a:p>
-        </p:txBody>
-      </p:sp>
-    </p:spTree>
-    <p:extLst>
-      <p:ext uri="{BB962C8B-B14F-4D97-AF65-F5344CB8AC3E}">
-        <p14:creationId xmlns:p14="http://schemas.microsoft.com/office/powerpoint/2010/main" val="1981689235"/>
-      </p:ext>
-    </p:extLst>
-  </p:cSld>
-  <p:clrMapOvr>
-    <a:masterClrMapping/>
-  </p:clrMapOvr>
-  <mc:AlternateContent xmlns:mc="http://schemas.openxmlformats.org/markup-compatibility/2006" xmlns:p14="http://schemas.microsoft.com/office/powerpoint/2010/main">
-    <mc:Choice Requires="p14">
-      <p:transition spd="slow" p14:dur="2000"/>
-    </mc:Choice>
-    <mc:Fallback xmlns="">
-      <p:transition spd="slow"/>
-    </mc:Fallback>
-  </mc:AlternateContent>
-</p:sld>
-</file>
-
-<file path=ppt/slides/slide15.xml><?xml version="1.0" encoding="utf-8"?>
-<p:sld xmlns:a="http://schemas.openxmlformats.org/drawingml/2006/main" xmlns:r="http://schemas.openxmlformats.org/officeDocument/2006/relationships" xmlns:p="http://schemas.openxmlformats.org/presentationml/2006/main">
-  <p:cSld>
-    <p:spTree>
-      <p:nvGrpSpPr>
-        <p:cNvPr id="1" name=""/>
-        <p:cNvGrpSpPr/>
-        <p:nvPr/>
-      </p:nvGrpSpPr>
-      <p:grpSpPr>
-        <a:xfrm>
-          <a:off x="0" y="0"/>
-          <a:ext cx="0" cy="0"/>
-          <a:chOff x="0" y="0"/>
-          <a:chExt cx="0" cy="0"/>
-        </a:xfrm>
-      </p:grpSpPr>
-      <p:sp>
-        <p:nvSpPr>
-          <p:cNvPr id="2" name="Title 1"/>
-          <p:cNvSpPr>
-            <a:spLocks noGrp="1"/>
-          </p:cNvSpPr>
-          <p:nvPr>
-            <p:ph type="title"/>
-          </p:nvPr>
-        </p:nvSpPr>
-        <p:spPr/>
-        <p:txBody>
-          <a:bodyPr/>
-          <a:lstStyle/>
-          <a:p>
-            <a:r>
-              <a:rPr lang="en-US" dirty="0" smtClean="0"/>
-              <a:t>JSON Code Model</a:t>
-            </a:r>
-            <a:endParaRPr lang="en-US" dirty="0"/>
-          </a:p>
-        </p:txBody>
-      </p:sp>
-      <p:sp>
-        <p:nvSpPr>
-          <p:cNvPr id="3" name="Content Placeholder 2"/>
-          <p:cNvSpPr>
-            <a:spLocks noGrp="1"/>
-          </p:cNvSpPr>
-          <p:nvPr>
-            <p:ph sz="quarter" idx="1"/>
-          </p:nvPr>
-        </p:nvSpPr>
-        <p:spPr/>
-        <p:txBody>
-          <a:bodyPr>
-            <a:normAutofit fontScale="70000" lnSpcReduction="20000"/>
-          </a:bodyPr>
-          <a:lstStyle/>
-          <a:p>
-            <a:r>
-              <a:rPr lang="en-US" dirty="0" err="1"/>
-              <a:t>Ext.define</a:t>
-            </a:r>
-            <a:r>
-              <a:rPr lang="en-US" dirty="0"/>
-              <a:t>('</a:t>
-            </a:r>
-            <a:r>
-              <a:rPr lang="en-US" dirty="0" err="1"/>
-              <a:t>WM.outbound.picking.model.PickingPolicy</a:t>
-            </a:r>
-            <a:r>
-              <a:rPr lang="en-US" dirty="0"/>
-              <a:t>', {</a:t>
-            </a:r>
-          </a:p>
-          <a:p>
-            <a:r>
-              <a:rPr lang="en-US" dirty="0"/>
-              <a:t>    extend: '</a:t>
-            </a:r>
-            <a:r>
-              <a:rPr lang="en-US" dirty="0" err="1"/>
-              <a:t>Ext.data.Model</a:t>
-            </a:r>
-            <a:r>
-              <a:rPr lang="en-US" dirty="0"/>
-              <a:t>',</a:t>
-            </a:r>
-          </a:p>
-          <a:p>
-            <a:r>
-              <a:rPr lang="en-US" dirty="0"/>
-              <a:t>    </a:t>
-            </a:r>
-            <a:r>
-              <a:rPr lang="en-US" dirty="0" err="1"/>
-              <a:t>idProperty</a:t>
-            </a:r>
-            <a:r>
-              <a:rPr lang="en-US" dirty="0"/>
-              <a:t>: '</a:t>
-            </a:r>
-            <a:r>
-              <a:rPr lang="en-US" dirty="0" err="1"/>
-              <a:t>resourceId</a:t>
-            </a:r>
-            <a:r>
-              <a:rPr lang="en-US" dirty="0"/>
-              <a:t>',</a:t>
-            </a:r>
-          </a:p>
-          <a:p>
-            <a:r>
-              <a:rPr lang="en-US" dirty="0" smtClean="0"/>
-              <a:t>    </a:t>
-            </a:r>
-            <a:r>
-              <a:rPr lang="en-US" dirty="0"/>
-              <a:t>proxy: {</a:t>
-            </a:r>
-          </a:p>
-          <a:p>
-            <a:r>
-              <a:rPr lang="en-US" dirty="0"/>
-              <a:t>        type: 'rest',</a:t>
-            </a:r>
-          </a:p>
-          <a:p>
-            <a:r>
-              <a:rPr lang="en-US" dirty="0"/>
-              <a:t>        url: </a:t>
-            </a:r>
-            <a:r>
-              <a:rPr lang="en-US" dirty="0" err="1"/>
-              <a:t>RP.buildDataServiceUrl</a:t>
-            </a:r>
-            <a:r>
-              <a:rPr lang="en-US" dirty="0"/>
-              <a:t>('</a:t>
-            </a:r>
-            <a:r>
-              <a:rPr lang="en-US" dirty="0" err="1"/>
-              <a:t>wm</a:t>
-            </a:r>
-            <a:r>
-              <a:rPr lang="en-US" dirty="0"/>
-              <a:t>', '</a:t>
-            </a:r>
-            <a:r>
-              <a:rPr lang="en-US" dirty="0" err="1"/>
-              <a:t>wm</a:t>
-            </a:r>
-            <a:r>
-              <a:rPr lang="en-US" dirty="0"/>
-              <a:t>/</a:t>
-            </a:r>
-            <a:r>
-              <a:rPr lang="en-US" dirty="0" err="1"/>
-              <a:t>combinedPickingPolicies</a:t>
-            </a:r>
-            <a:r>
-              <a:rPr lang="en-US" dirty="0"/>
-              <a:t>', true),</a:t>
-            </a:r>
-          </a:p>
-          <a:p>
-            <a:r>
-              <a:rPr lang="en-US" dirty="0"/>
-              <a:t>        reader: {</a:t>
-            </a:r>
-          </a:p>
-          <a:p>
-            <a:r>
-              <a:rPr lang="en-US" dirty="0"/>
-              <a:t>            type: '</a:t>
-            </a:r>
-            <a:r>
-              <a:rPr lang="en-US" dirty="0" err="1"/>
-              <a:t>json</a:t>
-            </a:r>
-            <a:r>
-              <a:rPr lang="en-US" dirty="0"/>
-              <a:t>',</a:t>
-            </a:r>
-          </a:p>
-          <a:p>
-            <a:r>
-              <a:rPr lang="en-US" dirty="0"/>
-              <a:t>            root: 'data'</a:t>
-            </a:r>
-          </a:p>
-          <a:p>
-            <a:r>
-              <a:rPr lang="en-US" dirty="0"/>
-              <a:t>        },</a:t>
-            </a:r>
-          </a:p>
-          <a:p>
-            <a:r>
-              <a:rPr lang="en-US" dirty="0" smtClean="0"/>
-              <a:t>    </a:t>
-            </a:r>
-            <a:r>
-              <a:rPr lang="en-US" dirty="0" err="1" smtClean="0"/>
-              <a:t>extraParams</a:t>
-            </a:r>
-            <a:r>
-              <a:rPr lang="en-US" dirty="0"/>
-              <a:t>: {</a:t>
-            </a:r>
-          </a:p>
-          <a:p>
-            <a:r>
-              <a:rPr lang="en-US" dirty="0"/>
-              <a:t>            </a:t>
-            </a:r>
-            <a:r>
-              <a:rPr lang="en-US" dirty="0" err="1"/>
-              <a:t>warehouseId</a:t>
-            </a:r>
-            <a:r>
-              <a:rPr lang="en-US" dirty="0"/>
-              <a:t>: </a:t>
-            </a:r>
-            <a:r>
-              <a:rPr lang="en-US" dirty="0" err="1"/>
-              <a:t>RP.globals.SITEID</a:t>
-            </a:r>
-            <a:endParaRPr lang="en-US" dirty="0"/>
-          </a:p>
-          <a:p>
-            <a:r>
-              <a:rPr lang="en-US" dirty="0"/>
-              <a:t>        }</a:t>
-            </a:r>
-          </a:p>
-          <a:p>
-            <a:r>
-              <a:rPr lang="en-US" dirty="0"/>
-              <a:t>    </a:t>
-            </a:r>
-            <a:r>
-              <a:rPr lang="en-US" dirty="0" smtClean="0"/>
-              <a:t>},</a:t>
-            </a:r>
-          </a:p>
-          <a:p>
-            <a:r>
-              <a:rPr lang="en-US" dirty="0" smtClean="0"/>
-              <a:t>    fields</a:t>
-            </a:r>
-            <a:r>
-              <a:rPr lang="en-US" dirty="0"/>
-              <a:t>: </a:t>
-            </a:r>
-            <a:r>
-              <a:rPr lang="en-US" dirty="0" smtClean="0"/>
-              <a:t>[{ … }] </a:t>
-            </a:r>
-          </a:p>
-          <a:p>
-            <a:r>
-              <a:rPr lang="en-US" dirty="0" smtClean="0"/>
-              <a:t>});</a:t>
-            </a:r>
-            <a:endParaRPr lang="en-US" dirty="0"/>
-          </a:p>
-          <a:p>
-            <a:endParaRPr lang="en-US" dirty="0" smtClean="0"/>
-          </a:p>
-        </p:txBody>
-      </p:sp>
-    </p:spTree>
-    <p:extLst>
-      <p:ext uri="{BB962C8B-B14F-4D97-AF65-F5344CB8AC3E}">
-        <p14:creationId xmlns:p14="http://schemas.microsoft.com/office/powerpoint/2010/main" val="3119109791"/>
-      </p:ext>
-    </p:extLst>
-  </p:cSld>
-  <p:clrMapOvr>
-    <a:masterClrMapping/>
-  </p:clrMapOvr>
-</p:sld>
-</file>
-
-<file path=ppt/slides/slide16.xml><?xml version="1.0" encoding="utf-8"?>
-<p:sld xmlns:a="http://schemas.openxmlformats.org/drawingml/2006/main" xmlns:r="http://schemas.openxmlformats.org/officeDocument/2006/relationships" xmlns:p="http://schemas.openxmlformats.org/presentationml/2006/main">
-  <p:cSld>
-    <p:spTree>
-      <p:nvGrpSpPr>
-        <p:cNvPr id="1" name=""/>
-        <p:cNvGrpSpPr/>
-        <p:nvPr/>
-      </p:nvGrpSpPr>
-      <p:grpSpPr>
-        <a:xfrm>
-          <a:off x="0" y="0"/>
-          <a:ext cx="0" cy="0"/>
-          <a:chOff x="0" y="0"/>
-          <a:chExt cx="0" cy="0"/>
-        </a:xfrm>
-      </p:grpSpPr>
-      <p:sp>
-        <p:nvSpPr>
-          <p:cNvPr id="2" name="Title 1"/>
-          <p:cNvSpPr>
-            <a:spLocks noGrp="1"/>
-          </p:cNvSpPr>
-          <p:nvPr>
-            <p:ph type="title"/>
-          </p:nvPr>
-        </p:nvSpPr>
-        <p:spPr/>
-        <p:txBody>
-          <a:bodyPr/>
-          <a:lstStyle/>
-          <a:p>
-            <a:r>
-              <a:rPr lang="en-US" dirty="0"/>
-              <a:t>JSON Code Model </a:t>
-            </a:r>
-            <a:r>
-              <a:rPr lang="en-US" dirty="0" smtClean="0"/>
-              <a:t>Field</a:t>
-            </a:r>
-            <a:endParaRPr lang="en-US" dirty="0"/>
-          </a:p>
-        </p:txBody>
-      </p:sp>
-      <p:sp>
-        <p:nvSpPr>
-          <p:cNvPr id="3" name="Content Placeholder 2"/>
-          <p:cNvSpPr>
-            <a:spLocks noGrp="1"/>
-          </p:cNvSpPr>
-          <p:nvPr>
-            <p:ph sz="quarter" idx="1"/>
-          </p:nvPr>
-        </p:nvSpPr>
-        <p:spPr/>
-        <p:txBody>
-          <a:bodyPr>
-            <a:normAutofit fontScale="92500" lnSpcReduction="10000"/>
-          </a:bodyPr>
-          <a:lstStyle/>
-          <a:p>
-            <a:endParaRPr lang="en-US" dirty="0"/>
-          </a:p>
-          <a:p>
-            <a:r>
-              <a:rPr lang="en-US" dirty="0"/>
-              <a:t>    fields: [{</a:t>
-            </a:r>
-          </a:p>
-          <a:p>
-            <a:r>
-              <a:rPr lang="en-US" dirty="0"/>
-              <a:t>        name: '</a:t>
-            </a:r>
-            <a:r>
-              <a:rPr lang="en-US" dirty="0" err="1"/>
-              <a:t>resourceId</a:t>
-            </a:r>
-            <a:r>
-              <a:rPr lang="en-US" dirty="0"/>
-              <a:t>'</a:t>
-            </a:r>
-          </a:p>
-          <a:p>
-            <a:r>
-              <a:rPr lang="en-US" dirty="0"/>
-              <a:t>    }, {</a:t>
-            </a:r>
-          </a:p>
-          <a:p>
-            <a:r>
-              <a:rPr lang="en-US" dirty="0"/>
-              <a:t>        name: '</a:t>
-            </a:r>
-            <a:r>
-              <a:rPr lang="en-US" dirty="0" err="1"/>
-              <a:t>warehouseId</a:t>
-            </a:r>
-            <a:r>
-              <a:rPr lang="en-US" dirty="0"/>
-              <a:t>'</a:t>
-            </a:r>
-          </a:p>
-          <a:p>
-            <a:r>
-              <a:rPr lang="en-US" dirty="0"/>
-              <a:t>    }, {</a:t>
-            </a:r>
-          </a:p>
-          <a:p>
-            <a:r>
-              <a:rPr lang="en-US" dirty="0"/>
-              <a:t>        name: </a:t>
-            </a:r>
-            <a:r>
-              <a:rPr lang="en-US" dirty="0" smtClean="0"/>
-              <a:t>'</a:t>
-            </a:r>
-            <a:r>
-              <a:rPr lang="en-US" dirty="0" err="1" smtClean="0"/>
-              <a:t>enableFlag</a:t>
-            </a:r>
-            <a:r>
-              <a:rPr lang="en-US" dirty="0"/>
-              <a:t>'</a:t>
-            </a:r>
-            <a:endParaRPr lang="en-US" dirty="0" smtClean="0"/>
-          </a:p>
-          <a:p>
-            <a:r>
-              <a:rPr lang="en-US" dirty="0"/>
-              <a:t> </a:t>
-            </a:r>
-            <a:r>
-              <a:rPr lang="en-US" dirty="0" smtClean="0"/>
-              <a:t>       mapping: '</a:t>
-            </a:r>
-            <a:r>
-              <a:rPr lang="en-US" dirty="0" err="1" smtClean="0"/>
-              <a:t>ena_flg</a:t>
-            </a:r>
-            <a:r>
-              <a:rPr lang="en-US" dirty="0"/>
-              <a:t>'</a:t>
-            </a:r>
-          </a:p>
-          <a:p>
-            <a:r>
-              <a:rPr lang="en-US" dirty="0"/>
-              <a:t>    }, {</a:t>
-            </a:r>
-          </a:p>
-          <a:p>
-            <a:r>
-              <a:rPr lang="en-US" dirty="0"/>
-              <a:t>        name: '</a:t>
-            </a:r>
-            <a:r>
-              <a:rPr lang="en-US" dirty="0" err="1"/>
-              <a:t>cartonizationPopupIterationLimit</a:t>
-            </a:r>
-            <a:r>
-              <a:rPr lang="en-US" dirty="0"/>
-              <a:t>',</a:t>
-            </a:r>
-          </a:p>
-          <a:p>
-            <a:r>
-              <a:rPr lang="en-US" dirty="0"/>
-              <a:t>        type: </a:t>
-            </a:r>
-            <a:r>
-              <a:rPr lang="en-US" dirty="0" smtClean="0"/>
-              <a:t>'</a:t>
-            </a:r>
-            <a:r>
-              <a:rPr lang="en-US" dirty="0" err="1" smtClean="0"/>
-              <a:t>int</a:t>
-            </a:r>
-            <a:r>
-              <a:rPr lang="en-US" dirty="0" smtClean="0"/>
-              <a:t>‘</a:t>
-            </a:r>
-            <a:endParaRPr lang="en-US" dirty="0"/>
-          </a:p>
-          <a:p>
-            <a:r>
-              <a:rPr lang="en-US" dirty="0"/>
-              <a:t>    </a:t>
-            </a:r>
-            <a:r>
-              <a:rPr lang="en-US" dirty="0" smtClean="0"/>
-              <a:t>}]</a:t>
-            </a:r>
-            <a:endParaRPr lang="en-US" dirty="0"/>
-          </a:p>
-        </p:txBody>
-      </p:sp>
-    </p:spTree>
-    <p:extLst>
-      <p:ext uri="{BB962C8B-B14F-4D97-AF65-F5344CB8AC3E}">
-        <p14:creationId xmlns:p14="http://schemas.microsoft.com/office/powerpoint/2010/main" val="3268782037"/>
-      </p:ext>
-    </p:extLst>
-  </p:cSld>
-  <p:clrMapOvr>
-    <a:masterClrMapping/>
-  </p:clrMapOvr>
-</p:sld>
-</file>
-
 <file path=ppt/slides/slide2.xml><?xml version="1.0" encoding="utf-8"?>
 <p:sld xmlns:a="http://schemas.openxmlformats.org/drawingml/2006/main" xmlns:r="http://schemas.openxmlformats.org/officeDocument/2006/relationships" xmlns:p="http://schemas.openxmlformats.org/presentationml/2006/main">
   <p:cSld>
@@ -5392,29 +3912,6 @@
       </p:grpSpPr>
       <p:sp>
         <p:nvSpPr>
-          <p:cNvPr id="2" name="Title 1"/>
-          <p:cNvSpPr>
-            <a:spLocks noGrp="1"/>
-          </p:cNvSpPr>
-          <p:nvPr>
-            <p:ph type="title"/>
-          </p:nvPr>
-        </p:nvSpPr>
-        <p:spPr/>
-        <p:txBody>
-          <a:bodyPr/>
-          <a:lstStyle/>
-          <a:p>
-            <a:r>
-              <a:rPr lang="en-US" dirty="0" smtClean="0"/>
-              <a:t>Agenda</a:t>
-            </a:r>
-            <a:endParaRPr lang="en-US" dirty="0"/>
-          </a:p>
-        </p:txBody>
-      </p:sp>
-      <p:sp>
-        <p:nvSpPr>
           <p:cNvPr id="3" name="Content Placeholder 2"/>
           <p:cNvSpPr>
             <a:spLocks noGrp="1"/>
@@ -5432,7 +3929,7 @@
           <a:p>
             <a:r>
               <a:rPr lang="en-US" dirty="0" smtClean="0"/>
-              <a:t>Connect </a:t>
+              <a:t>Setup </a:t>
             </a:r>
             <a:r>
               <a:rPr lang="en-US" dirty="0" err="1" smtClean="0"/>
@@ -5440,51 +3937,58 @@
             </a:r>
             <a:r>
               <a:rPr lang="en-US" dirty="0" smtClean="0"/>
-              <a:t> to Stash</a:t>
+              <a:t> to Stash and Shortcuts</a:t>
+            </a:r>
+          </a:p>
+          <a:p>
+            <a:r>
+              <a:rPr lang="en-US" dirty="0" smtClean="0"/>
+              <a:t>Knowing to </a:t>
+            </a:r>
+            <a:r>
+              <a:rPr lang="en-US" dirty="0" err="1" smtClean="0"/>
+              <a:t>Git</a:t>
             </a:r>
             <a:endParaRPr lang="en-US" dirty="0" smtClean="0"/>
           </a:p>
           <a:p>
             <a:r>
+              <a:rPr lang="en-US" dirty="0"/>
+              <a:t>Work with </a:t>
+            </a:r>
+            <a:r>
+              <a:rPr lang="en-US" dirty="0" err="1" smtClean="0"/>
+              <a:t>Git</a:t>
+            </a:r>
+            <a:endParaRPr lang="en-US" dirty="0" smtClean="0"/>
+          </a:p>
+          <a:p>
+            <a:r>
               <a:rPr lang="en-US" dirty="0" smtClean="0"/>
-              <a:t>Language Related</a:t>
-            </a:r>
-          </a:p>
+              <a:t>Q&amp;A</a:t>
+            </a:r>
+            <a:endParaRPr lang="en-US" dirty="0"/>
+          </a:p>
+        </p:txBody>
+      </p:sp>
+      <p:sp>
+        <p:nvSpPr>
+          <p:cNvPr id="2" name="Title 1"/>
+          <p:cNvSpPr>
+            <a:spLocks noGrp="1"/>
+          </p:cNvSpPr>
+          <p:nvPr>
+            <p:ph type="title"/>
+          </p:nvPr>
+        </p:nvSpPr>
+        <p:spPr/>
+        <p:txBody>
+          <a:bodyPr/>
+          <a:lstStyle/>
           <a:p>
             <a:r>
               <a:rPr lang="en-US" dirty="0" smtClean="0"/>
-              <a:t>Data Transaction</a:t>
-            </a:r>
-          </a:p>
-          <a:p>
-            <a:r>
-              <a:rPr lang="en-US" dirty="0" smtClean="0"/>
-              <a:t>WEBUI Development</a:t>
-            </a:r>
-          </a:p>
-          <a:p>
-            <a:r>
-              <a:rPr lang="en-US" dirty="0"/>
-              <a:t>Web Debug</a:t>
-            </a:r>
-            <a:endParaRPr lang="en-US" dirty="0" smtClean="0"/>
-          </a:p>
-          <a:p>
-            <a:r>
-              <a:rPr lang="en-US" dirty="0" smtClean="0"/>
-              <a:t>Sample</a:t>
-            </a:r>
-          </a:p>
-          <a:p>
-            <a:r>
-              <a:rPr lang="en-US" dirty="0" smtClean="0"/>
-              <a:t>Important Document</a:t>
-            </a:r>
-          </a:p>
-          <a:p>
-            <a:r>
-              <a:rPr lang="en-US" dirty="0" smtClean="0"/>
-              <a:t>Question Time</a:t>
+              <a:t>Agenda</a:t>
             </a:r>
             <a:endParaRPr lang="en-US" dirty="0"/>
           </a:p>
@@ -5548,89 +4052,451 @@
         <p:spPr/>
         <p:txBody>
           <a:bodyPr>
-            <a:normAutofit fontScale="90000"/>
+            <a:normAutofit/>
           </a:bodyPr>
           <a:lstStyle/>
           <a:p>
             <a:r>
+              <a:rPr lang="en-US" dirty="0"/>
+              <a:t>Setup </a:t>
+            </a:r>
+            <a:r>
+              <a:rPr lang="en-US" dirty="0" err="1"/>
+              <a:t>Git</a:t>
+            </a:r>
+            <a:r>
+              <a:rPr lang="en-US" dirty="0"/>
+              <a:t> to Stash and </a:t>
+            </a:r>
+            <a:r>
               <a:rPr lang="en-US" dirty="0" smtClean="0"/>
-              <a:t>Environment Setup</a:t>
-            </a:r>
-            <a:br>
+              <a:t>Shortcuts</a:t>
+            </a:r>
+            <a:endParaRPr lang="en-US" dirty="0"/>
+          </a:p>
+        </p:txBody>
+      </p:sp>
+      <p:sp>
+        <p:nvSpPr>
+          <p:cNvPr id="3" name="Content Placeholder 2"/>
+          <p:cNvSpPr>
+            <a:spLocks noGrp="1"/>
+          </p:cNvSpPr>
+          <p:nvPr>
+            <p:ph sz="quarter" idx="1"/>
+          </p:nvPr>
+        </p:nvSpPr>
+        <p:spPr/>
+        <p:txBody>
+          <a:bodyPr>
+            <a:normAutofit fontScale="92500" lnSpcReduction="10000"/>
+          </a:bodyPr>
+          <a:lstStyle/>
+          <a:p>
+            <a:r>
               <a:rPr lang="en-US" dirty="0" smtClean="0"/>
-            </a:br>
-            <a:endParaRPr lang="en-US" dirty="0"/>
-          </a:p>
-        </p:txBody>
-      </p:sp>
-      <p:sp>
-        <p:nvSpPr>
-          <p:cNvPr id="3" name="Content Placeholder 2"/>
-          <p:cNvSpPr>
-            <a:spLocks noGrp="1"/>
-          </p:cNvSpPr>
-          <p:nvPr>
-            <p:ph sz="quarter" idx="1"/>
-          </p:nvPr>
-        </p:nvSpPr>
-        <p:spPr/>
-        <p:txBody>
-          <a:bodyPr/>
-          <a:lstStyle/>
+              <a:t>SSH-</a:t>
+            </a:r>
+            <a:r>
+              <a:rPr lang="en-US" dirty="0" err="1" smtClean="0"/>
+              <a:t>Keygen</a:t>
+            </a:r>
+            <a:endParaRPr lang="en-US" dirty="0" smtClean="0"/>
+          </a:p>
+          <a:p>
+            <a:pPr marL="342900" indent="-342900">
+              <a:buAutoNum type="arabicPeriod"/>
+            </a:pPr>
+            <a:r>
+              <a:rPr lang="en-US" sz="1600" dirty="0" err="1" smtClean="0"/>
+              <a:t>Ssh-keygen</a:t>
+            </a:r>
+            <a:r>
+              <a:rPr lang="en-US" sz="1600" dirty="0" smtClean="0"/>
+              <a:t> –t </a:t>
+            </a:r>
+            <a:r>
+              <a:rPr lang="en-US" sz="1600" dirty="0" err="1" smtClean="0"/>
+              <a:t>rsa</a:t>
+            </a:r>
+            <a:r>
+              <a:rPr lang="en-US" sz="1600" dirty="0" smtClean="0"/>
+              <a:t> –C </a:t>
+            </a:r>
+            <a:r>
+              <a:rPr lang="en-US" sz="1600" dirty="0" smtClean="0">
+                <a:hlinkClick r:id="rId2"/>
+              </a:rPr>
+              <a:t>sam.ni@jda.com</a:t>
+            </a:r>
+            <a:endParaRPr lang="en-US" sz="1600" dirty="0" smtClean="0"/>
+          </a:p>
+          <a:p>
+            <a:pPr marL="342900" indent="-342900">
+              <a:buAutoNum type="arabicPeriod"/>
+            </a:pPr>
+            <a:r>
+              <a:rPr lang="en-US" sz="1600" dirty="0" smtClean="0"/>
+              <a:t>Add id_rsa.pub to stash</a:t>
+            </a:r>
+          </a:p>
           <a:p>
             <a:r>
               <a:rPr lang="en-US" dirty="0" smtClean="0"/>
-              <a:t>RPWEB (REFS) Web Server (Apache &amp; IIS), Store Web content.  </a:t>
-            </a:r>
-          </a:p>
-          <a:p>
-            <a:r>
-              <a:rPr lang="en-US" dirty="0" smtClean="0"/>
-              <a:t>RPUX(based on </a:t>
-            </a:r>
-            <a:r>
-              <a:rPr lang="en-US" dirty="0" err="1" smtClean="0"/>
-              <a:t>Extjs</a:t>
-            </a:r>
-            <a:r>
-              <a:rPr lang="en-US" dirty="0" smtClean="0"/>
-              <a:t>, RP exclusive ctrl.)</a:t>
-            </a:r>
-          </a:p>
-          <a:p>
-            <a:r>
-              <a:rPr lang="en-US" dirty="0" smtClean="0"/>
-              <a:t>WMD (Rewriting </a:t>
-            </a:r>
-            <a:r>
-              <a:rPr lang="en-US" dirty="0" err="1" smtClean="0"/>
-              <a:t>Dlx</a:t>
-            </a:r>
-            <a:r>
-              <a:rPr lang="en-US" dirty="0" smtClean="0"/>
-              <a:t>)</a:t>
-            </a:r>
-          </a:p>
-          <a:p>
-            <a:r>
-              <a:rPr lang="en-US" dirty="0" smtClean="0"/>
-              <a:t>MTF (RF)</a:t>
-            </a:r>
-          </a:p>
-          <a:p>
-            <a:r>
-              <a:rPr lang="en-US" dirty="0" smtClean="0"/>
-              <a:t>WMD-TESTING (test WS / GUI )</a:t>
-            </a:r>
-          </a:p>
-          <a:p>
-            <a:r>
-              <a:rPr lang="en-US" dirty="0" smtClean="0"/>
-              <a:t>LES (store web service *.jar)</a:t>
-            </a:r>
-          </a:p>
-          <a:p>
-            <a:endParaRPr lang="en-US" dirty="0"/>
+              <a:t>Shortcuts</a:t>
+            </a:r>
+          </a:p>
+          <a:p>
+            <a:pPr marL="0" indent="0">
+              <a:buNone/>
+            </a:pPr>
+            <a:r>
+              <a:rPr lang="en-US" sz="1200" i="1" dirty="0" smtClean="0"/>
+              <a:t>Paste these alias to file “</a:t>
+            </a:r>
+            <a:r>
+              <a:rPr lang="en-US" sz="1200" i="1" dirty="0" err="1" smtClean="0"/>
+              <a:t>GitHome</a:t>
+            </a:r>
+            <a:r>
+              <a:rPr lang="en-US" sz="1200" i="1" dirty="0" smtClean="0"/>
+              <a:t>/</a:t>
+            </a:r>
+            <a:r>
+              <a:rPr lang="en-US" sz="1200" i="1" dirty="0" err="1" smtClean="0"/>
+              <a:t>etc</a:t>
+            </a:r>
+            <a:r>
+              <a:rPr lang="en-US" sz="1200" i="1" dirty="0" smtClean="0"/>
+              <a:t>/profile”</a:t>
+            </a:r>
+          </a:p>
+          <a:p>
+            <a:pPr marL="0" indent="0">
+              <a:buNone/>
+            </a:pPr>
+            <a:r>
+              <a:rPr lang="en-US" sz="1200" i="1" dirty="0" smtClean="0"/>
+              <a:t>alias </a:t>
+            </a:r>
+            <a:r>
+              <a:rPr lang="en-US" sz="1200" i="1" dirty="0"/>
+              <a:t>c="clear"</a:t>
+            </a:r>
+          </a:p>
+          <a:p>
+            <a:pPr marL="0" indent="0">
+              <a:buNone/>
+            </a:pPr>
+            <a:r>
+              <a:rPr lang="en-US" sz="1200" i="1" dirty="0"/>
+              <a:t>alias </a:t>
+            </a:r>
+            <a:r>
+              <a:rPr lang="en-US" sz="1200" i="1" dirty="0" err="1"/>
+              <a:t>sl</a:t>
+            </a:r>
+            <a:r>
+              <a:rPr lang="en-US" sz="1200" i="1" dirty="0"/>
+              <a:t>="</a:t>
+            </a:r>
+            <a:r>
+              <a:rPr lang="en-US" sz="1200" i="1" dirty="0" err="1"/>
+              <a:t>git</a:t>
+            </a:r>
+            <a:r>
+              <a:rPr lang="en-US" sz="1200" i="1" dirty="0"/>
+              <a:t> log --</a:t>
+            </a:r>
+            <a:r>
+              <a:rPr lang="en-US" sz="1200" i="1" dirty="0" err="1"/>
+              <a:t>oneline</a:t>
+            </a:r>
+            <a:r>
+              <a:rPr lang="en-US" sz="1200" i="1" dirty="0"/>
+              <a:t> "</a:t>
+            </a:r>
+          </a:p>
+          <a:p>
+            <a:pPr marL="0" indent="0">
+              <a:buNone/>
+            </a:pPr>
+            <a:r>
+              <a:rPr lang="en-US" sz="1200" i="1" dirty="0"/>
+              <a:t>alias </a:t>
+            </a:r>
+            <a:r>
+              <a:rPr lang="en-US" sz="1200" i="1" dirty="0" err="1"/>
+              <a:t>lb</a:t>
+            </a:r>
+            <a:r>
+              <a:rPr lang="en-US" sz="1200" i="1" dirty="0"/>
+              <a:t>="</a:t>
+            </a:r>
+            <a:r>
+              <a:rPr lang="en-US" sz="1200" i="1" dirty="0" err="1"/>
+              <a:t>git</a:t>
+            </a:r>
+            <a:r>
+              <a:rPr lang="en-US" sz="1200" i="1" dirty="0"/>
+              <a:t> branch"</a:t>
+            </a:r>
+          </a:p>
+          <a:p>
+            <a:pPr marL="0" indent="0">
+              <a:buNone/>
+            </a:pPr>
+            <a:r>
+              <a:rPr lang="en-US" sz="1200" i="1" dirty="0"/>
+              <a:t>alias </a:t>
+            </a:r>
+            <a:r>
+              <a:rPr lang="en-US" sz="1200" i="1" dirty="0" err="1"/>
+              <a:t>lba</a:t>
+            </a:r>
+            <a:r>
+              <a:rPr lang="en-US" sz="1200" i="1" dirty="0"/>
+              <a:t>="</a:t>
+            </a:r>
+            <a:r>
+              <a:rPr lang="en-US" sz="1200" i="1" dirty="0" err="1"/>
+              <a:t>git</a:t>
+            </a:r>
+            <a:r>
+              <a:rPr lang="en-US" sz="1200" i="1" dirty="0"/>
+              <a:t> branch -a"</a:t>
+            </a:r>
+          </a:p>
+          <a:p>
+            <a:pPr marL="0" indent="0">
+              <a:buNone/>
+            </a:pPr>
+            <a:r>
+              <a:rPr lang="en-US" sz="1200" i="1" dirty="0"/>
+              <a:t>alias </a:t>
+            </a:r>
+            <a:r>
+              <a:rPr lang="en-US" sz="1200" i="1" dirty="0" err="1"/>
+              <a:t>lrg</a:t>
+            </a:r>
+            <a:r>
+              <a:rPr lang="en-US" sz="1200" i="1" dirty="0"/>
+              <a:t>="</a:t>
+            </a:r>
+            <a:r>
+              <a:rPr lang="en-US" sz="1200" i="1" dirty="0" err="1"/>
+              <a:t>git</a:t>
+            </a:r>
+            <a:r>
+              <a:rPr lang="en-US" sz="1200" i="1" dirty="0"/>
+              <a:t> ls-remote | grep -</a:t>
+            </a:r>
+            <a:r>
+              <a:rPr lang="en-US" sz="1200" i="1" dirty="0" err="1"/>
+              <a:t>i</a:t>
+            </a:r>
+            <a:r>
+              <a:rPr lang="en-US" sz="1200" i="1" dirty="0"/>
+              <a:t> "</a:t>
+            </a:r>
+          </a:p>
+          <a:p>
+            <a:pPr marL="0" indent="0">
+              <a:buNone/>
+            </a:pPr>
+            <a:r>
+              <a:rPr lang="en-US" sz="1200" i="1" dirty="0"/>
+              <a:t>alias </a:t>
+            </a:r>
+            <a:r>
+              <a:rPr lang="en-US" sz="1200" i="1" dirty="0" err="1"/>
+              <a:t>slg</a:t>
+            </a:r>
+            <a:r>
+              <a:rPr lang="en-US" sz="1200" i="1" dirty="0"/>
+              <a:t>="</a:t>
+            </a:r>
+            <a:r>
+              <a:rPr lang="en-US" sz="1200" i="1" dirty="0" err="1"/>
+              <a:t>git</a:t>
+            </a:r>
+            <a:r>
+              <a:rPr lang="en-US" sz="1200" i="1" dirty="0"/>
+              <a:t> log --</a:t>
+            </a:r>
+            <a:r>
+              <a:rPr lang="en-US" sz="1200" i="1" dirty="0" err="1"/>
+              <a:t>oneline</a:t>
+            </a:r>
+            <a:r>
+              <a:rPr lang="en-US" sz="1200" i="1" dirty="0"/>
+              <a:t> --graph"</a:t>
+            </a:r>
+          </a:p>
+          <a:p>
+            <a:pPr marL="0" indent="0">
+              <a:buNone/>
+            </a:pPr>
+            <a:r>
+              <a:rPr lang="en-US" sz="1200" i="1" dirty="0"/>
+              <a:t>alias cm="</a:t>
+            </a:r>
+            <a:r>
+              <a:rPr lang="en-US" sz="1200" i="1" dirty="0" err="1"/>
+              <a:t>git</a:t>
+            </a:r>
+            <a:r>
+              <a:rPr lang="en-US" sz="1200" i="1" dirty="0"/>
+              <a:t> commit -m"</a:t>
+            </a:r>
+          </a:p>
+          <a:p>
+            <a:pPr marL="0" indent="0">
+              <a:buNone/>
+            </a:pPr>
+            <a:r>
+              <a:rPr lang="en-US" sz="1200" i="1" dirty="0"/>
+              <a:t>alias s="</a:t>
+            </a:r>
+            <a:r>
+              <a:rPr lang="en-US" sz="1200" i="1" dirty="0" err="1"/>
+              <a:t>git</a:t>
+            </a:r>
+            <a:r>
+              <a:rPr lang="en-US" sz="1200" i="1" dirty="0"/>
+              <a:t> show"</a:t>
+            </a:r>
+          </a:p>
+          <a:p>
+            <a:pPr marL="0" indent="0">
+              <a:buNone/>
+            </a:pPr>
+            <a:r>
+              <a:rPr lang="en-US" sz="1200" i="1" dirty="0"/>
+              <a:t>alias </a:t>
+            </a:r>
+            <a:r>
+              <a:rPr lang="en-US" sz="1200" i="1" dirty="0" err="1"/>
+              <a:t>sp</a:t>
+            </a:r>
+            <a:r>
+              <a:rPr lang="en-US" sz="1200" i="1" dirty="0"/>
+              <a:t>="</a:t>
+            </a:r>
+            <a:r>
+              <a:rPr lang="en-US" sz="1200" i="1" dirty="0" err="1"/>
+              <a:t>git</a:t>
+            </a:r>
+            <a:r>
+              <a:rPr lang="en-US" sz="1200" i="1" dirty="0"/>
+              <a:t> show --word-diff=porcelain"</a:t>
+            </a:r>
+          </a:p>
+          <a:p>
+            <a:pPr marL="0" indent="0">
+              <a:buNone/>
+            </a:pPr>
+            <a:r>
+              <a:rPr lang="en-US" sz="1200" i="1" dirty="0"/>
+              <a:t>alias f="</a:t>
+            </a:r>
+            <a:r>
+              <a:rPr lang="en-US" sz="1200" i="1" dirty="0" err="1"/>
+              <a:t>git</a:t>
+            </a:r>
+            <a:r>
+              <a:rPr lang="en-US" sz="1200" i="1" dirty="0"/>
+              <a:t> fetch -p"</a:t>
+            </a:r>
+          </a:p>
+          <a:p>
+            <a:pPr marL="0" indent="0">
+              <a:buNone/>
+            </a:pPr>
+            <a:r>
+              <a:rPr lang="en-US" sz="1200" i="1" dirty="0"/>
+              <a:t>alias p="</a:t>
+            </a:r>
+            <a:r>
+              <a:rPr lang="en-US" sz="1200" i="1" dirty="0" err="1"/>
+              <a:t>git</a:t>
+            </a:r>
+            <a:r>
+              <a:rPr lang="en-US" sz="1200" i="1" dirty="0"/>
+              <a:t> pull"</a:t>
+            </a:r>
+          </a:p>
+          <a:p>
+            <a:pPr marL="0" indent="0">
+              <a:buNone/>
+            </a:pPr>
+            <a:r>
+              <a:rPr lang="en-US" sz="1200" i="1" dirty="0"/>
+              <a:t>alias </a:t>
+            </a:r>
+            <a:r>
+              <a:rPr lang="en-US" sz="1200" i="1" dirty="0" err="1"/>
+              <a:t>df</a:t>
+            </a:r>
+            <a:r>
+              <a:rPr lang="en-US" sz="1200" i="1" dirty="0"/>
+              <a:t>="</a:t>
+            </a:r>
+            <a:r>
+              <a:rPr lang="en-US" sz="1200" i="1" dirty="0" err="1"/>
+              <a:t>git</a:t>
+            </a:r>
+            <a:r>
+              <a:rPr lang="en-US" sz="1200" i="1" dirty="0"/>
+              <a:t> </a:t>
+            </a:r>
+            <a:r>
+              <a:rPr lang="en-US" sz="1200" i="1" dirty="0" smtClean="0"/>
+              <a:t>diff“</a:t>
+            </a:r>
+          </a:p>
+          <a:p>
+            <a:pPr marL="0" indent="0">
+              <a:buNone/>
+            </a:pPr>
+            <a:r>
+              <a:rPr lang="en-US" sz="1700" dirty="0" smtClean="0"/>
+              <a:t>…</a:t>
+            </a:r>
+          </a:p>
+          <a:p>
+            <a:pPr marL="0" indent="0">
+              <a:buNone/>
+            </a:pPr>
+            <a:r>
+              <a:rPr lang="en-US" sz="1700" dirty="0" smtClean="0"/>
+              <a:t>Note: need to define environment </a:t>
+            </a:r>
+            <a:r>
+              <a:rPr lang="en-US" sz="1700" dirty="0" err="1" smtClean="0"/>
+              <a:t>var</a:t>
+            </a:r>
+            <a:r>
+              <a:rPr lang="en-US" sz="1700" dirty="0" smtClean="0"/>
+              <a:t> for “term=</a:t>
+            </a:r>
+            <a:r>
+              <a:rPr lang="en-US" sz="1700" dirty="0" err="1" smtClean="0"/>
+              <a:t>xterm</a:t>
+            </a:r>
+            <a:r>
+              <a:rPr lang="en-US" sz="1700" dirty="0" smtClean="0"/>
+              <a:t>” to get </a:t>
+            </a:r>
+            <a:r>
+              <a:rPr lang="en-US" sz="1700" dirty="0" err="1" smtClean="0"/>
+              <a:t>git</a:t>
+            </a:r>
+            <a:r>
+              <a:rPr lang="en-US" sz="1700" dirty="0" smtClean="0"/>
+              <a:t> display colorful output.</a:t>
+            </a:r>
+            <a:endParaRPr lang="en-US" sz="1700" dirty="0"/>
           </a:p>
         </p:txBody>
       </p:sp>
@@ -5692,173 +4558,53 @@
         <p:spPr/>
         <p:txBody>
           <a:bodyPr>
-            <a:normAutofit fontScale="90000"/>
+            <a:normAutofit/>
           </a:bodyPr>
           <a:lstStyle/>
           <a:p>
             <a:r>
+              <a:rPr lang="en-US" dirty="0"/>
+              <a:t>Knowing to </a:t>
+            </a:r>
+            <a:r>
+              <a:rPr lang="en-US" dirty="0" err="1"/>
+              <a:t>Git</a:t>
+            </a:r>
+            <a:endParaRPr lang="en-US" dirty="0"/>
+          </a:p>
+        </p:txBody>
+      </p:sp>
+      <p:sp>
+        <p:nvSpPr>
+          <p:cNvPr id="3" name="Content Placeholder 2"/>
+          <p:cNvSpPr>
+            <a:spLocks noGrp="1"/>
+          </p:cNvSpPr>
+          <p:nvPr>
+            <p:ph sz="quarter" idx="1"/>
+          </p:nvPr>
+        </p:nvSpPr>
+        <p:spPr/>
+        <p:txBody>
+          <a:bodyPr>
+            <a:normAutofit/>
+          </a:bodyPr>
+          <a:lstStyle/>
+          <a:p>
+            <a:r>
               <a:rPr lang="en-US" dirty="0" smtClean="0"/>
-              <a:t>Environment Setup</a:t>
-            </a:r>
-            <a:br>
+              <a:t>Working area, Staging area, and </a:t>
+            </a:r>
+            <a:r>
               <a:rPr lang="en-US" dirty="0" smtClean="0"/>
-            </a:br>
-            <a:endParaRPr lang="en-US" dirty="0"/>
-          </a:p>
-        </p:txBody>
-      </p:sp>
-      <p:sp>
-        <p:nvSpPr>
-          <p:cNvPr id="3" name="Content Placeholder 2"/>
-          <p:cNvSpPr>
-            <a:spLocks noGrp="1"/>
-          </p:cNvSpPr>
-          <p:nvPr>
-            <p:ph sz="quarter" idx="1"/>
-          </p:nvPr>
-        </p:nvSpPr>
-        <p:spPr/>
-        <p:txBody>
-          <a:bodyPr>
-            <a:normAutofit fontScale="92500" lnSpcReduction="10000"/>
-          </a:bodyPr>
-          <a:lstStyle/>
-          <a:p>
-            <a:r>
-              <a:rPr lang="en-US" dirty="0" smtClean="0"/>
-              <a:t>Download &amp; restore the latest DB: </a:t>
-            </a:r>
-            <a:r>
-              <a:rPr lang="en-US" u="sng" dirty="0">
-                <a:hlinkClick r:id="rId2"/>
-              </a:rPr>
-              <a:t>http://</a:t>
-            </a:r>
-            <a:r>
-              <a:rPr lang="en-US" u="sng" dirty="0" smtClean="0">
-                <a:hlinkClick r:id="rId2"/>
-              </a:rPr>
-              <a:t>redwiki/display/wms/BA+Databases</a:t>
-            </a:r>
-            <a:endParaRPr lang="en-US" dirty="0"/>
-          </a:p>
-          <a:p>
-            <a:r>
-              <a:rPr lang="en-US" dirty="0" smtClean="0"/>
-              <a:t>Registry File.</a:t>
-            </a:r>
-          </a:p>
-          <a:p>
-            <a:r>
-              <a:rPr lang="en-US" dirty="0" smtClean="0"/>
-              <a:t>Build command: </a:t>
-            </a:r>
-          </a:p>
-          <a:p>
-            <a:pPr lvl="1"/>
-            <a:r>
-              <a:rPr lang="en-US" dirty="0" smtClean="0"/>
-              <a:t>cd </a:t>
-            </a:r>
-            <a:r>
-              <a:rPr lang="en-US" dirty="0"/>
-              <a:t>%REFSDIR% &amp; ant </a:t>
-            </a:r>
-            <a:r>
-              <a:rPr lang="en-US" dirty="0" err="1"/>
-              <a:t>superclean</a:t>
-            </a:r>
-            <a:r>
-              <a:rPr lang="en-US" dirty="0"/>
-              <a:t> &amp; cd %RPUXDIR% &amp; ant clean &amp; cd %DCSDIR% &amp; ant clean &amp; cd %REFSDIR% &amp; ant &amp; cd %RPUXDIR% &amp; ant &amp; cd %DCSDIR% &amp; </a:t>
-            </a:r>
-            <a:r>
-              <a:rPr lang="en-US" dirty="0" smtClean="0"/>
-              <a:t>ant</a:t>
-            </a:r>
-          </a:p>
-          <a:p>
-            <a:pPr lvl="1"/>
-            <a:r>
-              <a:rPr lang="en-US" dirty="0" smtClean="0"/>
-              <a:t>cd %DCSDIR%  &amp; ant </a:t>
-            </a:r>
-            <a:r>
-              <a:rPr lang="en-US" dirty="0" err="1" smtClean="0"/>
-              <a:t>ws</a:t>
-            </a:r>
-            <a:r>
-              <a:rPr lang="en-US" dirty="0" smtClean="0"/>
-              <a:t>-all &amp; </a:t>
-            </a:r>
-            <a:r>
-              <a:rPr lang="en-US" dirty="0" err="1" smtClean="0"/>
-              <a:t>wsdeploy</a:t>
-            </a:r>
+              <a:t>repository</a:t>
+            </a:r>
+          </a:p>
+          <a:p>
             <a:endParaRPr lang="en-US" dirty="0" smtClean="0"/>
           </a:p>
           <a:p>
-            <a:pPr lvl="1"/>
-            <a:r>
-              <a:rPr lang="en-US" dirty="0" smtClean="0"/>
-              <a:t>cd %DCSDIR%  &amp; ant </a:t>
-            </a:r>
-            <a:r>
-              <a:rPr lang="en-US" dirty="0" err="1" smtClean="0"/>
-              <a:t>rpweb</a:t>
-            </a:r>
-            <a:r>
-              <a:rPr lang="en-US" dirty="0" smtClean="0"/>
-              <a:t>-client</a:t>
-            </a:r>
-          </a:p>
-          <a:p>
-            <a:pPr lvl="1"/>
-            <a:r>
-              <a:rPr lang="en-US" dirty="0" smtClean="0"/>
-              <a:t>cd %DCSDIR%  &amp; ant </a:t>
-            </a:r>
-            <a:r>
-              <a:rPr lang="en-US" dirty="0" err="1" smtClean="0"/>
-              <a:t>rpweb-gjslint</a:t>
-            </a:r>
-            <a:endParaRPr lang="en-US" dirty="0"/>
-          </a:p>
-          <a:p>
-            <a:r>
-              <a:rPr lang="en-US" dirty="0" smtClean="0"/>
-              <a:t>Web Server Startup Command:</a:t>
-            </a:r>
-          </a:p>
-          <a:p>
-            <a:pPr lvl="1"/>
-            <a:r>
-              <a:rPr lang="en-US" dirty="0" smtClean="0"/>
-              <a:t>%</a:t>
-            </a:r>
-            <a:r>
-              <a:rPr lang="en-US" dirty="0"/>
-              <a:t>REFSDIR</a:t>
-            </a:r>
-            <a:r>
-              <a:rPr lang="en-US" dirty="0" smtClean="0"/>
-              <a:t>%\bin\refs-server.bat</a:t>
-            </a:r>
-          </a:p>
-          <a:p>
-            <a:pPr lvl="1"/>
-            <a:r>
-              <a:rPr lang="en-US" dirty="0" smtClean="0"/>
-              <a:t>Use Chrome to open http</a:t>
-            </a:r>
-            <a:r>
-              <a:rPr lang="en-US" dirty="0"/>
-              <a:t>://</a:t>
-            </a:r>
-            <a:r>
-              <a:rPr lang="en-US" dirty="0" smtClean="0"/>
-              <a:t>localhost:PORT/</a:t>
-            </a:r>
+            <a:endParaRPr lang="en-US" dirty="0" smtClean="0"/>
           </a:p>
         </p:txBody>
       </p:sp>
@@ -6056,1162 +4802,6 @@
       <p:transition spd="slow"/>
     </mc:Fallback>
   </mc:AlternateContent>
-</p:sld>
-</file>
-
-<file path=ppt/slides/slide6.xml><?xml version="1.0" encoding="utf-8"?>
-<p:sld xmlns:a="http://schemas.openxmlformats.org/drawingml/2006/main" xmlns:r="http://schemas.openxmlformats.org/officeDocument/2006/relationships" xmlns:p="http://schemas.openxmlformats.org/presentationml/2006/main">
-  <p:cSld>
-    <p:spTree>
-      <p:nvGrpSpPr>
-        <p:cNvPr id="1" name=""/>
-        <p:cNvGrpSpPr/>
-        <p:nvPr/>
-      </p:nvGrpSpPr>
-      <p:grpSpPr>
-        <a:xfrm>
-          <a:off x="0" y="0"/>
-          <a:ext cx="0" cy="0"/>
-          <a:chOff x="0" y="0"/>
-          <a:chExt cx="0" cy="0"/>
-        </a:xfrm>
-      </p:grpSpPr>
-      <p:sp>
-        <p:nvSpPr>
-          <p:cNvPr id="2" name="Title 1"/>
-          <p:cNvSpPr>
-            <a:spLocks noGrp="1"/>
-          </p:cNvSpPr>
-          <p:nvPr>
-            <p:ph type="title"/>
-          </p:nvPr>
-        </p:nvSpPr>
-        <p:spPr/>
-        <p:txBody>
-          <a:bodyPr/>
-          <a:lstStyle/>
-          <a:p>
-            <a:r>
-              <a:rPr lang="en-US" dirty="0" smtClean="0"/>
-              <a:t>Data Transaction:</a:t>
-            </a:r>
-            <a:endParaRPr lang="en-US" dirty="0"/>
-          </a:p>
-        </p:txBody>
-      </p:sp>
-      <p:sp>
-        <p:nvSpPr>
-          <p:cNvPr id="3" name="Content Placeholder 2"/>
-          <p:cNvSpPr>
-            <a:spLocks noGrp="1"/>
-          </p:cNvSpPr>
-          <p:nvPr>
-            <p:ph sz="quarter" idx="1"/>
-          </p:nvPr>
-        </p:nvSpPr>
-        <p:spPr/>
-        <p:txBody>
-          <a:bodyPr>
-            <a:normAutofit fontScale="62500" lnSpcReduction="20000"/>
-          </a:bodyPr>
-          <a:lstStyle/>
-          <a:p>
-            <a:r>
-              <a:rPr lang="en-US" dirty="0" smtClean="0"/>
-              <a:t>JSON </a:t>
-            </a:r>
-          </a:p>
-          <a:p>
-            <a:pPr lvl="1"/>
-            <a:r>
-              <a:rPr lang="en-US" dirty="0" smtClean="0"/>
-              <a:t>Object { name</a:t>
-            </a:r>
-            <a:r>
-              <a:rPr lang="en-US" dirty="0"/>
-              <a:t>: ’</a:t>
-            </a:r>
-            <a:r>
-              <a:rPr lang="en-US" dirty="0" err="1"/>
-              <a:t>Diago</a:t>
-            </a:r>
-            <a:r>
-              <a:rPr lang="en-US" dirty="0" smtClean="0"/>
-              <a:t>’, </a:t>
-            </a:r>
-            <a:r>
-              <a:rPr lang="en-US" dirty="0"/>
-              <a:t>gender: ‘Male</a:t>
-            </a:r>
-            <a:r>
-              <a:rPr lang="en-US" dirty="0" smtClean="0"/>
-              <a:t>’ }</a:t>
-            </a:r>
-          </a:p>
-          <a:p>
-            <a:pPr lvl="1"/>
-            <a:r>
-              <a:rPr lang="en-US" dirty="0" smtClean="0"/>
-              <a:t>Array [’Jason’, ‘Edward’ ]</a:t>
-            </a:r>
-          </a:p>
-          <a:p>
-            <a:pPr lvl="1"/>
-            <a:r>
-              <a:rPr lang="en-US" dirty="0" smtClean="0"/>
-              <a:t>Separator symbol ‘,’</a:t>
-            </a:r>
-          </a:p>
-          <a:p>
-            <a:pPr lvl="1"/>
-            <a:r>
-              <a:rPr lang="en-US" dirty="0" smtClean="0"/>
-              <a:t>Assignment </a:t>
-            </a:r>
-            <a:r>
-              <a:rPr lang="en-US" dirty="0"/>
-              <a:t>symbol </a:t>
-            </a:r>
-            <a:r>
-              <a:rPr lang="en-US" dirty="0" smtClean="0"/>
-              <a:t>‘:’</a:t>
-            </a:r>
-          </a:p>
-          <a:p>
-            <a:r>
-              <a:rPr lang="en-US" dirty="0" smtClean="0"/>
-              <a:t>Web Service </a:t>
-            </a:r>
-          </a:p>
-          <a:p>
-            <a:pPr lvl="1"/>
-            <a:r>
-              <a:rPr lang="en-US" dirty="0" smtClean="0"/>
-              <a:t>Spring MVC </a:t>
-            </a:r>
-          </a:p>
-          <a:p>
-            <a:pPr lvl="1"/>
-            <a:r>
-              <a:rPr lang="en-US" dirty="0" smtClean="0"/>
-              <a:t>Controller </a:t>
-            </a:r>
-          </a:p>
-          <a:p>
-            <a:pPr lvl="1"/>
-            <a:r>
-              <a:rPr lang="en-US" dirty="0" smtClean="0"/>
-              <a:t>Model </a:t>
-            </a:r>
-          </a:p>
-          <a:p>
-            <a:pPr lvl="1"/>
-            <a:r>
-              <a:rPr lang="en-US" dirty="0" smtClean="0"/>
-              <a:t>View </a:t>
-            </a:r>
-          </a:p>
-          <a:p>
-            <a:r>
-              <a:rPr lang="en-US" dirty="0" smtClean="0"/>
-              <a:t>RESTFUL (Based on HTML Protocol)</a:t>
-            </a:r>
-          </a:p>
-          <a:p>
-            <a:pPr lvl="1"/>
-            <a:r>
-              <a:rPr lang="en-US" dirty="0" smtClean="0"/>
-              <a:t>GET(READ) </a:t>
-            </a:r>
-          </a:p>
-          <a:p>
-            <a:pPr lvl="1"/>
-            <a:r>
-              <a:rPr lang="en-US" dirty="0" smtClean="0"/>
-              <a:t>POST(CREATE) </a:t>
-            </a:r>
-          </a:p>
-          <a:p>
-            <a:pPr lvl="1"/>
-            <a:r>
-              <a:rPr lang="en-US" dirty="0" smtClean="0"/>
-              <a:t>PUT(CHANGE)</a:t>
-            </a:r>
-          </a:p>
-          <a:p>
-            <a:pPr lvl="1"/>
-            <a:r>
-              <a:rPr lang="en-US" dirty="0" smtClean="0"/>
-              <a:t>DELETE(REMOVE) </a:t>
-            </a:r>
-          </a:p>
-          <a:p>
-            <a:pPr lvl="1"/>
-            <a:r>
-              <a:rPr lang="en-US" dirty="0" smtClean="0"/>
-              <a:t>POSTMAN (debug tool)</a:t>
-            </a:r>
-          </a:p>
-          <a:p>
-            <a:r>
-              <a:rPr lang="en-US" dirty="0" smtClean="0"/>
-              <a:t>Model &amp; Store (</a:t>
-            </a:r>
-            <a:r>
-              <a:rPr lang="en-US" dirty="0" err="1" smtClean="0"/>
-              <a:t>Extjs</a:t>
-            </a:r>
-            <a:r>
-              <a:rPr lang="en-US" dirty="0" smtClean="0"/>
-              <a:t> Model part)</a:t>
-            </a:r>
-          </a:p>
-          <a:p>
-            <a:pPr lvl="1"/>
-            <a:r>
-              <a:rPr lang="en-US" dirty="0" smtClean="0"/>
-              <a:t>Model (Define a row structure: name, type, mapping , length …)</a:t>
-            </a:r>
-          </a:p>
-          <a:p>
-            <a:pPr lvl="1"/>
-            <a:r>
-              <a:rPr lang="en-US" dirty="0" smtClean="0"/>
-              <a:t>Store (A set of records upon model format)</a:t>
-            </a:r>
-          </a:p>
-          <a:p>
-            <a:pPr lvl="1"/>
-            <a:r>
-              <a:rPr lang="en-US" dirty="0" smtClean="0"/>
-              <a:t>Proxy (Web Service Access: URL, parameter, return phase format)</a:t>
-            </a:r>
-          </a:p>
-          <a:p>
-            <a:pPr lvl="1"/>
-            <a:endParaRPr lang="en-US" dirty="0" smtClean="0"/>
-          </a:p>
-          <a:p>
-            <a:endParaRPr lang="en-US" dirty="0"/>
-          </a:p>
-        </p:txBody>
-      </p:sp>
-    </p:spTree>
-    <p:extLst>
-      <p:ext uri="{BB962C8B-B14F-4D97-AF65-F5344CB8AC3E}">
-        <p14:creationId xmlns:p14="http://schemas.microsoft.com/office/powerpoint/2010/main" val="3316760541"/>
-      </p:ext>
-    </p:extLst>
-  </p:cSld>
-  <p:clrMapOvr>
-    <a:masterClrMapping/>
-  </p:clrMapOvr>
-  <mc:AlternateContent xmlns:mc="http://schemas.openxmlformats.org/markup-compatibility/2006" xmlns:p14="http://schemas.microsoft.com/office/powerpoint/2010/main">
-    <mc:Choice Requires="p14">
-      <p:transition spd="slow" p14:dur="2000"/>
-    </mc:Choice>
-    <mc:Fallback xmlns="">
-      <p:transition spd="slow"/>
-    </mc:Fallback>
-  </mc:AlternateContent>
-</p:sld>
-</file>
-
-<file path=ppt/slides/slide7.xml><?xml version="1.0" encoding="utf-8"?>
-<p:sld xmlns:a="http://schemas.openxmlformats.org/drawingml/2006/main" xmlns:r="http://schemas.openxmlformats.org/officeDocument/2006/relationships" xmlns:p="http://schemas.openxmlformats.org/presentationml/2006/main">
-  <p:cSld>
-    <p:spTree>
-      <p:nvGrpSpPr>
-        <p:cNvPr id="1" name=""/>
-        <p:cNvGrpSpPr/>
-        <p:nvPr/>
-      </p:nvGrpSpPr>
-      <p:grpSpPr>
-        <a:xfrm>
-          <a:off x="0" y="0"/>
-          <a:ext cx="0" cy="0"/>
-          <a:chOff x="0" y="0"/>
-          <a:chExt cx="0" cy="0"/>
-        </a:xfrm>
-      </p:grpSpPr>
-      <p:sp>
-        <p:nvSpPr>
-          <p:cNvPr id="2" name="Title 1"/>
-          <p:cNvSpPr>
-            <a:spLocks noGrp="1"/>
-          </p:cNvSpPr>
-          <p:nvPr>
-            <p:ph type="title"/>
-          </p:nvPr>
-        </p:nvSpPr>
-        <p:spPr/>
-        <p:txBody>
-          <a:bodyPr/>
-          <a:lstStyle/>
-          <a:p>
-            <a:r>
-              <a:rPr lang="en-US" dirty="0" smtClean="0"/>
-              <a:t>WEBUI Development:</a:t>
-            </a:r>
-            <a:endParaRPr lang="en-US" dirty="0"/>
-          </a:p>
-        </p:txBody>
-      </p:sp>
-      <p:sp>
-        <p:nvSpPr>
-          <p:cNvPr id="3" name="Content Placeholder 2"/>
-          <p:cNvSpPr>
-            <a:spLocks noGrp="1"/>
-          </p:cNvSpPr>
-          <p:nvPr>
-            <p:ph sz="quarter" idx="1"/>
-          </p:nvPr>
-        </p:nvSpPr>
-        <p:spPr/>
-        <p:txBody>
-          <a:bodyPr>
-            <a:normAutofit fontScale="85000" lnSpcReduction="20000"/>
-          </a:bodyPr>
-          <a:lstStyle/>
-          <a:p>
-            <a:r>
-              <a:rPr lang="en-US" dirty="0" smtClean="0"/>
-              <a:t>Message</a:t>
-            </a:r>
-          </a:p>
-          <a:p>
-            <a:pPr lvl="1"/>
-            <a:r>
-              <a:rPr lang="en-US" dirty="0" smtClean="0"/>
-              <a:t>%DCSDIR%\</a:t>
-            </a:r>
-            <a:r>
-              <a:rPr lang="en-US" dirty="0" err="1" smtClean="0"/>
-              <a:t>webclient</a:t>
-            </a:r>
-            <a:r>
-              <a:rPr lang="en-US" dirty="0" smtClean="0"/>
-              <a:t>\</a:t>
-            </a:r>
-            <a:r>
-              <a:rPr lang="en-US" dirty="0" err="1" smtClean="0"/>
-              <a:t>rpweb</a:t>
-            </a:r>
-            <a:r>
-              <a:rPr lang="en-US" dirty="0" smtClean="0"/>
-              <a:t>\messages\en-us\*.xml</a:t>
-            </a:r>
-          </a:p>
-          <a:p>
-            <a:r>
-              <a:rPr lang="en-US" dirty="0" smtClean="0"/>
-              <a:t>Task Flows</a:t>
-            </a:r>
-          </a:p>
-          <a:p>
-            <a:pPr marL="548640" lvl="2">
-              <a:spcBef>
-                <a:spcPts val="600"/>
-              </a:spcBef>
-              <a:buClr>
-                <a:schemeClr val="accent1"/>
-              </a:buClr>
-            </a:pPr>
-            <a:r>
-              <a:rPr lang="en-US" dirty="0" smtClean="0"/>
-              <a:t>%DCSDIR%\</a:t>
-            </a:r>
-            <a:r>
-              <a:rPr lang="en-US" dirty="0" err="1" smtClean="0"/>
-              <a:t>webclient</a:t>
-            </a:r>
-            <a:r>
-              <a:rPr lang="en-US" dirty="0" smtClean="0"/>
-              <a:t>\</a:t>
-            </a:r>
-            <a:r>
-              <a:rPr lang="en-US" dirty="0" err="1" smtClean="0"/>
-              <a:t>rpweb</a:t>
-            </a:r>
-            <a:r>
-              <a:rPr lang="en-US" dirty="0" smtClean="0"/>
-              <a:t>\</a:t>
-            </a:r>
-            <a:r>
-              <a:rPr lang="en-US" dirty="0" err="1" smtClean="0"/>
-              <a:t>config</a:t>
-            </a:r>
-            <a:r>
-              <a:rPr lang="en-US" dirty="0" smtClean="0"/>
-              <a:t>\</a:t>
-            </a:r>
-            <a:r>
-              <a:rPr lang="en-US" dirty="0" err="1" smtClean="0"/>
-              <a:t>taskflows</a:t>
-            </a:r>
-            <a:r>
-              <a:rPr lang="en-US" dirty="0" smtClean="0"/>
-              <a:t>\*.xml</a:t>
-            </a:r>
-          </a:p>
-          <a:p>
-            <a:r>
-              <a:rPr lang="en-US" dirty="0" smtClean="0"/>
-              <a:t>Tasks</a:t>
-            </a:r>
-            <a:endParaRPr lang="en-US" dirty="0"/>
-          </a:p>
-          <a:p>
-            <a:pPr marL="548640" lvl="2">
-              <a:spcBef>
-                <a:spcPts val="600"/>
-              </a:spcBef>
-              <a:buClr>
-                <a:schemeClr val="accent1"/>
-              </a:buClr>
-            </a:pPr>
-            <a:r>
-              <a:rPr lang="en-US" dirty="0"/>
-              <a:t>%DCSDIR%\</a:t>
-            </a:r>
-            <a:r>
-              <a:rPr lang="en-US" dirty="0" err="1" smtClean="0"/>
-              <a:t>webclient</a:t>
-            </a:r>
-            <a:r>
-              <a:rPr lang="en-US" dirty="0" smtClean="0"/>
-              <a:t>\</a:t>
-            </a:r>
-            <a:r>
-              <a:rPr lang="en-US" dirty="0" err="1" smtClean="0"/>
-              <a:t>rpweb</a:t>
-            </a:r>
-            <a:r>
-              <a:rPr lang="en-US" dirty="0" smtClean="0"/>
-              <a:t>\</a:t>
-            </a:r>
-            <a:r>
-              <a:rPr lang="en-US" dirty="0" err="1" smtClean="0"/>
-              <a:t>config</a:t>
-            </a:r>
-            <a:r>
-              <a:rPr lang="en-US" dirty="0" smtClean="0"/>
-              <a:t>\tasks\*.xml</a:t>
-            </a:r>
-          </a:p>
-          <a:p>
-            <a:r>
-              <a:rPr lang="en-US" dirty="0" smtClean="0"/>
-              <a:t>Configure File</a:t>
-            </a:r>
-            <a:endParaRPr lang="en-US" dirty="0"/>
-          </a:p>
-          <a:p>
-            <a:pPr marL="548640" lvl="2">
-              <a:spcBef>
-                <a:spcPts val="600"/>
-              </a:spcBef>
-              <a:buClr>
-                <a:schemeClr val="accent1"/>
-              </a:buClr>
-            </a:pPr>
-            <a:r>
-              <a:rPr lang="en-US" dirty="0" smtClean="0"/>
-              <a:t>%REFSDIR%\settings\rpweb.xml</a:t>
-            </a:r>
-          </a:p>
-          <a:p>
-            <a:pPr marL="548640" lvl="2">
-              <a:spcBef>
-                <a:spcPts val="600"/>
-              </a:spcBef>
-              <a:buClr>
-                <a:schemeClr val="accent1"/>
-              </a:buClr>
-            </a:pPr>
-            <a:r>
-              <a:rPr lang="en-US" dirty="0"/>
-              <a:t>%REFSDIR</a:t>
-            </a:r>
-            <a:r>
-              <a:rPr lang="en-US" dirty="0" smtClean="0"/>
-              <a:t>%\deploy\roles.xml</a:t>
-            </a:r>
-          </a:p>
-          <a:p>
-            <a:r>
-              <a:rPr lang="en-US" dirty="0" smtClean="0"/>
-              <a:t>Folder Structure</a:t>
-            </a:r>
-          </a:p>
-          <a:p>
-            <a:pPr lvl="1"/>
-            <a:r>
-              <a:rPr lang="en-US" dirty="0"/>
-              <a:t>%DCSDIR</a:t>
-            </a:r>
-            <a:r>
-              <a:rPr lang="en-US" dirty="0" smtClean="0"/>
-              <a:t>%\</a:t>
-            </a:r>
-            <a:r>
-              <a:rPr lang="en-US" dirty="0" err="1" smtClean="0"/>
-              <a:t>webclient</a:t>
-            </a:r>
-            <a:r>
-              <a:rPr lang="en-US" dirty="0" smtClean="0"/>
-              <a:t>\</a:t>
-            </a:r>
-            <a:r>
-              <a:rPr lang="en-US" dirty="0" err="1" smtClean="0"/>
-              <a:t>rpweb</a:t>
-            </a:r>
-            <a:r>
-              <a:rPr lang="en-US" dirty="0" smtClean="0"/>
-              <a:t>\</a:t>
-            </a:r>
-            <a:r>
-              <a:rPr lang="en-US" dirty="0" err="1" smtClean="0"/>
-              <a:t>js</a:t>
-            </a:r>
-            <a:r>
-              <a:rPr lang="en-US" dirty="0" smtClean="0"/>
-              <a:t>\</a:t>
-            </a:r>
-            <a:r>
-              <a:rPr lang="en-US" dirty="0" err="1" smtClean="0"/>
-              <a:t>tf</a:t>
-            </a:r>
-            <a:endParaRPr lang="en-US" dirty="0" smtClean="0"/>
-          </a:p>
-          <a:p>
-            <a:pPr lvl="1"/>
-            <a:r>
-              <a:rPr lang="en-US" dirty="0"/>
-              <a:t>%DCSDIR</a:t>
-            </a:r>
-            <a:r>
-              <a:rPr lang="en-US" dirty="0" smtClean="0"/>
-              <a:t>%\</a:t>
-            </a:r>
-            <a:r>
-              <a:rPr lang="en-US" dirty="0" err="1" smtClean="0"/>
-              <a:t>webclient</a:t>
-            </a:r>
-            <a:r>
-              <a:rPr lang="en-US" dirty="0" smtClean="0"/>
-              <a:t>\</a:t>
-            </a:r>
-            <a:r>
-              <a:rPr lang="en-US" dirty="0" err="1" smtClean="0"/>
-              <a:t>rpweb</a:t>
-            </a:r>
-            <a:r>
-              <a:rPr lang="en-US" dirty="0" smtClean="0"/>
-              <a:t>\images</a:t>
-            </a:r>
-          </a:p>
-          <a:p>
-            <a:pPr lvl="1"/>
-            <a:r>
-              <a:rPr lang="en-US" dirty="0"/>
-              <a:t>%DCSDIR%</a:t>
-            </a:r>
-            <a:r>
-              <a:rPr lang="en-US" dirty="0" smtClean="0"/>
-              <a:t>\</a:t>
-            </a:r>
-            <a:r>
-              <a:rPr lang="en-US" dirty="0"/>
-              <a:t>webclient\rpweb\css</a:t>
-            </a:r>
-            <a:endParaRPr lang="en-US" dirty="0" smtClean="0"/>
-          </a:p>
-          <a:p>
-            <a:pPr lvl="1"/>
-            <a:r>
-              <a:rPr lang="en-US" dirty="0"/>
-              <a:t>%DCSDIR%</a:t>
-            </a:r>
-            <a:r>
-              <a:rPr lang="en-US" dirty="0" smtClean="0"/>
-              <a:t>\ws\wm\src\java\com\redprairie\wmd\web\services</a:t>
-            </a:r>
-          </a:p>
-          <a:p>
-            <a:pPr lvl="1"/>
-            <a:r>
-              <a:rPr lang="en-US" dirty="0"/>
-              <a:t>%DCSDIR</a:t>
-            </a:r>
-            <a:r>
-              <a:rPr lang="en-US" dirty="0" smtClean="0"/>
-              <a:t>%\</a:t>
-            </a:r>
-            <a:r>
-              <a:rPr lang="en-US" dirty="0" err="1" smtClean="0"/>
-              <a:t>src</a:t>
-            </a:r>
-            <a:r>
-              <a:rPr lang="en-US" dirty="0" smtClean="0"/>
-              <a:t>\java\com\</a:t>
-            </a:r>
-            <a:r>
-              <a:rPr lang="en-US" dirty="0" err="1" smtClean="0"/>
-              <a:t>redprairie</a:t>
-            </a:r>
-            <a:r>
-              <a:rPr lang="en-US" dirty="0" smtClean="0"/>
-              <a:t>\</a:t>
-            </a:r>
-            <a:r>
-              <a:rPr lang="en-US" dirty="0" err="1" smtClean="0"/>
-              <a:t>wmd</a:t>
-            </a:r>
-            <a:r>
-              <a:rPr lang="en-US" dirty="0" smtClean="0"/>
-              <a:t>\web\services</a:t>
-            </a:r>
-            <a:endParaRPr lang="en-US" dirty="0"/>
-          </a:p>
-        </p:txBody>
-      </p:sp>
-    </p:spTree>
-    <p:extLst>
-      <p:ext uri="{BB962C8B-B14F-4D97-AF65-F5344CB8AC3E}">
-        <p14:creationId xmlns:p14="http://schemas.microsoft.com/office/powerpoint/2010/main" val="1498524495"/>
-      </p:ext>
-    </p:extLst>
-  </p:cSld>
-  <p:clrMapOvr>
-    <a:masterClrMapping/>
-  </p:clrMapOvr>
-  <mc:AlternateContent xmlns:mc="http://schemas.openxmlformats.org/markup-compatibility/2006" xmlns:p14="http://schemas.microsoft.com/office/powerpoint/2010/main">
-    <mc:Choice Requires="p14">
-      <p:transition spd="slow" p14:dur="2000"/>
-    </mc:Choice>
-    <mc:Fallback xmlns="">
-      <p:transition spd="slow"/>
-    </mc:Fallback>
-  </mc:AlternateContent>
-</p:sld>
-</file>
-
-<file path=ppt/slides/slide8.xml><?xml version="1.0" encoding="utf-8"?>
-<p:sld xmlns:a="http://schemas.openxmlformats.org/drawingml/2006/main" xmlns:r="http://schemas.openxmlformats.org/officeDocument/2006/relationships" xmlns:p="http://schemas.openxmlformats.org/presentationml/2006/main">
-  <p:cSld>
-    <p:spTree>
-      <p:nvGrpSpPr>
-        <p:cNvPr id="1" name=""/>
-        <p:cNvGrpSpPr/>
-        <p:nvPr/>
-      </p:nvGrpSpPr>
-      <p:grpSpPr>
-        <a:xfrm>
-          <a:off x="0" y="0"/>
-          <a:ext cx="0" cy="0"/>
-          <a:chOff x="0" y="0"/>
-          <a:chExt cx="0" cy="0"/>
-        </a:xfrm>
-      </p:grpSpPr>
-      <p:sp>
-        <p:nvSpPr>
-          <p:cNvPr id="2" name="Title 1"/>
-          <p:cNvSpPr>
-            <a:spLocks noGrp="1"/>
-          </p:cNvSpPr>
-          <p:nvPr>
-            <p:ph type="title"/>
-          </p:nvPr>
-        </p:nvSpPr>
-        <p:spPr/>
-        <p:txBody>
-          <a:bodyPr/>
-          <a:lstStyle/>
-          <a:p>
-            <a:r>
-              <a:rPr lang="en-US" dirty="0" smtClean="0"/>
-              <a:t>Web Debug</a:t>
-            </a:r>
-            <a:endParaRPr lang="en-US" dirty="0"/>
-          </a:p>
-        </p:txBody>
-      </p:sp>
-      <p:sp>
-        <p:nvSpPr>
-          <p:cNvPr id="3" name="Content Placeholder 2"/>
-          <p:cNvSpPr>
-            <a:spLocks noGrp="1"/>
-          </p:cNvSpPr>
-          <p:nvPr>
-            <p:ph sz="quarter" idx="1"/>
-          </p:nvPr>
-        </p:nvSpPr>
-        <p:spPr/>
-        <p:txBody>
-          <a:bodyPr>
-            <a:normAutofit fontScale="77500" lnSpcReduction="20000"/>
-          </a:bodyPr>
-          <a:lstStyle/>
-          <a:p>
-            <a:r>
-              <a:rPr lang="en-US" dirty="0" smtClean="0"/>
-              <a:t>JS Debugger: F12 function</a:t>
-            </a:r>
-          </a:p>
-          <a:p>
-            <a:r>
-              <a:rPr lang="en-US" dirty="0" err="1" smtClean="0"/>
-              <a:t>Browers</a:t>
-            </a:r>
-            <a:r>
-              <a:rPr lang="en-US" dirty="0" smtClean="0"/>
-              <a:t>: Chrome / Internet Explorer / </a:t>
-            </a:r>
-            <a:r>
-              <a:rPr lang="en-US" dirty="0" err="1" smtClean="0"/>
-              <a:t>FireFox</a:t>
-            </a:r>
-            <a:endParaRPr lang="en-US" dirty="0" smtClean="0"/>
-          </a:p>
-          <a:p>
-            <a:r>
-              <a:rPr lang="en-US" dirty="0" smtClean="0"/>
-              <a:t>JS Debug Types: </a:t>
-            </a:r>
-          </a:p>
-          <a:p>
-            <a:pPr lvl="1"/>
-            <a:r>
-              <a:rPr lang="en-US" dirty="0" smtClean="0"/>
-              <a:t>Elements (UI Component)</a:t>
-            </a:r>
-          </a:p>
-          <a:p>
-            <a:pPr lvl="1"/>
-            <a:r>
-              <a:rPr lang="en-US" dirty="0" smtClean="0"/>
-              <a:t>Network</a:t>
-            </a:r>
-          </a:p>
-          <a:p>
-            <a:pPr lvl="1"/>
-            <a:r>
-              <a:rPr lang="en-US" dirty="0" smtClean="0"/>
-              <a:t>Sources</a:t>
-            </a:r>
-          </a:p>
-          <a:p>
-            <a:pPr lvl="1"/>
-            <a:r>
-              <a:rPr lang="en-US" dirty="0" smtClean="0"/>
-              <a:t>Time line</a:t>
-            </a:r>
-          </a:p>
-          <a:p>
-            <a:pPr lvl="1"/>
-            <a:r>
-              <a:rPr lang="en-US" dirty="0" smtClean="0"/>
-              <a:t>Console</a:t>
-            </a:r>
-          </a:p>
-          <a:p>
-            <a:r>
-              <a:rPr lang="en-US" dirty="0" smtClean="0"/>
-              <a:t>RPUX Debug Ctrl + Shift + L</a:t>
-            </a:r>
-          </a:p>
-          <a:p>
-            <a:pPr marL="274320" lvl="1">
-              <a:spcBef>
-                <a:spcPts val="600"/>
-              </a:spcBef>
-              <a:buClr>
-                <a:schemeClr val="accent1"/>
-              </a:buClr>
-            </a:pPr>
-            <a:r>
-              <a:rPr lang="en-US" dirty="0"/>
-              <a:t>Component Inspector</a:t>
-            </a:r>
-          </a:p>
-          <a:p>
-            <a:r>
-              <a:rPr lang="en-US" dirty="0" smtClean="0"/>
-              <a:t>Log Viewer</a:t>
-            </a:r>
-          </a:p>
-          <a:p>
-            <a:pPr lvl="1"/>
-            <a:r>
-              <a:rPr lang="en-US" dirty="0" smtClean="0"/>
-              <a:t>Log writer:</a:t>
-            </a:r>
-          </a:p>
-          <a:p>
-            <a:pPr lvl="2"/>
-            <a:r>
-              <a:rPr lang="en-US" dirty="0"/>
-              <a:t>Ext.log({level: 'error'}, </a:t>
-            </a:r>
-            <a:r>
-              <a:rPr lang="en-US" dirty="0" err="1"/>
-              <a:t>RP.getMessage</a:t>
-            </a:r>
-            <a:r>
-              <a:rPr lang="en-US" dirty="0"/>
-              <a:t>('</a:t>
-            </a:r>
-            <a:r>
-              <a:rPr lang="en-US" dirty="0" err="1"/>
-              <a:t>wm.common.noTrailer</a:t>
-            </a:r>
-            <a:r>
-              <a:rPr lang="en-US" dirty="0" smtClean="0"/>
-              <a:t>'));</a:t>
-            </a:r>
-          </a:p>
-          <a:p>
-            <a:pPr lvl="2"/>
-            <a:r>
-              <a:rPr lang="en-US" dirty="0"/>
-              <a:t>console.log('Error loading Shipping Progress for Loads</a:t>
-            </a:r>
-            <a:r>
-              <a:rPr lang="en-US" dirty="0" smtClean="0"/>
-              <a:t>');</a:t>
-            </a:r>
-            <a:endParaRPr lang="en-US" dirty="0"/>
-          </a:p>
-          <a:p>
-            <a:pPr lvl="1"/>
-            <a:r>
-              <a:rPr lang="en-US" dirty="0" smtClean="0"/>
-              <a:t>Log reader:</a:t>
-            </a:r>
-            <a:endParaRPr lang="en-US" dirty="0"/>
-          </a:p>
-          <a:p>
-            <a:pPr lvl="2"/>
-            <a:r>
-              <a:rPr lang="en-US" dirty="0" smtClean="0"/>
-              <a:t>%REFSDIR%\logs\*.log</a:t>
-            </a:r>
-            <a:endParaRPr lang="en-US" dirty="0"/>
-          </a:p>
-        </p:txBody>
-      </p:sp>
-    </p:spTree>
-    <p:extLst>
-      <p:ext uri="{BB962C8B-B14F-4D97-AF65-F5344CB8AC3E}">
-        <p14:creationId xmlns:p14="http://schemas.microsoft.com/office/powerpoint/2010/main" val="854357203"/>
-      </p:ext>
-    </p:extLst>
-  </p:cSld>
-  <p:clrMapOvr>
-    <a:masterClrMapping/>
-  </p:clrMapOvr>
-</p:sld>
-</file>
-
-<file path=ppt/slides/slide9.xml><?xml version="1.0" encoding="utf-8"?>
-<p:sld xmlns:a="http://schemas.openxmlformats.org/drawingml/2006/main" xmlns:r="http://schemas.openxmlformats.org/officeDocument/2006/relationships" xmlns:p="http://schemas.openxmlformats.org/presentationml/2006/main">
-  <p:cSld>
-    <p:spTree>
-      <p:nvGrpSpPr>
-        <p:cNvPr id="1" name=""/>
-        <p:cNvGrpSpPr/>
-        <p:nvPr/>
-      </p:nvGrpSpPr>
-      <p:grpSpPr>
-        <a:xfrm>
-          <a:off x="0" y="0"/>
-          <a:ext cx="0" cy="0"/>
-          <a:chOff x="0" y="0"/>
-          <a:chExt cx="0" cy="0"/>
-        </a:xfrm>
-      </p:grpSpPr>
-      <p:sp>
-        <p:nvSpPr>
-          <p:cNvPr id="2" name="Title 1"/>
-          <p:cNvSpPr>
-            <a:spLocks noGrp="1"/>
-          </p:cNvSpPr>
-          <p:nvPr>
-            <p:ph type="title"/>
-          </p:nvPr>
-        </p:nvSpPr>
-        <p:spPr/>
-        <p:txBody>
-          <a:bodyPr/>
-          <a:lstStyle/>
-          <a:p>
-            <a:r>
-              <a:rPr lang="en-US" dirty="0" smtClean="0"/>
-              <a:t>Environment Setup</a:t>
-            </a:r>
-            <a:endParaRPr lang="en-US" dirty="0"/>
-          </a:p>
-        </p:txBody>
-      </p:sp>
-      <p:sp>
-        <p:nvSpPr>
-          <p:cNvPr id="3" name="Content Placeholder 2"/>
-          <p:cNvSpPr>
-            <a:spLocks noGrp="1"/>
-          </p:cNvSpPr>
-          <p:nvPr>
-            <p:ph sz="quarter" idx="1"/>
-          </p:nvPr>
-        </p:nvSpPr>
-        <p:spPr/>
-        <p:txBody>
-          <a:bodyPr>
-            <a:normAutofit fontScale="62500" lnSpcReduction="20000"/>
-          </a:bodyPr>
-          <a:lstStyle/>
-          <a:p>
-            <a:pPr lvl="0"/>
-            <a:r>
-              <a:rPr lang="en-US" dirty="0"/>
-              <a:t>Check </a:t>
-            </a:r>
-            <a:r>
-              <a:rPr lang="en-US" dirty="0" smtClean="0"/>
-              <a:t>branches</a:t>
-            </a:r>
-            <a:endParaRPr lang="en-US" dirty="0"/>
-          </a:p>
-          <a:p>
-            <a:pPr lvl="0"/>
-            <a:r>
-              <a:rPr lang="en-US" dirty="0" smtClean="0"/>
-              <a:t>Apply </a:t>
-            </a:r>
-            <a:r>
-              <a:rPr lang="en-US" dirty="0" err="1"/>
-              <a:t>build.xml.patch</a:t>
-            </a:r>
-            <a:r>
-              <a:rPr lang="en-US" dirty="0"/>
-              <a:t> in attachment for WMD.</a:t>
-            </a:r>
-          </a:p>
-          <a:p>
-            <a:r>
-              <a:rPr lang="en-US" dirty="0" smtClean="0"/>
-              <a:t>Get </a:t>
-            </a:r>
-            <a:r>
-              <a:rPr lang="en-US" dirty="0"/>
-              <a:t>and restore </a:t>
-            </a:r>
-            <a:r>
-              <a:rPr lang="en-US" dirty="0" err="1" smtClean="0"/>
-              <a:t>db</a:t>
-            </a:r>
-            <a:r>
-              <a:rPr lang="en-US" dirty="0" smtClean="0"/>
-              <a:t>: </a:t>
-            </a:r>
-            <a:r>
-              <a:rPr lang="en-US" u="sng" dirty="0" smtClean="0">
-                <a:hlinkClick r:id="rId2"/>
-              </a:rPr>
-              <a:t>http</a:t>
-            </a:r>
-            <a:r>
-              <a:rPr lang="en-US" u="sng" dirty="0">
-                <a:hlinkClick r:id="rId2"/>
-              </a:rPr>
-              <a:t>://</a:t>
-            </a:r>
-            <a:r>
-              <a:rPr lang="en-US" u="sng" dirty="0" smtClean="0">
-                <a:hlinkClick r:id="rId2"/>
-              </a:rPr>
-              <a:t>redwiki/display/wms/BA+Databases</a:t>
-            </a:r>
-            <a:r>
-              <a:rPr lang="en-US" dirty="0"/>
-              <a:t>     </a:t>
-            </a:r>
-          </a:p>
-          <a:p>
-            <a:pPr lvl="0"/>
-            <a:r>
-              <a:rPr lang="en-US" dirty="0" smtClean="0"/>
-              <a:t>Put </a:t>
-            </a:r>
-            <a:r>
-              <a:rPr lang="en-US" dirty="0"/>
-              <a:t>role.xml in attachment to %REFSDIR \deploy\</a:t>
-            </a:r>
-          </a:p>
-          <a:p>
-            <a:r>
-              <a:rPr lang="en-US" dirty="0" smtClean="0"/>
-              <a:t>Put </a:t>
-            </a:r>
-            <a:r>
-              <a:rPr lang="en-US" dirty="0"/>
-              <a:t>rpweb.xml in attachment %REFSDIR\settings\ </a:t>
-            </a:r>
-          </a:p>
-          <a:p>
-            <a:r>
-              <a:rPr lang="en-US" dirty="0" smtClean="0"/>
-              <a:t>Change the </a:t>
-            </a:r>
-            <a:r>
-              <a:rPr lang="en-US" dirty="0" err="1" smtClean="0"/>
-              <a:t>Moca</a:t>
-            </a:r>
-            <a:r>
-              <a:rPr lang="en-US" dirty="0" smtClean="0"/>
-              <a:t> access </a:t>
-            </a:r>
-            <a:r>
-              <a:rPr lang="en-US" dirty="0" err="1" smtClean="0"/>
-              <a:t>url</a:t>
-            </a:r>
-            <a:r>
-              <a:rPr lang="en-US" dirty="0" smtClean="0"/>
-              <a:t> .</a:t>
-            </a:r>
-          </a:p>
-          <a:p>
-            <a:pPr lvl="0"/>
-            <a:r>
-              <a:rPr lang="en-US" dirty="0" smtClean="0"/>
-              <a:t>Change </a:t>
-            </a:r>
-            <a:r>
-              <a:rPr lang="en-US" dirty="0"/>
-              <a:t>registry file with branch path and </a:t>
-            </a:r>
-            <a:r>
-              <a:rPr lang="en-US" dirty="0" err="1"/>
-              <a:t>db</a:t>
-            </a:r>
-            <a:r>
-              <a:rPr lang="en-US" dirty="0"/>
-              <a:t> link and CLASSPATH and so on . </a:t>
-            </a:r>
-          </a:p>
-          <a:p>
-            <a:pPr lvl="0"/>
-            <a:r>
-              <a:rPr lang="en-US" dirty="0" smtClean="0"/>
-              <a:t>Compile </a:t>
-            </a:r>
-            <a:r>
-              <a:rPr lang="en-US" dirty="0"/>
-              <a:t>WMD related.</a:t>
-            </a:r>
-          </a:p>
-          <a:p>
-            <a:r>
-              <a:rPr lang="en-US" dirty="0" smtClean="0"/>
-              <a:t>Compiling </a:t>
-            </a:r>
-            <a:r>
-              <a:rPr lang="en-US" dirty="0"/>
-              <a:t>RPWEB related:</a:t>
-            </a:r>
-          </a:p>
-          <a:p>
-            <a:r>
-              <a:rPr lang="en-US" dirty="0" smtClean="0"/>
-              <a:t>cd </a:t>
-            </a:r>
-            <a:r>
-              <a:rPr lang="en-US" dirty="0"/>
-              <a:t>%REFSDIR% &amp; ant </a:t>
-            </a:r>
-            <a:r>
-              <a:rPr lang="en-US" dirty="0" err="1"/>
-              <a:t>superclean</a:t>
-            </a:r>
-            <a:r>
-              <a:rPr lang="en-US" dirty="0"/>
-              <a:t> &amp; cd %RPUXDIR% &amp; ant clean &amp; cd %DCSDIR% &amp; ant clean &amp; cd %REFSDIR% &amp; ant &amp; cd %RPUXDIR% &amp; ant &amp; cd %DCSDIR% &amp; ant</a:t>
-            </a:r>
-          </a:p>
-          <a:p>
-            <a:r>
-              <a:rPr lang="en-US" dirty="0" smtClean="0"/>
-              <a:t>Run </a:t>
-            </a:r>
-            <a:r>
-              <a:rPr lang="en-US" dirty="0"/>
-              <a:t>‘</a:t>
-            </a:r>
-            <a:r>
-              <a:rPr lang="en-US" dirty="0" err="1"/>
-              <a:t>wsdeploy</a:t>
-            </a:r>
-            <a:r>
-              <a:rPr lang="en-US" dirty="0"/>
-              <a:t>’ command to deploy web service.</a:t>
-            </a:r>
-          </a:p>
-          <a:p>
-            <a:pPr lvl="0"/>
-            <a:r>
-              <a:rPr lang="en-US" dirty="0" smtClean="0"/>
-              <a:t>Test </a:t>
-            </a:r>
-            <a:r>
-              <a:rPr lang="en-US" dirty="0"/>
-              <a:t>your Environment:</a:t>
-            </a:r>
-          </a:p>
-          <a:p>
-            <a:r>
-              <a:rPr lang="en-US" dirty="0"/>
-              <a:t>Open </a:t>
-            </a:r>
-            <a:r>
-              <a:rPr lang="en-US" u="sng" dirty="0">
-                <a:hlinkClick r:id="rId3"/>
-              </a:rPr>
-              <a:t>http://localhost:8090</a:t>
-            </a:r>
-            <a:r>
-              <a:rPr lang="en-US" dirty="0"/>
-              <a:t> , you can see a login page. Key in super/super.</a:t>
-            </a:r>
-          </a:p>
-          <a:p>
-            <a:r>
-              <a:rPr lang="en-US" dirty="0"/>
-              <a:t>Then you can see a logged in page .</a:t>
-            </a:r>
-          </a:p>
-          <a:p>
-            <a:r>
-              <a:rPr lang="en-US" dirty="0"/>
-              <a:t>If you can see following page without any error. Congratulation! Your environment is ready to use</a:t>
-            </a:r>
-            <a:r>
-              <a:rPr lang="en-US" dirty="0" smtClean="0"/>
-              <a:t>.</a:t>
-            </a:r>
-            <a:endParaRPr lang="en-US" dirty="0"/>
-          </a:p>
-        </p:txBody>
-      </p:sp>
-    </p:spTree>
-    <p:extLst>
-      <p:ext uri="{BB962C8B-B14F-4D97-AF65-F5344CB8AC3E}">
-        <p14:creationId xmlns:p14="http://schemas.microsoft.com/office/powerpoint/2010/main" val="4175595325"/>
-      </p:ext>
-    </p:extLst>
-  </p:cSld>
-  <p:clrMapOvr>
-    <a:masterClrMapping/>
-  </p:clrMapOvr>
 </p:sld>
 </file>
 

--- a/Productivity_Git_Training.pptx
+++ b/Productivity_Git_Training.pptx
@@ -9,7 +9,16 @@
     <p:sldId id="257" r:id="rId3"/>
     <p:sldId id="258" r:id="rId4"/>
     <p:sldId id="259" r:id="rId5"/>
-    <p:sldId id="260" r:id="rId6"/>
+    <p:sldId id="263" r:id="rId6"/>
+    <p:sldId id="264" r:id="rId7"/>
+    <p:sldId id="266" r:id="rId8"/>
+    <p:sldId id="261" r:id="rId9"/>
+    <p:sldId id="262" r:id="rId10"/>
+    <p:sldId id="265" r:id="rId11"/>
+    <p:sldId id="268" r:id="rId12"/>
+    <p:sldId id="267" r:id="rId13"/>
+    <p:sldId id="260" r:id="rId14"/>
+    <p:sldId id="269" r:id="rId15"/>
   </p:sldIdLst>
   <p:sldSz cx="9144000" cy="6858000" type="screen4x3"/>
   <p:notesSz cx="6858000" cy="9144000"/>
@@ -254,7 +263,7 @@
           <a:p>
             <a:fld id="{CE7799F8-1BDC-4800-8247-B1CB72F06477}" type="datetimeFigureOut">
               <a:rPr lang="en-US" smtClean="0"/>
-              <a:t>12/3/2015</a:t>
+              <a:t>12/4/2015</a:t>
             </a:fld>
             <a:endParaRPr lang="en-US"/>
           </a:p>
@@ -613,7 +622,7 @@
           <a:p>
             <a:fld id="{CE7799F8-1BDC-4800-8247-B1CB72F06477}" type="datetimeFigureOut">
               <a:rPr lang="en-US" smtClean="0"/>
-              <a:t>12/3/2015</a:t>
+              <a:t>12/4/2015</a:t>
             </a:fld>
             <a:endParaRPr lang="en-US"/>
           </a:p>
@@ -788,7 +797,7 @@
           <a:p>
             <a:fld id="{CE7799F8-1BDC-4800-8247-B1CB72F06477}" type="datetimeFigureOut">
               <a:rPr lang="en-US" smtClean="0"/>
-              <a:t>12/3/2015</a:t>
+              <a:t>12/4/2015</a:t>
             </a:fld>
             <a:endParaRPr lang="en-US"/>
           </a:p>
@@ -1023,7 +1032,7 @@
           <a:p>
             <a:fld id="{CE7799F8-1BDC-4800-8247-B1CB72F06477}" type="datetimeFigureOut">
               <a:rPr lang="en-US" smtClean="0"/>
-              <a:t>12/3/2015</a:t>
+              <a:t>12/4/2015</a:t>
             </a:fld>
             <a:endParaRPr lang="en-US"/>
           </a:p>
@@ -1292,7 +1301,7 @@
           <a:p>
             <a:fld id="{CE7799F8-1BDC-4800-8247-B1CB72F06477}" type="datetimeFigureOut">
               <a:rPr lang="en-US" smtClean="0"/>
-              <a:t>12/3/2015</a:t>
+              <a:t>12/4/2015</a:t>
             </a:fld>
             <a:endParaRPr lang="en-US"/>
           </a:p>
@@ -1512,7 +1521,7 @@
           <a:p>
             <a:fld id="{CE7799F8-1BDC-4800-8247-B1CB72F06477}" type="datetimeFigureOut">
               <a:rPr lang="en-US" smtClean="0"/>
-              <a:t>12/3/2015</a:t>
+              <a:t>12/4/2015</a:t>
             </a:fld>
             <a:endParaRPr lang="en-US"/>
           </a:p>
@@ -1864,7 +1873,7 @@
           <a:p>
             <a:fld id="{CE7799F8-1BDC-4800-8247-B1CB72F06477}" type="datetimeFigureOut">
               <a:rPr lang="en-US" smtClean="0"/>
-              <a:t>12/3/2015</a:t>
+              <a:t>12/4/2015</a:t>
             </a:fld>
             <a:endParaRPr lang="en-US"/>
           </a:p>
@@ -2096,7 +2105,7 @@
           <a:p>
             <a:fld id="{CE7799F8-1BDC-4800-8247-B1CB72F06477}" type="datetimeFigureOut">
               <a:rPr lang="en-US" smtClean="0"/>
-              <a:t>12/3/2015</a:t>
+              <a:t>12/4/2015</a:t>
             </a:fld>
             <a:endParaRPr lang="en-US"/>
           </a:p>
@@ -2236,7 +2245,7 @@
           <a:p>
             <a:fld id="{CE7799F8-1BDC-4800-8247-B1CB72F06477}" type="datetimeFigureOut">
               <a:rPr lang="en-US" smtClean="0"/>
-              <a:t>12/3/2015</a:t>
+              <a:t>12/4/2015</a:t>
             </a:fld>
             <a:endParaRPr lang="en-US"/>
           </a:p>
@@ -2513,7 +2522,7 @@
           <a:p>
             <a:fld id="{CE7799F8-1BDC-4800-8247-B1CB72F06477}" type="datetimeFigureOut">
               <a:rPr lang="en-US" smtClean="0"/>
-              <a:t>12/3/2015</a:t>
+              <a:t>12/4/2015</a:t>
             </a:fld>
             <a:endParaRPr lang="en-US"/>
           </a:p>
@@ -2920,7 +2929,7 @@
           <a:p>
             <a:fld id="{CE7799F8-1BDC-4800-8247-B1CB72F06477}" type="datetimeFigureOut">
               <a:rPr lang="en-US" smtClean="0"/>
-              <a:t>12/3/2015</a:t>
+              <a:t>12/4/2015</a:t>
             </a:fld>
             <a:endParaRPr lang="en-US"/>
           </a:p>
@@ -3258,7 +3267,7 @@
           <a:p>
             <a:fld id="{CE7799F8-1BDC-4800-8247-B1CB72F06477}" type="datetimeFigureOut">
               <a:rPr lang="en-US" smtClean="0"/>
-              <a:t>12/3/2015</a:t>
+              <a:t>12/4/2015</a:t>
             </a:fld>
             <a:endParaRPr lang="en-US"/>
           </a:p>
@@ -3893,6 +3902,1106 @@
 </p:sld>
 </file>
 
+<file path=ppt/slides/slide10.xml><?xml version="1.0" encoding="utf-8"?>
+<p:sld xmlns:a="http://schemas.openxmlformats.org/drawingml/2006/main" xmlns:r="http://schemas.openxmlformats.org/officeDocument/2006/relationships" xmlns:p="http://schemas.openxmlformats.org/presentationml/2006/main">
+  <p:cSld>
+    <p:spTree>
+      <p:nvGrpSpPr>
+        <p:cNvPr id="1" name=""/>
+        <p:cNvGrpSpPr/>
+        <p:nvPr/>
+      </p:nvGrpSpPr>
+      <p:grpSpPr>
+        <a:xfrm>
+          <a:off x="0" y="0"/>
+          <a:ext cx="0" cy="0"/>
+          <a:chOff x="0" y="0"/>
+          <a:chExt cx="0" cy="0"/>
+        </a:xfrm>
+      </p:grpSpPr>
+      <p:sp>
+        <p:nvSpPr>
+          <p:cNvPr id="2" name="Title 1"/>
+          <p:cNvSpPr>
+            <a:spLocks noGrp="1"/>
+          </p:cNvSpPr>
+          <p:nvPr>
+            <p:ph type="title"/>
+          </p:nvPr>
+        </p:nvSpPr>
+        <p:spPr/>
+        <p:txBody>
+          <a:bodyPr>
+            <a:normAutofit/>
+          </a:bodyPr>
+          <a:lstStyle/>
+          <a:p>
+            <a:r>
+              <a:rPr lang="en-US" dirty="0"/>
+              <a:t>Knowing to </a:t>
+            </a:r>
+            <a:r>
+              <a:rPr lang="en-US" dirty="0" err="1"/>
+              <a:t>Git</a:t>
+            </a:r>
+            <a:endParaRPr lang="en-US" dirty="0"/>
+          </a:p>
+        </p:txBody>
+      </p:sp>
+      <p:sp>
+        <p:nvSpPr>
+          <p:cNvPr id="3" name="Content Placeholder 2"/>
+          <p:cNvSpPr>
+            <a:spLocks noGrp="1"/>
+          </p:cNvSpPr>
+          <p:nvPr>
+            <p:ph sz="quarter" idx="1"/>
+          </p:nvPr>
+        </p:nvSpPr>
+        <p:spPr/>
+        <p:txBody>
+          <a:bodyPr>
+            <a:normAutofit/>
+          </a:bodyPr>
+          <a:lstStyle/>
+          <a:p>
+            <a:r>
+              <a:rPr lang="en-US" dirty="0" err="1" smtClean="0"/>
+              <a:t>Git</a:t>
+            </a:r>
+            <a:r>
+              <a:rPr lang="en-US" dirty="0" smtClean="0"/>
+              <a:t> checkout</a:t>
+            </a:r>
+            <a:endParaRPr lang="en-US" dirty="0" smtClean="0"/>
+          </a:p>
+          <a:p>
+            <a:endParaRPr lang="en-US" dirty="0" smtClean="0"/>
+          </a:p>
+          <a:p>
+            <a:endParaRPr lang="en-US" dirty="0" smtClean="0"/>
+          </a:p>
+        </p:txBody>
+      </p:sp>
+      <p:pic>
+        <p:nvPicPr>
+          <p:cNvPr id="6146" name="Picture 2"/>
+          <p:cNvPicPr>
+            <a:picLocks noChangeAspect="1" noChangeArrowheads="1"/>
+          </p:cNvPicPr>
+          <p:nvPr/>
+        </p:nvPicPr>
+        <p:blipFill>
+          <a:blip r:embed="rId2">
+            <a:extLst>
+              <a:ext uri="{28A0092B-C50C-407E-A947-70E740481C1C}">
+                <a14:useLocalDpi xmlns:a14="http://schemas.microsoft.com/office/drawing/2010/main" val="0"/>
+              </a:ext>
+            </a:extLst>
+          </a:blip>
+          <a:srcRect/>
+          <a:stretch>
+            <a:fillRect/>
+          </a:stretch>
+        </p:blipFill>
+        <p:spPr bwMode="auto">
+          <a:xfrm>
+            <a:off x="652463" y="1828800"/>
+            <a:ext cx="7839075" cy="3524250"/>
+          </a:xfrm>
+          <a:prstGeom prst="rect">
+            <a:avLst/>
+          </a:prstGeom>
+          <a:noFill/>
+          <a:ln>
+            <a:noFill/>
+          </a:ln>
+          <a:extLst>
+            <a:ext uri="{909E8E84-426E-40DD-AFC4-6F175D3DCCD1}">
+              <a14:hiddenFill xmlns:a14="http://schemas.microsoft.com/office/drawing/2010/main">
+                <a:solidFill>
+                  <a:schemeClr val="accent1"/>
+                </a:solidFill>
+              </a14:hiddenFill>
+            </a:ext>
+            <a:ext uri="{91240B29-F687-4F45-9708-019B960494DF}">
+              <a14:hiddenLine xmlns:a14="http://schemas.microsoft.com/office/drawing/2010/main" w="9525">
+                <a:solidFill>
+                  <a:schemeClr val="tx1"/>
+                </a:solidFill>
+                <a:miter lim="800000"/>
+                <a:headEnd/>
+                <a:tailEnd/>
+              </a14:hiddenLine>
+            </a:ext>
+          </a:extLst>
+        </p:spPr>
+      </p:pic>
+    </p:spTree>
+    <p:extLst>
+      <p:ext uri="{BB962C8B-B14F-4D97-AF65-F5344CB8AC3E}">
+        <p14:creationId xmlns:p14="http://schemas.microsoft.com/office/powerpoint/2010/main" val="1826692028"/>
+      </p:ext>
+    </p:extLst>
+  </p:cSld>
+  <p:clrMapOvr>
+    <a:masterClrMapping/>
+  </p:clrMapOvr>
+  <mc:AlternateContent xmlns:mc="http://schemas.openxmlformats.org/markup-compatibility/2006" xmlns:p14="http://schemas.microsoft.com/office/powerpoint/2010/main">
+    <mc:Choice Requires="p14">
+      <p:transition spd="slow" p14:dur="2000"/>
+    </mc:Choice>
+    <mc:Fallback xmlns="">
+      <p:transition spd="slow"/>
+    </mc:Fallback>
+  </mc:AlternateContent>
+</p:sld>
+</file>
+
+<file path=ppt/slides/slide11.xml><?xml version="1.0" encoding="utf-8"?>
+<p:sld xmlns:a="http://schemas.openxmlformats.org/drawingml/2006/main" xmlns:r="http://schemas.openxmlformats.org/officeDocument/2006/relationships" xmlns:p="http://schemas.openxmlformats.org/presentationml/2006/main">
+  <p:cSld>
+    <p:spTree>
+      <p:nvGrpSpPr>
+        <p:cNvPr id="1" name=""/>
+        <p:cNvGrpSpPr/>
+        <p:nvPr/>
+      </p:nvGrpSpPr>
+      <p:grpSpPr>
+        <a:xfrm>
+          <a:off x="0" y="0"/>
+          <a:ext cx="0" cy="0"/>
+          <a:chOff x="0" y="0"/>
+          <a:chExt cx="0" cy="0"/>
+        </a:xfrm>
+      </p:grpSpPr>
+      <p:sp>
+        <p:nvSpPr>
+          <p:cNvPr id="2" name="Title 1"/>
+          <p:cNvSpPr>
+            <a:spLocks noGrp="1"/>
+          </p:cNvSpPr>
+          <p:nvPr>
+            <p:ph type="title"/>
+          </p:nvPr>
+        </p:nvSpPr>
+        <p:spPr/>
+        <p:txBody>
+          <a:bodyPr>
+            <a:normAutofit/>
+          </a:bodyPr>
+          <a:lstStyle/>
+          <a:p>
+            <a:r>
+              <a:rPr lang="en-US" dirty="0"/>
+              <a:t>Knowing to </a:t>
+            </a:r>
+            <a:r>
+              <a:rPr lang="en-US" dirty="0" err="1"/>
+              <a:t>Git</a:t>
+            </a:r>
+            <a:endParaRPr lang="en-US" dirty="0"/>
+          </a:p>
+        </p:txBody>
+      </p:sp>
+      <p:sp>
+        <p:nvSpPr>
+          <p:cNvPr id="3" name="Content Placeholder 2"/>
+          <p:cNvSpPr>
+            <a:spLocks noGrp="1"/>
+          </p:cNvSpPr>
+          <p:nvPr>
+            <p:ph sz="quarter" idx="1"/>
+          </p:nvPr>
+        </p:nvSpPr>
+        <p:spPr/>
+        <p:txBody>
+          <a:bodyPr>
+            <a:normAutofit/>
+          </a:bodyPr>
+          <a:lstStyle/>
+          <a:p>
+            <a:r>
+              <a:rPr lang="en-US" dirty="0" err="1" smtClean="0"/>
+              <a:t>Git</a:t>
+            </a:r>
+            <a:r>
+              <a:rPr lang="en-US" dirty="0" smtClean="0"/>
+              <a:t> rebase</a:t>
+            </a:r>
+            <a:endParaRPr lang="en-US" dirty="0" smtClean="0"/>
+          </a:p>
+          <a:p>
+            <a:endParaRPr lang="en-US" dirty="0" smtClean="0"/>
+          </a:p>
+          <a:p>
+            <a:endParaRPr lang="en-US" dirty="0" smtClean="0"/>
+          </a:p>
+        </p:txBody>
+      </p:sp>
+      <p:pic>
+        <p:nvPicPr>
+          <p:cNvPr id="7170" name="Picture 2"/>
+          <p:cNvPicPr>
+            <a:picLocks noChangeAspect="1" noChangeArrowheads="1"/>
+          </p:cNvPicPr>
+          <p:nvPr/>
+        </p:nvPicPr>
+        <p:blipFill>
+          <a:blip r:embed="rId2">
+            <a:extLst>
+              <a:ext uri="{28A0092B-C50C-407E-A947-70E740481C1C}">
+                <a14:useLocalDpi xmlns:a14="http://schemas.microsoft.com/office/drawing/2010/main" val="0"/>
+              </a:ext>
+            </a:extLst>
+          </a:blip>
+          <a:srcRect/>
+          <a:stretch>
+            <a:fillRect/>
+          </a:stretch>
+        </p:blipFill>
+        <p:spPr bwMode="auto">
+          <a:xfrm>
+            <a:off x="2214563" y="2047875"/>
+            <a:ext cx="4714875" cy="2762250"/>
+          </a:xfrm>
+          <a:prstGeom prst="rect">
+            <a:avLst/>
+          </a:prstGeom>
+          <a:noFill/>
+          <a:ln>
+            <a:noFill/>
+          </a:ln>
+          <a:extLst>
+            <a:ext uri="{909E8E84-426E-40DD-AFC4-6F175D3DCCD1}">
+              <a14:hiddenFill xmlns:a14="http://schemas.microsoft.com/office/drawing/2010/main">
+                <a:solidFill>
+                  <a:schemeClr val="accent1"/>
+                </a:solidFill>
+              </a14:hiddenFill>
+            </a:ext>
+            <a:ext uri="{91240B29-F687-4F45-9708-019B960494DF}">
+              <a14:hiddenLine xmlns:a14="http://schemas.microsoft.com/office/drawing/2010/main" w="9525">
+                <a:solidFill>
+                  <a:schemeClr val="tx1"/>
+                </a:solidFill>
+                <a:miter lim="800000"/>
+                <a:headEnd/>
+                <a:tailEnd/>
+              </a14:hiddenLine>
+            </a:ext>
+          </a:extLst>
+        </p:spPr>
+      </p:pic>
+    </p:spTree>
+    <p:extLst>
+      <p:ext uri="{BB962C8B-B14F-4D97-AF65-F5344CB8AC3E}">
+        <p14:creationId xmlns:p14="http://schemas.microsoft.com/office/powerpoint/2010/main" val="1145785362"/>
+      </p:ext>
+    </p:extLst>
+  </p:cSld>
+  <p:clrMapOvr>
+    <a:masterClrMapping/>
+  </p:clrMapOvr>
+  <mc:AlternateContent xmlns:mc="http://schemas.openxmlformats.org/markup-compatibility/2006" xmlns:p14="http://schemas.microsoft.com/office/powerpoint/2010/main">
+    <mc:Choice Requires="p14">
+      <p:transition spd="slow" p14:dur="2000"/>
+    </mc:Choice>
+    <mc:Fallback xmlns="">
+      <p:transition spd="slow"/>
+    </mc:Fallback>
+  </mc:AlternateContent>
+</p:sld>
+</file>
+
+<file path=ppt/slides/slide12.xml><?xml version="1.0" encoding="utf-8"?>
+<p:sld xmlns:a="http://schemas.openxmlformats.org/drawingml/2006/main" xmlns:r="http://schemas.openxmlformats.org/officeDocument/2006/relationships" xmlns:p="http://schemas.openxmlformats.org/presentationml/2006/main">
+  <p:cSld>
+    <p:spTree>
+      <p:nvGrpSpPr>
+        <p:cNvPr id="1" name=""/>
+        <p:cNvGrpSpPr/>
+        <p:nvPr/>
+      </p:nvGrpSpPr>
+      <p:grpSpPr>
+        <a:xfrm>
+          <a:off x="0" y="0"/>
+          <a:ext cx="0" cy="0"/>
+          <a:chOff x="0" y="0"/>
+          <a:chExt cx="0" cy="0"/>
+        </a:xfrm>
+      </p:grpSpPr>
+      <p:sp>
+        <p:nvSpPr>
+          <p:cNvPr id="2" name="Title 1"/>
+          <p:cNvSpPr>
+            <a:spLocks noGrp="1"/>
+          </p:cNvSpPr>
+          <p:nvPr>
+            <p:ph type="title"/>
+          </p:nvPr>
+        </p:nvSpPr>
+        <p:spPr/>
+        <p:txBody>
+          <a:bodyPr>
+            <a:normAutofit/>
+          </a:bodyPr>
+          <a:lstStyle/>
+          <a:p>
+            <a:r>
+              <a:rPr lang="en-US" dirty="0"/>
+              <a:t>Knowing to </a:t>
+            </a:r>
+            <a:r>
+              <a:rPr lang="en-US" dirty="0" err="1"/>
+              <a:t>Git</a:t>
+            </a:r>
+            <a:endParaRPr lang="en-US" dirty="0"/>
+          </a:p>
+        </p:txBody>
+      </p:sp>
+      <p:sp>
+        <p:nvSpPr>
+          <p:cNvPr id="3" name="Content Placeholder 2"/>
+          <p:cNvSpPr>
+            <a:spLocks noGrp="1"/>
+          </p:cNvSpPr>
+          <p:nvPr>
+            <p:ph sz="quarter" idx="1"/>
+          </p:nvPr>
+        </p:nvSpPr>
+        <p:spPr/>
+        <p:txBody>
+          <a:bodyPr>
+            <a:normAutofit/>
+          </a:bodyPr>
+          <a:lstStyle/>
+          <a:p>
+            <a:r>
+              <a:rPr lang="en-US" dirty="0" err="1" smtClean="0"/>
+              <a:t>Git</a:t>
+            </a:r>
+            <a:r>
+              <a:rPr lang="en-US" dirty="0" smtClean="0"/>
+              <a:t> stash(save your work temporary and clean work directory)</a:t>
+            </a:r>
+          </a:p>
+          <a:p>
+            <a:pPr marL="0" indent="0">
+              <a:buNone/>
+            </a:pPr>
+            <a:r>
+              <a:rPr lang="en-US" sz="1200" dirty="0" smtClean="0"/>
+              <a:t>.</a:t>
+            </a:r>
+            <a:r>
+              <a:rPr lang="en-US" sz="1200" dirty="0" err="1" smtClean="0"/>
+              <a:t>git</a:t>
+            </a:r>
+            <a:r>
+              <a:rPr lang="en-US" sz="1200" dirty="0" smtClean="0"/>
+              <a:t>/refs/stash</a:t>
+            </a:r>
+          </a:p>
+          <a:p>
+            <a:r>
+              <a:rPr lang="en-US" dirty="0" err="1"/>
+              <a:t>Git</a:t>
+            </a:r>
+            <a:r>
+              <a:rPr lang="en-US" dirty="0"/>
+              <a:t> </a:t>
+            </a:r>
+            <a:r>
+              <a:rPr lang="en-US" dirty="0" err="1" smtClean="0"/>
+              <a:t>reflog</a:t>
+            </a:r>
+            <a:r>
+              <a:rPr lang="en-US" dirty="0" smtClean="0"/>
+              <a:t>(find lost commit)</a:t>
+            </a:r>
+            <a:endParaRPr lang="en-US" dirty="0"/>
+          </a:p>
+          <a:p>
+            <a:pPr marL="0" indent="0">
+              <a:buNone/>
+            </a:pPr>
+            <a:r>
+              <a:rPr lang="en-US" sz="1200" dirty="0"/>
+              <a:t>.</a:t>
+            </a:r>
+            <a:r>
+              <a:rPr lang="en-US" sz="1200" dirty="0" err="1" smtClean="0"/>
+              <a:t>git</a:t>
+            </a:r>
+            <a:r>
+              <a:rPr lang="en-US" sz="1200" dirty="0" smtClean="0"/>
+              <a:t>\logs\refs\heads\master</a:t>
+            </a:r>
+            <a:endParaRPr lang="en-US" sz="1200" dirty="0"/>
+          </a:p>
+          <a:p>
+            <a:pPr marL="0" indent="0">
+              <a:buNone/>
+            </a:pPr>
+            <a:endParaRPr lang="en-US" dirty="0" smtClean="0"/>
+          </a:p>
+        </p:txBody>
+      </p:sp>
+    </p:spTree>
+    <p:extLst>
+      <p:ext uri="{BB962C8B-B14F-4D97-AF65-F5344CB8AC3E}">
+        <p14:creationId xmlns:p14="http://schemas.microsoft.com/office/powerpoint/2010/main" val="4256057530"/>
+      </p:ext>
+    </p:extLst>
+  </p:cSld>
+  <p:clrMapOvr>
+    <a:masterClrMapping/>
+  </p:clrMapOvr>
+  <mc:AlternateContent xmlns:mc="http://schemas.openxmlformats.org/markup-compatibility/2006" xmlns:p14="http://schemas.microsoft.com/office/powerpoint/2010/main">
+    <mc:Choice Requires="p14">
+      <p:transition spd="slow" p14:dur="2000"/>
+    </mc:Choice>
+    <mc:Fallback xmlns="">
+      <p:transition spd="slow"/>
+    </mc:Fallback>
+  </mc:AlternateContent>
+</p:sld>
+</file>
+
+<file path=ppt/slides/slide13.xml><?xml version="1.0" encoding="utf-8"?>
+<p:sld xmlns:a="http://schemas.openxmlformats.org/drawingml/2006/main" xmlns:r="http://schemas.openxmlformats.org/officeDocument/2006/relationships" xmlns:p="http://schemas.openxmlformats.org/presentationml/2006/main">
+  <p:cSld>
+    <p:spTree>
+      <p:nvGrpSpPr>
+        <p:cNvPr id="1" name=""/>
+        <p:cNvGrpSpPr/>
+        <p:nvPr/>
+      </p:nvGrpSpPr>
+      <p:grpSpPr>
+        <a:xfrm>
+          <a:off x="0" y="0"/>
+          <a:ext cx="0" cy="0"/>
+          <a:chOff x="0" y="0"/>
+          <a:chExt cx="0" cy="0"/>
+        </a:xfrm>
+      </p:grpSpPr>
+      <p:sp>
+        <p:nvSpPr>
+          <p:cNvPr id="2" name="Title 1"/>
+          <p:cNvSpPr>
+            <a:spLocks noGrp="1"/>
+          </p:cNvSpPr>
+          <p:nvPr>
+            <p:ph type="title"/>
+          </p:nvPr>
+        </p:nvSpPr>
+        <p:spPr/>
+        <p:txBody>
+          <a:bodyPr/>
+          <a:lstStyle/>
+          <a:p>
+            <a:r>
+              <a:rPr lang="en-US" dirty="0" smtClean="0"/>
+              <a:t>Work with </a:t>
+            </a:r>
+            <a:r>
+              <a:rPr lang="en-US" dirty="0" err="1" smtClean="0"/>
+              <a:t>Git</a:t>
+            </a:r>
+            <a:endParaRPr lang="en-US" dirty="0"/>
+          </a:p>
+        </p:txBody>
+      </p:sp>
+      <p:sp>
+        <p:nvSpPr>
+          <p:cNvPr id="3" name="Content Placeholder 2"/>
+          <p:cNvSpPr>
+            <a:spLocks noGrp="1"/>
+          </p:cNvSpPr>
+          <p:nvPr>
+            <p:ph sz="quarter" idx="1"/>
+          </p:nvPr>
+        </p:nvSpPr>
+        <p:spPr/>
+        <p:txBody>
+          <a:bodyPr>
+            <a:normAutofit fontScale="55000" lnSpcReduction="20000"/>
+          </a:bodyPr>
+          <a:lstStyle/>
+          <a:p>
+            <a:r>
+              <a:rPr lang="en-US" sz="1600" dirty="0" err="1" smtClean="0"/>
+              <a:t>Git</a:t>
+            </a:r>
+            <a:r>
+              <a:rPr lang="en-US" sz="1600" dirty="0" smtClean="0"/>
+              <a:t> log: alias(</a:t>
+            </a:r>
+            <a:r>
+              <a:rPr lang="en-US" sz="1600" dirty="0" err="1" smtClean="0"/>
+              <a:t>sl</a:t>
+            </a:r>
+            <a:r>
+              <a:rPr lang="en-US" sz="1600" dirty="0" smtClean="0"/>
+              <a:t>, </a:t>
+            </a:r>
+            <a:r>
+              <a:rPr lang="en-US" sz="1600" dirty="0" err="1" smtClean="0"/>
+              <a:t>slg</a:t>
+            </a:r>
+            <a:r>
+              <a:rPr lang="en-US" sz="1600" dirty="0" smtClean="0"/>
+              <a:t>)</a:t>
+            </a:r>
+          </a:p>
+          <a:p>
+            <a:r>
+              <a:rPr lang="en-US" sz="1600" dirty="0" err="1" smtClean="0"/>
+              <a:t>Git</a:t>
+            </a:r>
+            <a:r>
+              <a:rPr lang="en-US" sz="1600" dirty="0" smtClean="0"/>
+              <a:t> status: alias(</a:t>
+            </a:r>
+            <a:r>
+              <a:rPr lang="en-US" sz="1600" dirty="0" err="1" smtClean="0"/>
+              <a:t>ss</a:t>
+            </a:r>
+            <a:r>
+              <a:rPr lang="en-US" sz="1600" dirty="0" smtClean="0"/>
+              <a:t>)</a:t>
+            </a:r>
+          </a:p>
+          <a:p>
+            <a:r>
+              <a:rPr lang="en-US" sz="1600" dirty="0" err="1" smtClean="0"/>
+              <a:t>Git</a:t>
+            </a:r>
+            <a:r>
+              <a:rPr lang="en-US" sz="1600" dirty="0" smtClean="0"/>
+              <a:t> show: alias (s)</a:t>
+            </a:r>
+          </a:p>
+          <a:p>
+            <a:r>
+              <a:rPr lang="en-US" sz="1600" dirty="0" err="1" smtClean="0"/>
+              <a:t>Git</a:t>
+            </a:r>
+            <a:r>
+              <a:rPr lang="en-US" sz="1600" dirty="0" smtClean="0"/>
+              <a:t> add: alias(au)</a:t>
+            </a:r>
+          </a:p>
+          <a:p>
+            <a:r>
+              <a:rPr lang="en-US" sz="1600" dirty="0" err="1" smtClean="0"/>
+              <a:t>Git</a:t>
+            </a:r>
+            <a:r>
+              <a:rPr lang="en-US" sz="1600" dirty="0" smtClean="0"/>
+              <a:t> ls-files: alias(lf)</a:t>
+            </a:r>
+          </a:p>
+          <a:p>
+            <a:r>
+              <a:rPr lang="en-US" sz="1600" dirty="0" err="1" smtClean="0"/>
+              <a:t>Git</a:t>
+            </a:r>
+            <a:r>
+              <a:rPr lang="en-US" sz="1600" dirty="0" smtClean="0"/>
+              <a:t> branch: alias(</a:t>
+            </a:r>
+            <a:r>
+              <a:rPr lang="en-US" sz="1600" dirty="0" err="1" smtClean="0"/>
+              <a:t>lb</a:t>
+            </a:r>
+            <a:r>
+              <a:rPr lang="en-US" sz="1600" dirty="0" smtClean="0"/>
+              <a:t>, </a:t>
+            </a:r>
+            <a:r>
+              <a:rPr lang="en-US" sz="1600" dirty="0" err="1" smtClean="0"/>
+              <a:t>lba,gpb</a:t>
+            </a:r>
+            <a:r>
+              <a:rPr lang="en-US" sz="1600" dirty="0"/>
+              <a:t>)</a:t>
+            </a:r>
+            <a:endParaRPr lang="en-US" sz="1600" dirty="0" smtClean="0"/>
+          </a:p>
+          <a:p>
+            <a:r>
+              <a:rPr lang="en-US" sz="1600" dirty="0" err="1" smtClean="0"/>
+              <a:t>Git</a:t>
+            </a:r>
+            <a:r>
+              <a:rPr lang="en-US" sz="1600" dirty="0" smtClean="0"/>
+              <a:t> blame: alias(</a:t>
+            </a:r>
+            <a:r>
+              <a:rPr lang="en-US" sz="1600" dirty="0" err="1" smtClean="0"/>
+              <a:t>blm</a:t>
+            </a:r>
+            <a:r>
+              <a:rPr lang="en-US" sz="1600" dirty="0" smtClean="0"/>
+              <a:t>)</a:t>
+            </a:r>
+          </a:p>
+          <a:p>
+            <a:r>
+              <a:rPr lang="en-US" sz="1600" dirty="0" err="1" smtClean="0"/>
+              <a:t>Git</a:t>
+            </a:r>
+            <a:r>
+              <a:rPr lang="en-US" sz="1600" dirty="0" smtClean="0"/>
+              <a:t> commit: alias(cm)</a:t>
+            </a:r>
+          </a:p>
+          <a:p>
+            <a:r>
+              <a:rPr lang="en-US" sz="1600" dirty="0" err="1" smtClean="0"/>
+              <a:t>Git</a:t>
+            </a:r>
+            <a:r>
+              <a:rPr lang="en-US" sz="1600" dirty="0" smtClean="0"/>
+              <a:t> checkout: alias(co)</a:t>
+            </a:r>
+          </a:p>
+          <a:p>
+            <a:r>
+              <a:rPr lang="en-US" sz="1600" dirty="0" err="1" smtClean="0"/>
+              <a:t>Git</a:t>
+            </a:r>
+            <a:r>
+              <a:rPr lang="en-US" sz="1600" dirty="0" smtClean="0"/>
+              <a:t> diff: alias(</a:t>
+            </a:r>
+            <a:r>
+              <a:rPr lang="en-US" sz="1600" dirty="0" err="1" smtClean="0"/>
+              <a:t>df,dfc</a:t>
+            </a:r>
+            <a:r>
+              <a:rPr lang="en-US" sz="1600" dirty="0" smtClean="0"/>
+              <a:t>)</a:t>
+            </a:r>
+          </a:p>
+          <a:p>
+            <a:r>
+              <a:rPr lang="en-US" sz="1600" dirty="0" err="1" smtClean="0"/>
+              <a:t>Git</a:t>
+            </a:r>
+            <a:r>
+              <a:rPr lang="en-US" sz="1600" dirty="0" smtClean="0"/>
+              <a:t> grep: alias(</a:t>
+            </a:r>
+            <a:r>
+              <a:rPr lang="en-US" sz="1600" dirty="0" err="1" smtClean="0"/>
+              <a:t>gp</a:t>
+            </a:r>
+            <a:r>
+              <a:rPr lang="en-US" sz="1600" dirty="0" smtClean="0"/>
+              <a:t>)</a:t>
+            </a:r>
+          </a:p>
+          <a:p>
+            <a:r>
+              <a:rPr lang="en-US" sz="1600" dirty="0" err="1" smtClean="0"/>
+              <a:t>Git</a:t>
+            </a:r>
+            <a:r>
+              <a:rPr lang="en-US" sz="1600" dirty="0" smtClean="0"/>
+              <a:t> </a:t>
+            </a:r>
+            <a:r>
+              <a:rPr lang="en-US" sz="1600" dirty="0" err="1" smtClean="0"/>
+              <a:t>merge:alias</a:t>
+            </a:r>
+            <a:r>
+              <a:rPr lang="en-US" sz="1600" dirty="0" smtClean="0"/>
+              <a:t>(mg)</a:t>
+            </a:r>
+          </a:p>
+          <a:p>
+            <a:r>
+              <a:rPr lang="en-US" sz="1600" dirty="0" err="1" smtClean="0"/>
+              <a:t>Git</a:t>
+            </a:r>
+            <a:r>
+              <a:rPr lang="en-US" sz="1600" dirty="0" smtClean="0"/>
+              <a:t> </a:t>
+            </a:r>
+            <a:r>
+              <a:rPr lang="en-US" sz="1600" dirty="0" err="1" smtClean="0"/>
+              <a:t>fetch:alias</a:t>
+            </a:r>
+            <a:r>
+              <a:rPr lang="en-US" sz="1600" dirty="0" smtClean="0"/>
+              <a:t>(f)</a:t>
+            </a:r>
+          </a:p>
+          <a:p>
+            <a:r>
+              <a:rPr lang="en-US" sz="1600" dirty="0" err="1" smtClean="0"/>
+              <a:t>Git</a:t>
+            </a:r>
+            <a:r>
+              <a:rPr lang="en-US" sz="1600" dirty="0" smtClean="0"/>
+              <a:t> </a:t>
+            </a:r>
+            <a:r>
+              <a:rPr lang="en-US" sz="1600" dirty="0" err="1" smtClean="0"/>
+              <a:t>pull:alias</a:t>
+            </a:r>
+            <a:r>
+              <a:rPr lang="en-US" sz="1600" dirty="0" smtClean="0"/>
+              <a:t>(p)</a:t>
+            </a:r>
+          </a:p>
+          <a:p>
+            <a:r>
+              <a:rPr lang="en-US" sz="1600" dirty="0" err="1" smtClean="0"/>
+              <a:t>Git</a:t>
+            </a:r>
+            <a:r>
+              <a:rPr lang="en-US" sz="1600" dirty="0" smtClean="0"/>
+              <a:t> push origin :alias(</a:t>
+            </a:r>
+            <a:r>
+              <a:rPr lang="en-US" sz="1600" dirty="0" err="1" smtClean="0"/>
+              <a:t>po</a:t>
+            </a:r>
+            <a:r>
+              <a:rPr lang="en-US" sz="1600" dirty="0" smtClean="0"/>
+              <a:t>)</a:t>
+            </a:r>
+          </a:p>
+          <a:p>
+            <a:r>
+              <a:rPr lang="en-US" sz="1600" dirty="0" err="1" smtClean="0"/>
+              <a:t>Git</a:t>
+            </a:r>
+            <a:r>
+              <a:rPr lang="en-US" sz="1600" dirty="0" smtClean="0"/>
+              <a:t> </a:t>
+            </a:r>
+            <a:r>
+              <a:rPr lang="en-US" sz="1600" dirty="0" err="1" smtClean="0"/>
+              <a:t>cherry-pick:alias</a:t>
+            </a:r>
+            <a:r>
+              <a:rPr lang="en-US" sz="1600" dirty="0" smtClean="0"/>
+              <a:t>(</a:t>
+            </a:r>
+            <a:r>
+              <a:rPr lang="en-US" sz="1600" dirty="0" err="1" smtClean="0"/>
+              <a:t>chp</a:t>
+            </a:r>
+            <a:r>
+              <a:rPr lang="en-US" sz="1600" dirty="0" smtClean="0"/>
+              <a:t>)</a:t>
+            </a:r>
+          </a:p>
+          <a:p>
+            <a:endParaRPr lang="en-US" sz="1600" dirty="0"/>
+          </a:p>
+          <a:p>
+            <a:r>
+              <a:rPr lang="en-US" sz="1600" dirty="0" smtClean="0"/>
+              <a:t>Another useful script for </a:t>
+            </a:r>
+            <a:r>
+              <a:rPr lang="en-US" sz="1600" dirty="0" err="1" smtClean="0"/>
+              <a:t>formating</a:t>
+            </a:r>
+            <a:r>
+              <a:rPr lang="en-US" sz="1600" dirty="0" smtClean="0"/>
+              <a:t> patch:</a:t>
+            </a:r>
+          </a:p>
+          <a:p>
+            <a:pPr marL="0" indent="0">
+              <a:buNone/>
+            </a:pPr>
+            <a:r>
+              <a:rPr lang="en-US" sz="1600" dirty="0" smtClean="0"/>
+              <a:t>alias </a:t>
+            </a:r>
+            <a:r>
+              <a:rPr lang="en-US" sz="1600" dirty="0" err="1"/>
+              <a:t>fp</a:t>
+            </a:r>
+            <a:r>
+              <a:rPr lang="en-US" sz="1600" dirty="0"/>
+              <a:t>='</a:t>
+            </a:r>
+            <a:r>
+              <a:rPr lang="en-US" sz="1600" dirty="0" err="1"/>
+              <a:t>perl</a:t>
+            </a:r>
+            <a:r>
+              <a:rPr lang="en-US" sz="1600" dirty="0"/>
+              <a:t>  -</a:t>
+            </a:r>
+            <a:r>
+              <a:rPr lang="en-US" sz="1600" dirty="0" err="1"/>
+              <a:t>i.bak</a:t>
+            </a:r>
+            <a:r>
+              <a:rPr lang="en-US" sz="1600" dirty="0"/>
+              <a:t> -</a:t>
+            </a:r>
+            <a:r>
+              <a:rPr lang="en-US" sz="1600" dirty="0" err="1"/>
+              <a:t>pe</a:t>
+            </a:r>
+            <a:r>
+              <a:rPr lang="en-US" sz="1600" dirty="0"/>
+              <a:t> "s/(</a:t>
+            </a:r>
+            <a:r>
+              <a:rPr lang="en-US" sz="1600" dirty="0" err="1"/>
+              <a:t>if|for|while</a:t>
+            </a:r>
+            <a:r>
+              <a:rPr lang="en-US" sz="1600" dirty="0"/>
+              <a:t>)\(/\1 \(/ if/^\+/;</a:t>
+            </a:r>
+          </a:p>
+          <a:p>
+            <a:pPr marL="0" indent="0">
+              <a:buNone/>
+            </a:pPr>
+            <a:r>
+              <a:rPr lang="en-US" sz="1600" dirty="0"/>
+              <a:t>                             s/(?&lt;! )(?&lt;!&lt;)(?&lt;!&gt;)(?&lt;!-)(?&lt;!=)(?&lt;!!)(==|&lt;|&gt;)/ \1/g if/^\+\s*(else)?\s*if/;</a:t>
+            </a:r>
+          </a:p>
+          <a:p>
+            <a:pPr marL="0" indent="0">
+              <a:buNone/>
+            </a:pPr>
+            <a:r>
+              <a:rPr lang="en-US" sz="1600" dirty="0"/>
+              <a:t>                             s/(==|&lt;|&gt;)(?! )(?&lt;!&lt;)(?&lt;!&gt;)(?!-)(?!=)(?!!)/\1 /g if/^\+\s*(else)?\s*if/;</a:t>
+            </a:r>
+          </a:p>
+          <a:p>
+            <a:pPr marL="0" indent="0">
+              <a:buNone/>
+            </a:pPr>
+            <a:r>
+              <a:rPr lang="en-US" sz="1600" dirty="0"/>
+              <a:t>                             s/\)\{/\) \{/g if/^\+/;</a:t>
+            </a:r>
+          </a:p>
+          <a:p>
+            <a:pPr marL="0" indent="0">
+              <a:buNone/>
+            </a:pPr>
+            <a:r>
+              <a:rPr lang="en-US" sz="1600" dirty="0"/>
+              <a:t>                             s/\t/    /g if/^\+/;</a:t>
+            </a:r>
+          </a:p>
+          <a:p>
+            <a:pPr marL="0" indent="0">
+              <a:buNone/>
+            </a:pPr>
+            <a:r>
+              <a:rPr lang="en-US" sz="1600" dirty="0"/>
+              <a:t>                             s/[ ]+(?=\r|\n)// if /^\+/;</a:t>
+            </a:r>
+          </a:p>
+          <a:p>
+            <a:pPr marL="0" indent="0">
+              <a:buNone/>
+            </a:pPr>
+            <a:r>
+              <a:rPr lang="en-US" sz="1600" dirty="0"/>
+              <a:t>                             " '</a:t>
+            </a:r>
+            <a:endParaRPr lang="en-US" sz="1600" dirty="0" smtClean="0"/>
+          </a:p>
+        </p:txBody>
+      </p:sp>
+    </p:spTree>
+    <p:extLst>
+      <p:ext uri="{BB962C8B-B14F-4D97-AF65-F5344CB8AC3E}">
+        <p14:creationId xmlns:p14="http://schemas.microsoft.com/office/powerpoint/2010/main" val="2911417084"/>
+      </p:ext>
+    </p:extLst>
+  </p:cSld>
+  <p:clrMapOvr>
+    <a:masterClrMapping/>
+  </p:clrMapOvr>
+  <mc:AlternateContent xmlns:mc="http://schemas.openxmlformats.org/markup-compatibility/2006" xmlns:p14="http://schemas.microsoft.com/office/powerpoint/2010/main">
+    <mc:Choice Requires="p14">
+      <p:transition spd="slow" p14:dur="2000"/>
+    </mc:Choice>
+    <mc:Fallback xmlns="">
+      <p:transition spd="slow"/>
+    </mc:Fallback>
+  </mc:AlternateContent>
+</p:sld>
+</file>
+
+<file path=ppt/slides/slide14.xml><?xml version="1.0" encoding="utf-8"?>
+<p:sld xmlns:a="http://schemas.openxmlformats.org/drawingml/2006/main" xmlns:r="http://schemas.openxmlformats.org/officeDocument/2006/relationships" xmlns:p="http://schemas.openxmlformats.org/presentationml/2006/main">
+  <p:cSld>
+    <p:spTree>
+      <p:nvGrpSpPr>
+        <p:cNvPr id="1" name=""/>
+        <p:cNvGrpSpPr/>
+        <p:nvPr/>
+      </p:nvGrpSpPr>
+      <p:grpSpPr>
+        <a:xfrm>
+          <a:off x="0" y="0"/>
+          <a:ext cx="0" cy="0"/>
+          <a:chOff x="0" y="0"/>
+          <a:chExt cx="0" cy="0"/>
+        </a:xfrm>
+      </p:grpSpPr>
+      <p:sp>
+        <p:nvSpPr>
+          <p:cNvPr id="3" name="Content Placeholder 2"/>
+          <p:cNvSpPr>
+            <a:spLocks noGrp="1"/>
+          </p:cNvSpPr>
+          <p:nvPr>
+            <p:ph sz="quarter" idx="1"/>
+          </p:nvPr>
+        </p:nvSpPr>
+        <p:spPr/>
+        <p:txBody>
+          <a:bodyPr>
+            <a:normAutofit/>
+          </a:bodyPr>
+          <a:lstStyle/>
+          <a:p>
+            <a:pPr marL="0" indent="0" algn="ctr">
+              <a:buNone/>
+            </a:pPr>
+            <a:endParaRPr lang="en-US" dirty="0" smtClean="0"/>
+          </a:p>
+          <a:p>
+            <a:pPr marL="0" indent="0" algn="ctr">
+              <a:buNone/>
+            </a:pPr>
+            <a:endParaRPr lang="en-US" dirty="0"/>
+          </a:p>
+          <a:p>
+            <a:pPr marL="0" indent="0" algn="ctr">
+              <a:buNone/>
+            </a:pPr>
+            <a:endParaRPr lang="en-US" dirty="0" smtClean="0"/>
+          </a:p>
+          <a:p>
+            <a:pPr marL="0" indent="0" algn="ctr">
+              <a:buNone/>
+            </a:pPr>
+            <a:endParaRPr lang="en-US" dirty="0"/>
+          </a:p>
+          <a:p>
+            <a:pPr marL="0" indent="0" algn="ctr">
+              <a:buNone/>
+            </a:pPr>
+            <a:r>
+              <a:rPr lang="en-US" dirty="0" smtClean="0"/>
+              <a:t>Thank you.</a:t>
+            </a:r>
+          </a:p>
+          <a:p>
+            <a:pPr marL="0" indent="0" algn="ctr">
+              <a:buNone/>
+            </a:pPr>
+            <a:r>
+              <a:rPr lang="en-US" sz="1200" dirty="0" smtClean="0"/>
+              <a:t>                                                           </a:t>
+            </a:r>
+          </a:p>
+          <a:p>
+            <a:pPr marL="0" indent="0" algn="ctr">
+              <a:buNone/>
+            </a:pPr>
+            <a:endParaRPr lang="en-US" sz="1200" dirty="0"/>
+          </a:p>
+          <a:p>
+            <a:pPr marL="0" indent="0" algn="ctr">
+              <a:buNone/>
+            </a:pPr>
+            <a:endParaRPr lang="en-US" sz="1200" dirty="0" smtClean="0"/>
+          </a:p>
+          <a:p>
+            <a:pPr marL="0" indent="0" algn="ctr">
+              <a:buNone/>
+            </a:pPr>
+            <a:endParaRPr lang="en-US" sz="1200" dirty="0"/>
+          </a:p>
+          <a:p>
+            <a:pPr marL="0" indent="0" algn="ctr">
+              <a:buNone/>
+            </a:pPr>
+            <a:r>
+              <a:rPr lang="en-US" sz="1200" b="1" dirty="0" smtClean="0"/>
+              <a:t>04/12/2015</a:t>
+            </a:r>
+            <a:endParaRPr lang="en-US" sz="1200" b="1" dirty="0"/>
+          </a:p>
+        </p:txBody>
+      </p:sp>
+      <p:sp>
+        <p:nvSpPr>
+          <p:cNvPr id="2" name="Title 1"/>
+          <p:cNvSpPr>
+            <a:spLocks noGrp="1"/>
+          </p:cNvSpPr>
+          <p:nvPr>
+            <p:ph type="title"/>
+          </p:nvPr>
+        </p:nvSpPr>
+        <p:spPr/>
+        <p:txBody>
+          <a:bodyPr/>
+          <a:lstStyle/>
+          <a:p>
+            <a:r>
+              <a:rPr lang="en-US" dirty="0" smtClean="0"/>
+              <a:t>Q&amp;A</a:t>
+            </a:r>
+            <a:endParaRPr lang="en-US" dirty="0"/>
+          </a:p>
+        </p:txBody>
+      </p:sp>
+    </p:spTree>
+    <p:extLst>
+      <p:ext uri="{BB962C8B-B14F-4D97-AF65-F5344CB8AC3E}">
+        <p14:creationId xmlns:p14="http://schemas.microsoft.com/office/powerpoint/2010/main" val="1395885057"/>
+      </p:ext>
+    </p:extLst>
+  </p:cSld>
+  <p:clrMapOvr>
+    <a:masterClrMapping/>
+  </p:clrMapOvr>
+  <mc:AlternateContent xmlns:mc="http://schemas.openxmlformats.org/markup-compatibility/2006" xmlns:p14="http://schemas.microsoft.com/office/powerpoint/2010/main">
+    <mc:Choice Requires="p14">
+      <p:transition spd="slow" p14:dur="2000"/>
+    </mc:Choice>
+    <mc:Fallback xmlns="">
+      <p:transition spd="slow"/>
+    </mc:Fallback>
+  </mc:AlternateContent>
+  <p:timing>
+    <p:tnLst>
+      <p:par>
+        <p:cTn id="1" dur="indefinite" restart="never" nodeType="tmRoot"/>
+      </p:par>
+    </p:tnLst>
+  </p:timing>
+</p:sld>
+</file>
+
 <file path=ppt/slides/slide2.xml><?xml version="1.0" encoding="utf-8"?>
 <p:sld xmlns:a="http://schemas.openxmlformats.org/drawingml/2006/main" xmlns:r="http://schemas.openxmlformats.org/officeDocument/2006/relationships" xmlns:p="http://schemas.openxmlformats.org/presentationml/2006/main">
   <p:cSld>
@@ -3929,7 +5038,7 @@
           <a:p>
             <a:r>
               <a:rPr lang="en-US" dirty="0" smtClean="0"/>
-              <a:t>Setup </a:t>
+              <a:t>Connect </a:t>
             </a:r>
             <a:r>
               <a:rPr lang="en-US" dirty="0" err="1" smtClean="0"/>
@@ -3937,7 +5046,11 @@
             </a:r>
             <a:r>
               <a:rPr lang="en-US" dirty="0" smtClean="0"/>
-              <a:t> to Stash and Shortcuts</a:t>
+              <a:t> </a:t>
+            </a:r>
+            <a:r>
+              <a:rPr lang="en-US" dirty="0" smtClean="0"/>
+              <a:t>to Stash and Shortcuts</a:t>
             </a:r>
           </a:p>
           <a:p>
@@ -4057,8 +5170,12 @@
           <a:lstStyle/>
           <a:p>
             <a:r>
-              <a:rPr lang="en-US" dirty="0"/>
-              <a:t>Setup </a:t>
+              <a:rPr lang="en-US" dirty="0" smtClean="0"/>
+              <a:t>Connect</a:t>
+            </a:r>
+            <a:r>
+              <a:rPr lang="en-US" dirty="0" smtClean="0"/>
+              <a:t> </a:t>
             </a:r>
             <a:r>
               <a:rPr lang="en-US" dirty="0" err="1"/>
@@ -4593,11 +5710,19 @@
           <a:p>
             <a:r>
               <a:rPr lang="en-US" dirty="0" smtClean="0"/>
-              <a:t>Working area, Staging area, and </a:t>
+              <a:t>Working </a:t>
             </a:r>
             <a:r>
               <a:rPr lang="en-US" dirty="0" smtClean="0"/>
-              <a:t>repository</a:t>
+              <a:t>directory</a:t>
+            </a:r>
+            <a:r>
+              <a:rPr lang="en-US" dirty="0" smtClean="0"/>
+              <a:t>, </a:t>
+            </a:r>
+            <a:r>
+              <a:rPr lang="en-US" dirty="0" smtClean="0"/>
+              <a:t>Staging area, and repository</a:t>
             </a:r>
           </a:p>
           <a:p>
@@ -4608,6 +5733,60 @@
           </a:p>
         </p:txBody>
       </p:sp>
+      <p:pic>
+        <p:nvPicPr>
+          <p:cNvPr id="1027" name="Picture 3"/>
+          <p:cNvPicPr>
+            <a:picLocks noChangeAspect="1" noChangeArrowheads="1"/>
+          </p:cNvPicPr>
+          <p:nvPr/>
+        </p:nvPicPr>
+        <p:blipFill>
+          <a:blip r:embed="rId2">
+            <a:extLst>
+              <a:ext uri="{28A0092B-C50C-407E-A947-70E740481C1C}">
+                <a14:useLocalDpi xmlns:a14="http://schemas.microsoft.com/office/drawing/2010/main" val="0"/>
+              </a:ext>
+            </a:extLst>
+          </a:blip>
+          <a:srcRect/>
+          <a:stretch>
+            <a:fillRect/>
+          </a:stretch>
+        </p:blipFill>
+        <p:spPr bwMode="auto">
+          <a:xfrm>
+            <a:off x="685800" y="1981200"/>
+            <a:ext cx="6848475" cy="3219450"/>
+          </a:xfrm>
+          <a:prstGeom prst="rect">
+            <a:avLst/>
+          </a:prstGeom>
+          <a:noFill/>
+          <a:ln>
+            <a:noFill/>
+          </a:ln>
+          <a:extLst>
+            <a:ext uri="{909E8E84-426E-40DD-AFC4-6F175D3DCCD1}">
+              <a14:hiddenFill xmlns:a14="http://schemas.microsoft.com/office/drawing/2010/main">
+                <a:solidFill>
+                  <a:schemeClr val="accent1"/>
+                </a:solidFill>
+              </a14:hiddenFill>
+            </a:ext>
+            <a:ext uri="{91240B29-F687-4F45-9708-019B960494DF}">
+              <a14:hiddenLine xmlns:a14="http://schemas.microsoft.com/office/drawing/2010/main" w="9525">
+                <a:solidFill>
+                  <a:schemeClr val="tx1"/>
+                </a:solidFill>
+                <a:miter lim="800000"/>
+                <a:headEnd/>
+                <a:tailEnd/>
+              </a14:hiddenLine>
+            </a:ext>
+          </a:extLst>
+        </p:spPr>
+      </p:pic>
     </p:spTree>
     <p:extLst>
       <p:ext uri="{BB962C8B-B14F-4D97-AF65-F5344CB8AC3E}">
@@ -4658,136 +5837,781 @@
         </p:nvSpPr>
         <p:spPr/>
         <p:txBody>
-          <a:bodyPr/>
-          <a:lstStyle/>
-          <a:p>
-            <a:r>
-              <a:rPr lang="en-US" dirty="0" smtClean="0"/>
-              <a:t>Language Related:</a:t>
-            </a:r>
-            <a:endParaRPr lang="en-US" dirty="0"/>
-          </a:p>
-        </p:txBody>
-      </p:sp>
-      <p:sp>
-        <p:nvSpPr>
-          <p:cNvPr id="3" name="Content Placeholder 2"/>
-          <p:cNvSpPr>
-            <a:spLocks noGrp="1"/>
-          </p:cNvSpPr>
-          <p:nvPr>
-            <p:ph sz="quarter" idx="1"/>
-          </p:nvPr>
-        </p:nvSpPr>
-        <p:spPr/>
-        <p:txBody>
           <a:bodyPr>
             <a:normAutofit/>
           </a:bodyPr>
           <a:lstStyle/>
           <a:p>
             <a:r>
+              <a:rPr lang="en-US" dirty="0"/>
+              <a:t>Knowing to </a:t>
+            </a:r>
+            <a:r>
+              <a:rPr lang="en-US" dirty="0" err="1"/>
+              <a:t>Git</a:t>
+            </a:r>
+            <a:endParaRPr lang="en-US" dirty="0"/>
+          </a:p>
+        </p:txBody>
+      </p:sp>
+      <p:sp>
+        <p:nvSpPr>
+          <p:cNvPr id="3" name="Content Placeholder 2"/>
+          <p:cNvSpPr>
+            <a:spLocks noGrp="1"/>
+          </p:cNvSpPr>
+          <p:nvPr>
+            <p:ph sz="quarter" idx="1"/>
+          </p:nvPr>
+        </p:nvSpPr>
+        <p:spPr/>
+        <p:txBody>
+          <a:bodyPr>
+            <a:normAutofit/>
+          </a:bodyPr>
+          <a:lstStyle/>
+          <a:p>
+            <a:r>
               <a:rPr lang="en-US" dirty="0" smtClean="0"/>
-              <a:t>JavaScript (</a:t>
-            </a:r>
-            <a:r>
-              <a:rPr lang="en-US" dirty="0"/>
-              <a:t>Weak </a:t>
+              <a:t>.</a:t>
+            </a:r>
+            <a:r>
+              <a:rPr lang="en-US" dirty="0" err="1" smtClean="0"/>
+              <a:t>git</a:t>
             </a:r>
             <a:r>
               <a:rPr lang="en-US" dirty="0" smtClean="0"/>
-              <a:t>Type / Flexibility)</a:t>
-            </a:r>
-          </a:p>
-          <a:p>
-            <a:r>
-              <a:rPr lang="en-US" dirty="0" err="1" smtClean="0"/>
-              <a:t>Extjs</a:t>
-            </a:r>
-            <a:r>
-              <a:rPr lang="en-US" dirty="0" smtClean="0"/>
-              <a:t> (Base on JS/ Client side only/ MVC/ </a:t>
-            </a:r>
-            <a:r>
-              <a:rPr lang="en-US" dirty="0" err="1" smtClean="0"/>
-              <a:t>config</a:t>
-            </a:r>
-            <a:r>
-              <a:rPr lang="en-US" dirty="0" smtClean="0"/>
-              <a:t> /sample)</a:t>
-            </a:r>
-          </a:p>
-          <a:p>
-            <a:r>
-              <a:rPr lang="en-US" dirty="0" smtClean="0"/>
-              <a:t>RPUX (Base on </a:t>
-            </a:r>
-            <a:r>
-              <a:rPr lang="en-US" dirty="0" err="1" smtClean="0"/>
-              <a:t>Extjs</a:t>
-            </a:r>
-            <a:r>
-              <a:rPr lang="en-US" dirty="0" smtClean="0"/>
-              <a:t>/like MCS/ Controllers set)</a:t>
-            </a:r>
-          </a:p>
-          <a:p>
-            <a:r>
-              <a:rPr lang="en-US" dirty="0" smtClean="0"/>
-              <a:t>CSS (cascade style sheet)</a:t>
-            </a:r>
-          </a:p>
-          <a:p>
-            <a:r>
-              <a:rPr lang="en-US" dirty="0" smtClean="0"/>
-              <a:t>MVC (Spring / </a:t>
-            </a:r>
-            <a:r>
-              <a:rPr lang="en-US" dirty="0" err="1" smtClean="0"/>
-              <a:t>Extjs</a:t>
-            </a:r>
-            <a:r>
-              <a:rPr lang="en-US" dirty="0" smtClean="0"/>
-              <a:t>)</a:t>
-            </a:r>
-          </a:p>
-          <a:p>
-            <a:r>
-              <a:rPr lang="en-US" dirty="0" smtClean="0"/>
-              <a:t>Sublime Text</a:t>
-            </a:r>
-          </a:p>
-          <a:p>
-            <a:r>
-              <a:rPr lang="en-US" dirty="0" smtClean="0"/>
-              <a:t>Debug (Chrome F12 /Multiple Brower's test/</a:t>
-            </a:r>
-            <a:r>
-              <a:rPr lang="en-US" dirty="0" err="1" smtClean="0"/>
-              <a:t>Ctrl+Sht+L</a:t>
-            </a:r>
-            <a:r>
-              <a:rPr lang="en-US" dirty="0" smtClean="0"/>
-              <a:t>)</a:t>
-            </a:r>
-          </a:p>
-          <a:p>
-            <a:r>
-              <a:rPr lang="en-US" dirty="0" err="1" smtClean="0"/>
-              <a:t>gjslint</a:t>
-            </a:r>
-            <a:r>
-              <a:rPr lang="en-US" dirty="0" smtClean="0"/>
-              <a:t> (JS style check) </a:t>
-            </a:r>
-            <a:endParaRPr lang="en-US" dirty="0"/>
-          </a:p>
-        </p:txBody>
-      </p:sp>
+              <a:t>/Objects</a:t>
+            </a:r>
+            <a:endParaRPr lang="en-US" dirty="0" smtClean="0"/>
+          </a:p>
+          <a:p>
+            <a:endParaRPr lang="en-US" dirty="0" smtClean="0"/>
+          </a:p>
+          <a:p>
+            <a:endParaRPr lang="en-US" dirty="0" smtClean="0"/>
+          </a:p>
+        </p:txBody>
+      </p:sp>
+      <p:pic>
+        <p:nvPicPr>
+          <p:cNvPr id="3074" name="Picture 2"/>
+          <p:cNvPicPr>
+            <a:picLocks noChangeAspect="1" noChangeArrowheads="1"/>
+          </p:cNvPicPr>
+          <p:nvPr/>
+        </p:nvPicPr>
+        <p:blipFill>
+          <a:blip r:embed="rId2">
+            <a:extLst>
+              <a:ext uri="{28A0092B-C50C-407E-A947-70E740481C1C}">
+                <a14:useLocalDpi xmlns:a14="http://schemas.microsoft.com/office/drawing/2010/main" val="0"/>
+              </a:ext>
+            </a:extLst>
+          </a:blip>
+          <a:srcRect/>
+          <a:stretch>
+            <a:fillRect/>
+          </a:stretch>
+        </p:blipFill>
+        <p:spPr bwMode="auto">
+          <a:xfrm>
+            <a:off x="609600" y="1981200"/>
+            <a:ext cx="7496175" cy="3829050"/>
+          </a:xfrm>
+          <a:prstGeom prst="rect">
+            <a:avLst/>
+          </a:prstGeom>
+          <a:noFill/>
+          <a:ln>
+            <a:noFill/>
+          </a:ln>
+          <a:extLst>
+            <a:ext uri="{909E8E84-426E-40DD-AFC4-6F175D3DCCD1}">
+              <a14:hiddenFill xmlns:a14="http://schemas.microsoft.com/office/drawing/2010/main">
+                <a:solidFill>
+                  <a:schemeClr val="accent1"/>
+                </a:solidFill>
+              </a14:hiddenFill>
+            </a:ext>
+            <a:ext uri="{91240B29-F687-4F45-9708-019B960494DF}">
+              <a14:hiddenLine xmlns:a14="http://schemas.microsoft.com/office/drawing/2010/main" w="9525">
+                <a:solidFill>
+                  <a:schemeClr val="tx1"/>
+                </a:solidFill>
+                <a:miter lim="800000"/>
+                <a:headEnd/>
+                <a:tailEnd/>
+              </a14:hiddenLine>
+            </a:ext>
+          </a:extLst>
+        </p:spPr>
+      </p:pic>
     </p:spTree>
     <p:extLst>
       <p:ext uri="{BB962C8B-B14F-4D97-AF65-F5344CB8AC3E}">
-        <p14:creationId xmlns:p14="http://schemas.microsoft.com/office/powerpoint/2010/main" val="2911417084"/>
+        <p14:creationId xmlns:p14="http://schemas.microsoft.com/office/powerpoint/2010/main" val="2428718002"/>
+      </p:ext>
+    </p:extLst>
+  </p:cSld>
+  <p:clrMapOvr>
+    <a:masterClrMapping/>
+  </p:clrMapOvr>
+  <mc:AlternateContent xmlns:mc="http://schemas.openxmlformats.org/markup-compatibility/2006" xmlns:p14="http://schemas.microsoft.com/office/powerpoint/2010/main">
+    <mc:Choice Requires="p14">
+      <p:transition spd="slow" p14:dur="2000"/>
+    </mc:Choice>
+    <mc:Fallback xmlns="">
+      <p:transition spd="slow"/>
+    </mc:Fallback>
+  </mc:AlternateContent>
+</p:sld>
+</file>
+
+<file path=ppt/slides/slide6.xml><?xml version="1.0" encoding="utf-8"?>
+<p:sld xmlns:a="http://schemas.openxmlformats.org/drawingml/2006/main" xmlns:r="http://schemas.openxmlformats.org/officeDocument/2006/relationships" xmlns:p="http://schemas.openxmlformats.org/presentationml/2006/main">
+  <p:cSld>
+    <p:spTree>
+      <p:nvGrpSpPr>
+        <p:cNvPr id="1" name=""/>
+        <p:cNvGrpSpPr/>
+        <p:nvPr/>
+      </p:nvGrpSpPr>
+      <p:grpSpPr>
+        <a:xfrm>
+          <a:off x="0" y="0"/>
+          <a:ext cx="0" cy="0"/>
+          <a:chOff x="0" y="0"/>
+          <a:chExt cx="0" cy="0"/>
+        </a:xfrm>
+      </p:grpSpPr>
+      <p:sp>
+        <p:nvSpPr>
+          <p:cNvPr id="2" name="Title 1"/>
+          <p:cNvSpPr>
+            <a:spLocks noGrp="1"/>
+          </p:cNvSpPr>
+          <p:nvPr>
+            <p:ph type="title"/>
+          </p:nvPr>
+        </p:nvSpPr>
+        <p:spPr/>
+        <p:txBody>
+          <a:bodyPr>
+            <a:normAutofit/>
+          </a:bodyPr>
+          <a:lstStyle/>
+          <a:p>
+            <a:r>
+              <a:rPr lang="en-US" dirty="0"/>
+              <a:t>Knowing to </a:t>
+            </a:r>
+            <a:r>
+              <a:rPr lang="en-US" dirty="0" err="1"/>
+              <a:t>Git</a:t>
+            </a:r>
+            <a:endParaRPr lang="en-US" dirty="0"/>
+          </a:p>
+        </p:txBody>
+      </p:sp>
+      <p:sp>
+        <p:nvSpPr>
+          <p:cNvPr id="3" name="Content Placeholder 2"/>
+          <p:cNvSpPr>
+            <a:spLocks noGrp="1"/>
+          </p:cNvSpPr>
+          <p:nvPr>
+            <p:ph sz="quarter" idx="1"/>
+          </p:nvPr>
+        </p:nvSpPr>
+        <p:spPr/>
+        <p:txBody>
+          <a:bodyPr>
+            <a:normAutofit/>
+          </a:bodyPr>
+          <a:lstStyle/>
+          <a:p>
+            <a:r>
+              <a:rPr lang="en-US" dirty="0" smtClean="0"/>
+              <a:t>.</a:t>
+            </a:r>
+            <a:r>
+              <a:rPr lang="en-US" dirty="0" err="1" smtClean="0"/>
+              <a:t>git</a:t>
+            </a:r>
+            <a:endParaRPr lang="en-US" dirty="0" smtClean="0"/>
+          </a:p>
+          <a:p>
+            <a:endParaRPr lang="en-US" dirty="0" smtClean="0"/>
+          </a:p>
+          <a:p>
+            <a:endParaRPr lang="en-US" dirty="0" smtClean="0"/>
+          </a:p>
+        </p:txBody>
+      </p:sp>
+      <p:pic>
+        <p:nvPicPr>
+          <p:cNvPr id="5122" name="Picture 2"/>
+          <p:cNvPicPr>
+            <a:picLocks noChangeAspect="1" noChangeArrowheads="1"/>
+          </p:cNvPicPr>
+          <p:nvPr/>
+        </p:nvPicPr>
+        <p:blipFill>
+          <a:blip r:embed="rId2">
+            <a:extLst>
+              <a:ext uri="{28A0092B-C50C-407E-A947-70E740481C1C}">
+                <a14:useLocalDpi xmlns:a14="http://schemas.microsoft.com/office/drawing/2010/main" val="0"/>
+              </a:ext>
+            </a:extLst>
+          </a:blip>
+          <a:srcRect/>
+          <a:stretch>
+            <a:fillRect/>
+          </a:stretch>
+        </p:blipFill>
+        <p:spPr bwMode="auto">
+          <a:xfrm>
+            <a:off x="914400" y="1676400"/>
+            <a:ext cx="6343650" cy="4495800"/>
+          </a:xfrm>
+          <a:prstGeom prst="rect">
+            <a:avLst/>
+          </a:prstGeom>
+          <a:noFill/>
+          <a:ln>
+            <a:noFill/>
+          </a:ln>
+          <a:extLst>
+            <a:ext uri="{909E8E84-426E-40DD-AFC4-6F175D3DCCD1}">
+              <a14:hiddenFill xmlns:a14="http://schemas.microsoft.com/office/drawing/2010/main">
+                <a:solidFill>
+                  <a:schemeClr val="accent1"/>
+                </a:solidFill>
+              </a14:hiddenFill>
+            </a:ext>
+            <a:ext uri="{91240B29-F687-4F45-9708-019B960494DF}">
+              <a14:hiddenLine xmlns:a14="http://schemas.microsoft.com/office/drawing/2010/main" w="9525">
+                <a:solidFill>
+                  <a:schemeClr val="tx1"/>
+                </a:solidFill>
+                <a:miter lim="800000"/>
+                <a:headEnd/>
+                <a:tailEnd/>
+              </a14:hiddenLine>
+            </a:ext>
+          </a:extLst>
+        </p:spPr>
+      </p:pic>
+    </p:spTree>
+    <p:extLst>
+      <p:ext uri="{BB962C8B-B14F-4D97-AF65-F5344CB8AC3E}">
+        <p14:creationId xmlns:p14="http://schemas.microsoft.com/office/powerpoint/2010/main" val="565867165"/>
+      </p:ext>
+    </p:extLst>
+  </p:cSld>
+  <p:clrMapOvr>
+    <a:masterClrMapping/>
+  </p:clrMapOvr>
+  <mc:AlternateContent xmlns:mc="http://schemas.openxmlformats.org/markup-compatibility/2006" xmlns:p14="http://schemas.microsoft.com/office/powerpoint/2010/main">
+    <mc:Choice Requires="p14">
+      <p:transition spd="slow" p14:dur="2000"/>
+    </mc:Choice>
+    <mc:Fallback xmlns="">
+      <p:transition spd="slow"/>
+    </mc:Fallback>
+  </mc:AlternateContent>
+</p:sld>
+</file>
+
+<file path=ppt/slides/slide7.xml><?xml version="1.0" encoding="utf-8"?>
+<p:sld xmlns:a="http://schemas.openxmlformats.org/drawingml/2006/main" xmlns:r="http://schemas.openxmlformats.org/officeDocument/2006/relationships" xmlns:p="http://schemas.openxmlformats.org/presentationml/2006/main">
+  <p:cSld>
+    <p:spTree>
+      <p:nvGrpSpPr>
+        <p:cNvPr id="1" name=""/>
+        <p:cNvGrpSpPr/>
+        <p:nvPr/>
+      </p:nvGrpSpPr>
+      <p:grpSpPr>
+        <a:xfrm>
+          <a:off x="0" y="0"/>
+          <a:ext cx="0" cy="0"/>
+          <a:chOff x="0" y="0"/>
+          <a:chExt cx="0" cy="0"/>
+        </a:xfrm>
+      </p:grpSpPr>
+      <p:sp>
+        <p:nvSpPr>
+          <p:cNvPr id="2" name="Title 1"/>
+          <p:cNvSpPr>
+            <a:spLocks noGrp="1"/>
+          </p:cNvSpPr>
+          <p:nvPr>
+            <p:ph type="title"/>
+          </p:nvPr>
+        </p:nvSpPr>
+        <p:spPr/>
+        <p:txBody>
+          <a:bodyPr>
+            <a:normAutofit/>
+          </a:bodyPr>
+          <a:lstStyle/>
+          <a:p>
+            <a:r>
+              <a:rPr lang="en-US" dirty="0"/>
+              <a:t>Knowing to </a:t>
+            </a:r>
+            <a:r>
+              <a:rPr lang="en-US" dirty="0" err="1"/>
+              <a:t>Git</a:t>
+            </a:r>
+            <a:endParaRPr lang="en-US" dirty="0"/>
+          </a:p>
+        </p:txBody>
+      </p:sp>
+      <p:sp>
+        <p:nvSpPr>
+          <p:cNvPr id="3" name="Content Placeholder 2"/>
+          <p:cNvSpPr>
+            <a:spLocks noGrp="1"/>
+          </p:cNvSpPr>
+          <p:nvPr>
+            <p:ph sz="quarter" idx="1"/>
+          </p:nvPr>
+        </p:nvSpPr>
+        <p:spPr/>
+        <p:txBody>
+          <a:bodyPr>
+            <a:normAutofit/>
+          </a:bodyPr>
+          <a:lstStyle/>
+          <a:p>
+            <a:r>
+              <a:rPr lang="en-US" dirty="0" smtClean="0"/>
+              <a:t>What is HEAD, master and index?</a:t>
+            </a:r>
+            <a:endParaRPr lang="en-US" dirty="0" smtClean="0"/>
+          </a:p>
+          <a:p>
+            <a:pPr marL="0" indent="0">
+              <a:buNone/>
+            </a:pPr>
+            <a:r>
+              <a:rPr lang="en-US" dirty="0" smtClean="0"/>
+              <a:t>.</a:t>
+            </a:r>
+            <a:r>
+              <a:rPr lang="en-US" dirty="0" err="1" smtClean="0"/>
+              <a:t>git</a:t>
+            </a:r>
+            <a:r>
+              <a:rPr lang="en-US" dirty="0" smtClean="0"/>
+              <a:t>/HEAD</a:t>
+            </a:r>
+          </a:p>
+          <a:p>
+            <a:pPr marL="0" indent="0">
+              <a:buNone/>
+            </a:pPr>
+            <a:r>
+              <a:rPr lang="en-US" sz="1600" dirty="0" smtClean="0"/>
+              <a:t>ref</a:t>
+            </a:r>
+            <a:r>
+              <a:rPr lang="en-US" sz="1600" dirty="0"/>
+              <a:t>: refs/heads/master</a:t>
+            </a:r>
+            <a:endParaRPr lang="en-US" sz="1600" dirty="0" smtClean="0"/>
+          </a:p>
+          <a:p>
+            <a:pPr marL="0" indent="0">
+              <a:buNone/>
+            </a:pPr>
+            <a:r>
+              <a:rPr lang="en-US" dirty="0" smtClean="0"/>
+              <a:t>.</a:t>
+            </a:r>
+            <a:r>
+              <a:rPr lang="en-US" dirty="0" err="1" smtClean="0"/>
+              <a:t>git</a:t>
+            </a:r>
+            <a:r>
+              <a:rPr lang="en-US" dirty="0" smtClean="0"/>
+              <a:t>/refs/heads/master</a:t>
+            </a:r>
+          </a:p>
+          <a:p>
+            <a:pPr marL="0" indent="0">
+              <a:buNone/>
+            </a:pPr>
+            <a:r>
+              <a:rPr lang="en-US" sz="1600" dirty="0"/>
+              <a:t>f1177479c70b56837afd50a6c05a747ea8bc3255</a:t>
+            </a:r>
+          </a:p>
+          <a:p>
+            <a:pPr marL="0" indent="0">
+              <a:buNone/>
+            </a:pPr>
+            <a:r>
+              <a:rPr lang="en-US" dirty="0"/>
+              <a:t>.</a:t>
+            </a:r>
+            <a:r>
+              <a:rPr lang="en-US" dirty="0" err="1" smtClean="0"/>
+              <a:t>git</a:t>
+            </a:r>
+            <a:r>
+              <a:rPr lang="en-US" dirty="0" smtClean="0"/>
+              <a:t>/Index</a:t>
+            </a:r>
+          </a:p>
+          <a:p>
+            <a:r>
+              <a:rPr lang="en-US" dirty="0" smtClean="0"/>
+              <a:t>What does HEAD^ and </a:t>
+            </a:r>
+            <a:r>
+              <a:rPr lang="en-US" dirty="0" err="1" smtClean="0"/>
+              <a:t>HEAD~n</a:t>
+            </a:r>
+            <a:r>
+              <a:rPr lang="en-US" dirty="0" smtClean="0"/>
+              <a:t> mean?</a:t>
+            </a:r>
+            <a:endParaRPr lang="en-US" dirty="0"/>
+          </a:p>
+          <a:p>
+            <a:pPr marL="0" indent="0">
+              <a:buNone/>
+            </a:pPr>
+            <a:endParaRPr lang="en-US" dirty="0"/>
+          </a:p>
+          <a:p>
+            <a:pPr marL="0" indent="0">
+              <a:buNone/>
+            </a:pPr>
+            <a:endParaRPr lang="en-US" dirty="0" smtClean="0"/>
+          </a:p>
+        </p:txBody>
+      </p:sp>
+    </p:spTree>
+    <p:extLst>
+      <p:ext uri="{BB962C8B-B14F-4D97-AF65-F5344CB8AC3E}">
+        <p14:creationId xmlns:p14="http://schemas.microsoft.com/office/powerpoint/2010/main" val="1492516612"/>
+      </p:ext>
+    </p:extLst>
+  </p:cSld>
+  <p:clrMapOvr>
+    <a:masterClrMapping/>
+  </p:clrMapOvr>
+  <mc:AlternateContent xmlns:mc="http://schemas.openxmlformats.org/markup-compatibility/2006" xmlns:p14="http://schemas.microsoft.com/office/powerpoint/2010/main">
+    <mc:Choice Requires="p14">
+      <p:transition spd="slow" p14:dur="2000"/>
+    </mc:Choice>
+    <mc:Fallback xmlns="">
+      <p:transition spd="slow"/>
+    </mc:Fallback>
+  </mc:AlternateContent>
+</p:sld>
+</file>
+
+<file path=ppt/slides/slide8.xml><?xml version="1.0" encoding="utf-8"?>
+<p:sld xmlns:a="http://schemas.openxmlformats.org/drawingml/2006/main" xmlns:r="http://schemas.openxmlformats.org/officeDocument/2006/relationships" xmlns:p="http://schemas.openxmlformats.org/presentationml/2006/main">
+  <p:cSld>
+    <p:spTree>
+      <p:nvGrpSpPr>
+        <p:cNvPr id="1" name=""/>
+        <p:cNvGrpSpPr/>
+        <p:nvPr/>
+      </p:nvGrpSpPr>
+      <p:grpSpPr>
+        <a:xfrm>
+          <a:off x="0" y="0"/>
+          <a:ext cx="0" cy="0"/>
+          <a:chOff x="0" y="0"/>
+          <a:chExt cx="0" cy="0"/>
+        </a:xfrm>
+      </p:grpSpPr>
+      <p:sp>
+        <p:nvSpPr>
+          <p:cNvPr id="2" name="Title 1"/>
+          <p:cNvSpPr>
+            <a:spLocks noGrp="1"/>
+          </p:cNvSpPr>
+          <p:nvPr>
+            <p:ph type="title"/>
+          </p:nvPr>
+        </p:nvSpPr>
+        <p:spPr/>
+        <p:txBody>
+          <a:bodyPr>
+            <a:normAutofit/>
+          </a:bodyPr>
+          <a:lstStyle/>
+          <a:p>
+            <a:r>
+              <a:rPr lang="en-US" dirty="0"/>
+              <a:t>Knowing to </a:t>
+            </a:r>
+            <a:r>
+              <a:rPr lang="en-US" dirty="0" err="1"/>
+              <a:t>Git</a:t>
+            </a:r>
+            <a:endParaRPr lang="en-US" dirty="0"/>
+          </a:p>
+        </p:txBody>
+      </p:sp>
+      <p:sp>
+        <p:nvSpPr>
+          <p:cNvPr id="3" name="Content Placeholder 2"/>
+          <p:cNvSpPr>
+            <a:spLocks noGrp="1"/>
+          </p:cNvSpPr>
+          <p:nvPr>
+            <p:ph sz="quarter" idx="1"/>
+          </p:nvPr>
+        </p:nvSpPr>
+        <p:spPr/>
+        <p:txBody>
+          <a:bodyPr>
+            <a:normAutofit/>
+          </a:bodyPr>
+          <a:lstStyle/>
+          <a:p>
+            <a:r>
+              <a:rPr lang="en-US" dirty="0" err="1" smtClean="0"/>
+              <a:t>Git</a:t>
+            </a:r>
+            <a:r>
+              <a:rPr lang="en-US" dirty="0" smtClean="0"/>
+              <a:t> diff</a:t>
+            </a:r>
+            <a:endParaRPr lang="en-US" dirty="0" smtClean="0"/>
+          </a:p>
+          <a:p>
+            <a:endParaRPr lang="en-US" dirty="0" smtClean="0"/>
+          </a:p>
+          <a:p>
+            <a:endParaRPr lang="en-US" dirty="0" smtClean="0"/>
+          </a:p>
+        </p:txBody>
+      </p:sp>
+      <p:pic>
+        <p:nvPicPr>
+          <p:cNvPr id="2050" name="Picture 2"/>
+          <p:cNvPicPr>
+            <a:picLocks noChangeAspect="1" noChangeArrowheads="1"/>
+          </p:cNvPicPr>
+          <p:nvPr/>
+        </p:nvPicPr>
+        <p:blipFill>
+          <a:blip r:embed="rId2">
+            <a:extLst>
+              <a:ext uri="{28A0092B-C50C-407E-A947-70E740481C1C}">
+                <a14:useLocalDpi xmlns:a14="http://schemas.microsoft.com/office/drawing/2010/main" val="0"/>
+              </a:ext>
+            </a:extLst>
+          </a:blip>
+          <a:srcRect/>
+          <a:stretch>
+            <a:fillRect/>
+          </a:stretch>
+        </p:blipFill>
+        <p:spPr bwMode="auto">
+          <a:xfrm>
+            <a:off x="1385888" y="1695450"/>
+            <a:ext cx="6372225" cy="3467100"/>
+          </a:xfrm>
+          <a:prstGeom prst="rect">
+            <a:avLst/>
+          </a:prstGeom>
+          <a:noFill/>
+          <a:ln>
+            <a:noFill/>
+          </a:ln>
+          <a:extLst>
+            <a:ext uri="{909E8E84-426E-40DD-AFC4-6F175D3DCCD1}">
+              <a14:hiddenFill xmlns:a14="http://schemas.microsoft.com/office/drawing/2010/main">
+                <a:solidFill>
+                  <a:schemeClr val="accent1"/>
+                </a:solidFill>
+              </a14:hiddenFill>
+            </a:ext>
+            <a:ext uri="{91240B29-F687-4F45-9708-019B960494DF}">
+              <a14:hiddenLine xmlns:a14="http://schemas.microsoft.com/office/drawing/2010/main" w="9525">
+                <a:solidFill>
+                  <a:schemeClr val="tx1"/>
+                </a:solidFill>
+                <a:miter lim="800000"/>
+                <a:headEnd/>
+                <a:tailEnd/>
+              </a14:hiddenLine>
+            </a:ext>
+          </a:extLst>
+        </p:spPr>
+      </p:pic>
+    </p:spTree>
+    <p:extLst>
+      <p:ext uri="{BB962C8B-B14F-4D97-AF65-F5344CB8AC3E}">
+        <p14:creationId xmlns:p14="http://schemas.microsoft.com/office/powerpoint/2010/main" val="3784277457"/>
+      </p:ext>
+    </p:extLst>
+  </p:cSld>
+  <p:clrMapOvr>
+    <a:masterClrMapping/>
+  </p:clrMapOvr>
+  <mc:AlternateContent xmlns:mc="http://schemas.openxmlformats.org/markup-compatibility/2006" xmlns:p14="http://schemas.microsoft.com/office/powerpoint/2010/main">
+    <mc:Choice Requires="p14">
+      <p:transition spd="slow" p14:dur="2000"/>
+    </mc:Choice>
+    <mc:Fallback xmlns="">
+      <p:transition spd="slow"/>
+    </mc:Fallback>
+  </mc:AlternateContent>
+</p:sld>
+</file>
+
+<file path=ppt/slides/slide9.xml><?xml version="1.0" encoding="utf-8"?>
+<p:sld xmlns:a="http://schemas.openxmlformats.org/drawingml/2006/main" xmlns:r="http://schemas.openxmlformats.org/officeDocument/2006/relationships" xmlns:p="http://schemas.openxmlformats.org/presentationml/2006/main">
+  <p:cSld>
+    <p:spTree>
+      <p:nvGrpSpPr>
+        <p:cNvPr id="1" name=""/>
+        <p:cNvGrpSpPr/>
+        <p:nvPr/>
+      </p:nvGrpSpPr>
+      <p:grpSpPr>
+        <a:xfrm>
+          <a:off x="0" y="0"/>
+          <a:ext cx="0" cy="0"/>
+          <a:chOff x="0" y="0"/>
+          <a:chExt cx="0" cy="0"/>
+        </a:xfrm>
+      </p:grpSpPr>
+      <p:sp>
+        <p:nvSpPr>
+          <p:cNvPr id="2" name="Title 1"/>
+          <p:cNvSpPr>
+            <a:spLocks noGrp="1"/>
+          </p:cNvSpPr>
+          <p:nvPr>
+            <p:ph type="title"/>
+          </p:nvPr>
+        </p:nvSpPr>
+        <p:spPr/>
+        <p:txBody>
+          <a:bodyPr>
+            <a:normAutofit/>
+          </a:bodyPr>
+          <a:lstStyle/>
+          <a:p>
+            <a:r>
+              <a:rPr lang="en-US" dirty="0"/>
+              <a:t>Knowing to </a:t>
+            </a:r>
+            <a:r>
+              <a:rPr lang="en-US" dirty="0" err="1"/>
+              <a:t>Git</a:t>
+            </a:r>
+            <a:endParaRPr lang="en-US" dirty="0"/>
+          </a:p>
+        </p:txBody>
+      </p:sp>
+      <p:sp>
+        <p:nvSpPr>
+          <p:cNvPr id="3" name="Content Placeholder 2"/>
+          <p:cNvSpPr>
+            <a:spLocks noGrp="1"/>
+          </p:cNvSpPr>
+          <p:nvPr>
+            <p:ph sz="quarter" idx="1"/>
+          </p:nvPr>
+        </p:nvSpPr>
+        <p:spPr/>
+        <p:txBody>
+          <a:bodyPr>
+            <a:normAutofit/>
+          </a:bodyPr>
+          <a:lstStyle/>
+          <a:p>
+            <a:r>
+              <a:rPr lang="en-US" dirty="0" err="1" smtClean="0"/>
+              <a:t>Git</a:t>
+            </a:r>
+            <a:r>
+              <a:rPr lang="en-US" dirty="0" smtClean="0"/>
+              <a:t> reset</a:t>
+            </a:r>
+            <a:endParaRPr lang="en-US" dirty="0" smtClean="0"/>
+          </a:p>
+          <a:p>
+            <a:endParaRPr lang="en-US" dirty="0" smtClean="0"/>
+          </a:p>
+          <a:p>
+            <a:endParaRPr lang="en-US" dirty="0" smtClean="0"/>
+          </a:p>
+        </p:txBody>
+      </p:sp>
+      <p:pic>
+        <p:nvPicPr>
+          <p:cNvPr id="4098" name="Picture 2"/>
+          <p:cNvPicPr>
+            <a:picLocks noChangeAspect="1" noChangeArrowheads="1"/>
+          </p:cNvPicPr>
+          <p:nvPr/>
+        </p:nvPicPr>
+        <p:blipFill>
+          <a:blip r:embed="rId2">
+            <a:extLst>
+              <a:ext uri="{28A0092B-C50C-407E-A947-70E740481C1C}">
+                <a14:useLocalDpi xmlns:a14="http://schemas.microsoft.com/office/drawing/2010/main" val="0"/>
+              </a:ext>
+            </a:extLst>
+          </a:blip>
+          <a:srcRect/>
+          <a:stretch>
+            <a:fillRect/>
+          </a:stretch>
+        </p:blipFill>
+        <p:spPr bwMode="auto">
+          <a:xfrm>
+            <a:off x="709613" y="1828800"/>
+            <a:ext cx="7724775" cy="3733800"/>
+          </a:xfrm>
+          <a:prstGeom prst="rect">
+            <a:avLst/>
+          </a:prstGeom>
+          <a:noFill/>
+          <a:ln>
+            <a:noFill/>
+          </a:ln>
+          <a:extLst>
+            <a:ext uri="{909E8E84-426E-40DD-AFC4-6F175D3DCCD1}">
+              <a14:hiddenFill xmlns:a14="http://schemas.microsoft.com/office/drawing/2010/main">
+                <a:solidFill>
+                  <a:schemeClr val="accent1"/>
+                </a:solidFill>
+              </a14:hiddenFill>
+            </a:ext>
+            <a:ext uri="{91240B29-F687-4F45-9708-019B960494DF}">
+              <a14:hiddenLine xmlns:a14="http://schemas.microsoft.com/office/drawing/2010/main" w="9525">
+                <a:solidFill>
+                  <a:schemeClr val="tx1"/>
+                </a:solidFill>
+                <a:miter lim="800000"/>
+                <a:headEnd/>
+                <a:tailEnd/>
+              </a14:hiddenLine>
+            </a:ext>
+          </a:extLst>
+        </p:spPr>
+      </p:pic>
+    </p:spTree>
+    <p:extLst>
+      <p:ext uri="{BB962C8B-B14F-4D97-AF65-F5344CB8AC3E}">
+        <p14:creationId xmlns:p14="http://schemas.microsoft.com/office/powerpoint/2010/main" val="467724190"/>
       </p:ext>
     </p:extLst>
   </p:cSld>
